--- a/Figures/4_4_2023_DataUpdate.pptx
+++ b/Figures/4_4_2023_DataUpdate.pptx
@@ -11,12 +11,12 @@
     <p:sldId id="256" r:id="rId2"/>
     <p:sldId id="261" r:id="rId3"/>
     <p:sldId id="257" r:id="rId4"/>
-    <p:sldId id="265" r:id="rId5"/>
-    <p:sldId id="258" r:id="rId6"/>
-    <p:sldId id="259" r:id="rId7"/>
-    <p:sldId id="260" r:id="rId8"/>
-    <p:sldId id="263" r:id="rId9"/>
-    <p:sldId id="264" r:id="rId10"/>
+    <p:sldId id="258" r:id="rId5"/>
+    <p:sldId id="259" r:id="rId6"/>
+    <p:sldId id="260" r:id="rId7"/>
+    <p:sldId id="263" r:id="rId8"/>
+    <p:sldId id="264" r:id="rId9"/>
+    <p:sldId id="265" r:id="rId10"/>
   </p:sldIdLst>
   <p:sldSz cx="12192000" cy="6858000"/>
   <p:notesSz cx="6858000" cy="9144000"/>
@@ -874,11 +874,762 @@
 </dgm:colorsDef>
 </file>
 
+<file path=ppt/diagrams/colors2.xml><?xml version="1.0" encoding="utf-8"?>
+<dgm:colorsDef xmlns:dgm="http://schemas.openxmlformats.org/drawingml/2006/diagram" xmlns:a="http://schemas.openxmlformats.org/drawingml/2006/main" uniqueId="urn:microsoft.com/office/officeart/2005/8/colors/accent0_3">
+  <dgm:title val=""/>
+  <dgm:desc val=""/>
+  <dgm:catLst>
+    <dgm:cat type="mainScheme" pri="10300"/>
+  </dgm:catLst>
+  <dgm:styleLbl name="node0">
+    <dgm:fillClrLst meth="repeat">
+      <a:schemeClr val="dk2"/>
+    </dgm:fillClrLst>
+    <dgm:linClrLst meth="repeat">
+      <a:schemeClr val="lt2"/>
+    </dgm:linClrLst>
+    <dgm:effectClrLst/>
+    <dgm:txLinClrLst/>
+    <dgm:txFillClrLst/>
+    <dgm:txEffectClrLst/>
+  </dgm:styleLbl>
+  <dgm:styleLbl name="alignNode1">
+    <dgm:fillClrLst meth="repeat">
+      <a:schemeClr val="dk2"/>
+    </dgm:fillClrLst>
+    <dgm:linClrLst meth="repeat">
+      <a:schemeClr val="dk2"/>
+    </dgm:linClrLst>
+    <dgm:effectClrLst/>
+    <dgm:txLinClrLst/>
+    <dgm:txFillClrLst/>
+    <dgm:txEffectClrLst/>
+  </dgm:styleLbl>
+  <dgm:styleLbl name="node1">
+    <dgm:fillClrLst meth="repeat">
+      <a:schemeClr val="dk2"/>
+    </dgm:fillClrLst>
+    <dgm:linClrLst meth="repeat">
+      <a:schemeClr val="lt2"/>
+    </dgm:linClrLst>
+    <dgm:effectClrLst/>
+    <dgm:txLinClrLst/>
+    <dgm:txFillClrLst/>
+    <dgm:txEffectClrLst/>
+  </dgm:styleLbl>
+  <dgm:styleLbl name="lnNode1">
+    <dgm:fillClrLst meth="repeat">
+      <a:schemeClr val="dk2"/>
+    </dgm:fillClrLst>
+    <dgm:linClrLst meth="repeat">
+      <a:schemeClr val="lt2"/>
+    </dgm:linClrLst>
+    <dgm:effectClrLst/>
+    <dgm:txLinClrLst/>
+    <dgm:txFillClrLst/>
+    <dgm:txEffectClrLst/>
+  </dgm:styleLbl>
+  <dgm:styleLbl name="vennNode1">
+    <dgm:fillClrLst meth="repeat">
+      <a:schemeClr val="dk2">
+        <a:alpha val="50000"/>
+      </a:schemeClr>
+    </dgm:fillClrLst>
+    <dgm:linClrLst meth="repeat">
+      <a:schemeClr val="lt2"/>
+    </dgm:linClrLst>
+    <dgm:effectClrLst/>
+    <dgm:txLinClrLst/>
+    <dgm:txFillClrLst/>
+    <dgm:txEffectClrLst/>
+  </dgm:styleLbl>
+  <dgm:styleLbl name="node2">
+    <dgm:fillClrLst meth="repeat">
+      <a:schemeClr val="dk2"/>
+    </dgm:fillClrLst>
+    <dgm:linClrLst meth="repeat">
+      <a:schemeClr val="lt2"/>
+    </dgm:linClrLst>
+    <dgm:effectClrLst/>
+    <dgm:txLinClrLst/>
+    <dgm:txFillClrLst/>
+    <dgm:txEffectClrLst/>
+  </dgm:styleLbl>
+  <dgm:styleLbl name="node3">
+    <dgm:fillClrLst meth="repeat">
+      <a:schemeClr val="dk2"/>
+    </dgm:fillClrLst>
+    <dgm:linClrLst meth="repeat">
+      <a:schemeClr val="lt2"/>
+    </dgm:linClrLst>
+    <dgm:effectClrLst/>
+    <dgm:txLinClrLst/>
+    <dgm:txFillClrLst/>
+    <dgm:txEffectClrLst/>
+  </dgm:styleLbl>
+  <dgm:styleLbl name="node4">
+    <dgm:fillClrLst meth="repeat">
+      <a:schemeClr val="dk2"/>
+    </dgm:fillClrLst>
+    <dgm:linClrLst meth="repeat">
+      <a:schemeClr val="lt2"/>
+    </dgm:linClrLst>
+    <dgm:effectClrLst/>
+    <dgm:txLinClrLst/>
+    <dgm:txFillClrLst/>
+    <dgm:txEffectClrLst/>
+  </dgm:styleLbl>
+  <dgm:styleLbl name="fgImgPlace1">
+    <dgm:fillClrLst meth="repeat">
+      <a:schemeClr val="dk2">
+        <a:tint val="50000"/>
+      </a:schemeClr>
+    </dgm:fillClrLst>
+    <dgm:linClrLst meth="repeat">
+      <a:schemeClr val="lt2"/>
+    </dgm:linClrLst>
+    <dgm:effectClrLst/>
+    <dgm:txLinClrLst/>
+    <dgm:txFillClrLst meth="repeat">
+      <a:schemeClr val="lt2"/>
+    </dgm:txFillClrLst>
+    <dgm:txEffectClrLst/>
+  </dgm:styleLbl>
+  <dgm:styleLbl name="alignImgPlace1">
+    <dgm:fillClrLst meth="repeat">
+      <a:schemeClr val="dk2">
+        <a:tint val="50000"/>
+      </a:schemeClr>
+    </dgm:fillClrLst>
+    <dgm:linClrLst meth="repeat">
+      <a:schemeClr val="dk2">
+        <a:shade val="80000"/>
+      </a:schemeClr>
+    </dgm:linClrLst>
+    <dgm:effectClrLst/>
+    <dgm:txLinClrLst/>
+    <dgm:txFillClrLst meth="repeat">
+      <a:schemeClr val="lt2"/>
+    </dgm:txFillClrLst>
+    <dgm:txEffectClrLst/>
+  </dgm:styleLbl>
+  <dgm:styleLbl name="bgImgPlace1">
+    <dgm:fillClrLst meth="repeat">
+      <a:schemeClr val="dk2">
+        <a:tint val="50000"/>
+      </a:schemeClr>
+    </dgm:fillClrLst>
+    <dgm:linClrLst meth="repeat">
+      <a:schemeClr val="dk2">
+        <a:shade val="80000"/>
+      </a:schemeClr>
+    </dgm:linClrLst>
+    <dgm:effectClrLst/>
+    <dgm:txLinClrLst/>
+    <dgm:txFillClrLst meth="repeat">
+      <a:schemeClr val="lt2"/>
+    </dgm:txFillClrLst>
+    <dgm:txEffectClrLst/>
+  </dgm:styleLbl>
+  <dgm:styleLbl name="sibTrans2D1">
+    <dgm:fillClrLst meth="repeat">
+      <a:schemeClr val="dk2">
+        <a:tint val="60000"/>
+      </a:schemeClr>
+    </dgm:fillClrLst>
+    <dgm:linClrLst meth="repeat">
+      <a:schemeClr val="dk2">
+        <a:tint val="60000"/>
+      </a:schemeClr>
+    </dgm:linClrLst>
+    <dgm:effectClrLst/>
+    <dgm:txLinClrLst/>
+    <dgm:txFillClrLst/>
+    <dgm:txEffectClrLst/>
+  </dgm:styleLbl>
+  <dgm:styleLbl name="fgSibTrans2D1">
+    <dgm:fillClrLst meth="repeat">
+      <a:schemeClr val="dk2">
+        <a:tint val="60000"/>
+      </a:schemeClr>
+    </dgm:fillClrLst>
+    <dgm:linClrLst meth="repeat">
+      <a:schemeClr val="dk2">
+        <a:tint val="60000"/>
+      </a:schemeClr>
+    </dgm:linClrLst>
+    <dgm:effectClrLst/>
+    <dgm:txLinClrLst/>
+    <dgm:txFillClrLst/>
+    <dgm:txEffectClrLst/>
+  </dgm:styleLbl>
+  <dgm:styleLbl name="bgSibTrans2D1">
+    <dgm:fillClrLst meth="repeat">
+      <a:schemeClr val="dk2">
+        <a:tint val="60000"/>
+      </a:schemeClr>
+    </dgm:fillClrLst>
+    <dgm:linClrLst meth="repeat">
+      <a:schemeClr val="dk2">
+        <a:tint val="60000"/>
+      </a:schemeClr>
+    </dgm:linClrLst>
+    <dgm:effectClrLst/>
+    <dgm:txLinClrLst/>
+    <dgm:txFillClrLst/>
+    <dgm:txEffectClrLst/>
+  </dgm:styleLbl>
+  <dgm:styleLbl name="sibTrans1D1">
+    <dgm:fillClrLst meth="repeat">
+      <a:schemeClr val="dk2"/>
+    </dgm:fillClrLst>
+    <dgm:linClrLst meth="repeat">
+      <a:schemeClr val="dk2"/>
+    </dgm:linClrLst>
+    <dgm:effectClrLst/>
+    <dgm:txLinClrLst/>
+    <dgm:txFillClrLst meth="repeat">
+      <a:schemeClr val="lt2"/>
+    </dgm:txFillClrLst>
+    <dgm:txEffectClrLst/>
+  </dgm:styleLbl>
+  <dgm:styleLbl name="callout">
+    <dgm:fillClrLst meth="repeat">
+      <a:schemeClr val="dk2"/>
+    </dgm:fillClrLst>
+    <dgm:linClrLst meth="repeat">
+      <a:schemeClr val="dk2">
+        <a:tint val="50000"/>
+      </a:schemeClr>
+    </dgm:linClrLst>
+    <dgm:effectClrLst/>
+    <dgm:txLinClrLst/>
+    <dgm:txFillClrLst meth="repeat">
+      <a:schemeClr val="lt2"/>
+    </dgm:txFillClrLst>
+    <dgm:txEffectClrLst/>
+  </dgm:styleLbl>
+  <dgm:styleLbl name="asst0">
+    <dgm:fillClrLst meth="repeat">
+      <a:schemeClr val="dk2"/>
+    </dgm:fillClrLst>
+    <dgm:linClrLst meth="repeat">
+      <a:schemeClr val="lt2"/>
+    </dgm:linClrLst>
+    <dgm:effectClrLst/>
+    <dgm:txLinClrLst/>
+    <dgm:txFillClrLst/>
+    <dgm:txEffectClrLst/>
+  </dgm:styleLbl>
+  <dgm:styleLbl name="asst1">
+    <dgm:fillClrLst meth="repeat">
+      <a:schemeClr val="dk2"/>
+    </dgm:fillClrLst>
+    <dgm:linClrLst meth="repeat">
+      <a:schemeClr val="lt2"/>
+    </dgm:linClrLst>
+    <dgm:effectClrLst/>
+    <dgm:txLinClrLst/>
+    <dgm:txFillClrLst/>
+    <dgm:txEffectClrLst/>
+  </dgm:styleLbl>
+  <dgm:styleLbl name="asst2">
+    <dgm:fillClrLst meth="repeat">
+      <a:schemeClr val="dk2"/>
+    </dgm:fillClrLst>
+    <dgm:linClrLst meth="repeat">
+      <a:schemeClr val="lt2"/>
+    </dgm:linClrLst>
+    <dgm:effectClrLst/>
+    <dgm:txLinClrLst/>
+    <dgm:txFillClrLst/>
+    <dgm:txEffectClrLst/>
+  </dgm:styleLbl>
+  <dgm:styleLbl name="asst3">
+    <dgm:fillClrLst meth="repeat">
+      <a:schemeClr val="dk2"/>
+    </dgm:fillClrLst>
+    <dgm:linClrLst meth="repeat">
+      <a:schemeClr val="lt2"/>
+    </dgm:linClrLst>
+    <dgm:effectClrLst/>
+    <dgm:txLinClrLst/>
+    <dgm:txFillClrLst/>
+    <dgm:txEffectClrLst/>
+  </dgm:styleLbl>
+  <dgm:styleLbl name="asst4">
+    <dgm:fillClrLst meth="repeat">
+      <a:schemeClr val="dk2"/>
+    </dgm:fillClrLst>
+    <dgm:linClrLst meth="repeat">
+      <a:schemeClr val="lt2"/>
+    </dgm:linClrLst>
+    <dgm:effectClrLst/>
+    <dgm:txLinClrLst/>
+    <dgm:txFillClrLst/>
+    <dgm:txEffectClrLst/>
+  </dgm:styleLbl>
+  <dgm:styleLbl name="parChTrans2D1">
+    <dgm:fillClrLst meth="repeat">
+      <a:schemeClr val="dk2">
+        <a:tint val="60000"/>
+      </a:schemeClr>
+    </dgm:fillClrLst>
+    <dgm:linClrLst meth="repeat">
+      <a:schemeClr val="dk2">
+        <a:tint val="60000"/>
+      </a:schemeClr>
+    </dgm:linClrLst>
+    <dgm:effectClrLst/>
+    <dgm:txLinClrLst/>
+    <dgm:txFillClrLst meth="repeat">
+      <a:schemeClr val="lt2"/>
+    </dgm:txFillClrLst>
+    <dgm:txEffectClrLst/>
+  </dgm:styleLbl>
+  <dgm:styleLbl name="parChTrans2D2">
+    <dgm:fillClrLst meth="repeat">
+      <a:schemeClr val="dk2"/>
+    </dgm:fillClrLst>
+    <dgm:linClrLst meth="repeat">
+      <a:schemeClr val="dk2"/>
+    </dgm:linClrLst>
+    <dgm:effectClrLst/>
+    <dgm:txLinClrLst/>
+    <dgm:txFillClrLst meth="repeat">
+      <a:schemeClr val="lt2"/>
+    </dgm:txFillClrLst>
+    <dgm:txEffectClrLst/>
+  </dgm:styleLbl>
+  <dgm:styleLbl name="parChTrans2D3">
+    <dgm:fillClrLst meth="repeat">
+      <a:schemeClr val="dk2"/>
+    </dgm:fillClrLst>
+    <dgm:linClrLst meth="repeat">
+      <a:schemeClr val="dk2"/>
+    </dgm:linClrLst>
+    <dgm:effectClrLst/>
+    <dgm:txLinClrLst/>
+    <dgm:txFillClrLst meth="repeat">
+      <a:schemeClr val="lt2"/>
+    </dgm:txFillClrLst>
+    <dgm:txEffectClrLst/>
+  </dgm:styleLbl>
+  <dgm:styleLbl name="parChTrans2D4">
+    <dgm:fillClrLst meth="repeat">
+      <a:schemeClr val="dk2"/>
+    </dgm:fillClrLst>
+    <dgm:linClrLst meth="repeat">
+      <a:schemeClr val="dk2"/>
+    </dgm:linClrLst>
+    <dgm:effectClrLst/>
+    <dgm:txLinClrLst/>
+    <dgm:txFillClrLst meth="repeat">
+      <a:schemeClr val="lt2"/>
+    </dgm:txFillClrLst>
+    <dgm:txEffectClrLst/>
+  </dgm:styleLbl>
+  <dgm:styleLbl name="parChTrans1D1">
+    <dgm:fillClrLst meth="repeat">
+      <a:schemeClr val="dk2"/>
+    </dgm:fillClrLst>
+    <dgm:linClrLst meth="repeat">
+      <a:schemeClr val="dk2">
+        <a:shade val="60000"/>
+      </a:schemeClr>
+    </dgm:linClrLst>
+    <dgm:effectClrLst/>
+    <dgm:txLinClrLst/>
+    <dgm:txFillClrLst meth="repeat">
+      <a:schemeClr val="tx1"/>
+    </dgm:txFillClrLst>
+    <dgm:txEffectClrLst/>
+  </dgm:styleLbl>
+  <dgm:styleLbl name="parChTrans1D2">
+    <dgm:fillClrLst meth="repeat">
+      <a:schemeClr val="dk2"/>
+    </dgm:fillClrLst>
+    <dgm:linClrLst meth="repeat">
+      <a:schemeClr val="dk2">
+        <a:shade val="60000"/>
+      </a:schemeClr>
+    </dgm:linClrLst>
+    <dgm:effectClrLst/>
+    <dgm:txLinClrLst/>
+    <dgm:txFillClrLst meth="repeat">
+      <a:schemeClr val="tx1"/>
+    </dgm:txFillClrLst>
+    <dgm:txEffectClrLst/>
+  </dgm:styleLbl>
+  <dgm:styleLbl name="parChTrans1D3">
+    <dgm:fillClrLst meth="repeat">
+      <a:schemeClr val="dk2"/>
+    </dgm:fillClrLst>
+    <dgm:linClrLst meth="repeat">
+      <a:schemeClr val="dk2">
+        <a:shade val="80000"/>
+      </a:schemeClr>
+    </dgm:linClrLst>
+    <dgm:effectClrLst/>
+    <dgm:txLinClrLst/>
+    <dgm:txFillClrLst meth="repeat">
+      <a:schemeClr val="tx1"/>
+    </dgm:txFillClrLst>
+    <dgm:txEffectClrLst/>
+  </dgm:styleLbl>
+  <dgm:styleLbl name="parChTrans1D4">
+    <dgm:fillClrLst meth="repeat">
+      <a:schemeClr val="dk2"/>
+    </dgm:fillClrLst>
+    <dgm:linClrLst meth="repeat">
+      <a:schemeClr val="dk2">
+        <a:shade val="80000"/>
+      </a:schemeClr>
+    </dgm:linClrLst>
+    <dgm:effectClrLst/>
+    <dgm:txLinClrLst/>
+    <dgm:txFillClrLst meth="repeat">
+      <a:schemeClr val="tx1"/>
+    </dgm:txFillClrLst>
+    <dgm:txEffectClrLst/>
+  </dgm:styleLbl>
+  <dgm:styleLbl name="fgAcc1">
+    <dgm:fillClrLst meth="repeat">
+      <a:schemeClr val="lt2">
+        <a:alpha val="90000"/>
+      </a:schemeClr>
+    </dgm:fillClrLst>
+    <dgm:linClrLst meth="repeat">
+      <a:schemeClr val="dk2"/>
+    </dgm:linClrLst>
+    <dgm:effectClrLst/>
+    <dgm:txLinClrLst/>
+    <dgm:txFillClrLst meth="repeat">
+      <a:schemeClr val="dk1"/>
+    </dgm:txFillClrLst>
+    <dgm:txEffectClrLst/>
+  </dgm:styleLbl>
+  <dgm:styleLbl name="conFgAcc1">
+    <dgm:fillClrLst meth="repeat">
+      <a:schemeClr val="lt2">
+        <a:alpha val="90000"/>
+      </a:schemeClr>
+    </dgm:fillClrLst>
+    <dgm:linClrLst meth="repeat">
+      <a:schemeClr val="dk2"/>
+    </dgm:linClrLst>
+    <dgm:effectClrLst/>
+    <dgm:txLinClrLst/>
+    <dgm:txFillClrLst meth="repeat">
+      <a:schemeClr val="dk1"/>
+    </dgm:txFillClrLst>
+    <dgm:txEffectClrLst/>
+  </dgm:styleLbl>
+  <dgm:styleLbl name="alignAcc1">
+    <dgm:fillClrLst meth="repeat">
+      <a:schemeClr val="lt2">
+        <a:alpha val="90000"/>
+      </a:schemeClr>
+    </dgm:fillClrLst>
+    <dgm:linClrLst meth="repeat">
+      <a:schemeClr val="dk2"/>
+    </dgm:linClrLst>
+    <dgm:effectClrLst/>
+    <dgm:txLinClrLst/>
+    <dgm:txFillClrLst meth="repeat">
+      <a:schemeClr val="dk1"/>
+    </dgm:txFillClrLst>
+    <dgm:txEffectClrLst/>
+  </dgm:styleLbl>
+  <dgm:styleLbl name="trAlignAcc1">
+    <dgm:fillClrLst meth="repeat">
+      <a:schemeClr val="lt2">
+        <a:alpha val="40000"/>
+      </a:schemeClr>
+    </dgm:fillClrLst>
+    <dgm:linClrLst meth="repeat">
+      <a:schemeClr val="dk2"/>
+    </dgm:linClrLst>
+    <dgm:effectClrLst/>
+    <dgm:txLinClrLst/>
+    <dgm:txFillClrLst meth="repeat">
+      <a:schemeClr val="dk1"/>
+    </dgm:txFillClrLst>
+    <dgm:txEffectClrLst/>
+  </dgm:styleLbl>
+  <dgm:styleLbl name="bgAcc1">
+    <dgm:fillClrLst meth="repeat">
+      <a:schemeClr val="lt2">
+        <a:alpha val="90000"/>
+      </a:schemeClr>
+    </dgm:fillClrLst>
+    <dgm:linClrLst meth="repeat">
+      <a:schemeClr val="dk2"/>
+    </dgm:linClrLst>
+    <dgm:effectClrLst/>
+    <dgm:txLinClrLst/>
+    <dgm:txFillClrLst meth="repeat">
+      <a:schemeClr val="dk1"/>
+    </dgm:txFillClrLst>
+    <dgm:txEffectClrLst/>
+  </dgm:styleLbl>
+  <dgm:styleLbl name="solidFgAcc1">
+    <dgm:fillClrLst meth="repeat">
+      <a:schemeClr val="lt2"/>
+    </dgm:fillClrLst>
+    <dgm:linClrLst meth="repeat">
+      <a:schemeClr val="dk2"/>
+    </dgm:linClrLst>
+    <dgm:effectClrLst/>
+    <dgm:txLinClrLst/>
+    <dgm:txFillClrLst meth="repeat">
+      <a:schemeClr val="dk1"/>
+    </dgm:txFillClrLst>
+    <dgm:txEffectClrLst/>
+  </dgm:styleLbl>
+  <dgm:styleLbl name="solidAlignAcc1">
+    <dgm:fillClrLst meth="repeat">
+      <a:schemeClr val="lt2"/>
+    </dgm:fillClrLst>
+    <dgm:linClrLst meth="repeat">
+      <a:schemeClr val="dk2"/>
+    </dgm:linClrLst>
+    <dgm:effectClrLst/>
+    <dgm:txLinClrLst/>
+    <dgm:txFillClrLst meth="repeat">
+      <a:schemeClr val="dk1"/>
+    </dgm:txFillClrLst>
+    <dgm:txEffectClrLst/>
+  </dgm:styleLbl>
+  <dgm:styleLbl name="solidBgAcc1">
+    <dgm:fillClrLst meth="repeat">
+      <a:schemeClr val="lt2"/>
+    </dgm:fillClrLst>
+    <dgm:linClrLst meth="repeat">
+      <a:schemeClr val="dk2"/>
+    </dgm:linClrLst>
+    <dgm:effectClrLst/>
+    <dgm:txLinClrLst/>
+    <dgm:txFillClrLst meth="repeat">
+      <a:schemeClr val="dk1"/>
+    </dgm:txFillClrLst>
+    <dgm:txEffectClrLst/>
+  </dgm:styleLbl>
+  <dgm:styleLbl name="fgAccFollowNode1">
+    <dgm:fillClrLst meth="repeat">
+      <a:schemeClr val="dk2">
+        <a:alpha val="90000"/>
+        <a:tint val="40000"/>
+      </a:schemeClr>
+    </dgm:fillClrLst>
+    <dgm:linClrLst meth="repeat">
+      <a:schemeClr val="dk2">
+        <a:alpha val="90000"/>
+        <a:tint val="40000"/>
+      </a:schemeClr>
+    </dgm:linClrLst>
+    <dgm:effectClrLst/>
+    <dgm:txLinClrLst/>
+    <dgm:txFillClrLst meth="repeat">
+      <a:schemeClr val="dk1"/>
+    </dgm:txFillClrLst>
+    <dgm:txEffectClrLst/>
+  </dgm:styleLbl>
+  <dgm:styleLbl name="alignAccFollowNode1">
+    <dgm:fillClrLst meth="repeat">
+      <a:schemeClr val="dk2">
+        <a:alpha val="90000"/>
+        <a:tint val="40000"/>
+      </a:schemeClr>
+    </dgm:fillClrLst>
+    <dgm:linClrLst meth="repeat">
+      <a:schemeClr val="dk2">
+        <a:alpha val="90000"/>
+        <a:tint val="40000"/>
+      </a:schemeClr>
+    </dgm:linClrLst>
+    <dgm:effectClrLst/>
+    <dgm:txLinClrLst/>
+    <dgm:txFillClrLst meth="repeat">
+      <a:schemeClr val="dk1"/>
+    </dgm:txFillClrLst>
+    <dgm:txEffectClrLst/>
+  </dgm:styleLbl>
+  <dgm:styleLbl name="bgAccFollowNode1">
+    <dgm:fillClrLst meth="repeat">
+      <a:schemeClr val="dk2">
+        <a:alpha val="90000"/>
+        <a:tint val="40000"/>
+      </a:schemeClr>
+    </dgm:fillClrLst>
+    <dgm:linClrLst meth="repeat">
+      <a:schemeClr val="dk2">
+        <a:alpha val="90000"/>
+        <a:tint val="40000"/>
+      </a:schemeClr>
+    </dgm:linClrLst>
+    <dgm:effectClrLst/>
+    <dgm:txLinClrLst/>
+    <dgm:txFillClrLst meth="repeat">
+      <a:schemeClr val="dk1"/>
+    </dgm:txFillClrLst>
+    <dgm:txEffectClrLst/>
+  </dgm:styleLbl>
+  <dgm:styleLbl name="fgAcc0">
+    <dgm:fillClrLst meth="repeat">
+      <a:schemeClr val="lt2">
+        <a:alpha val="90000"/>
+      </a:schemeClr>
+    </dgm:fillClrLst>
+    <dgm:linClrLst meth="repeat">
+      <a:schemeClr val="dk2"/>
+    </dgm:linClrLst>
+    <dgm:effectClrLst/>
+    <dgm:txLinClrLst/>
+    <dgm:txFillClrLst meth="repeat">
+      <a:schemeClr val="dk1"/>
+    </dgm:txFillClrLst>
+    <dgm:txEffectClrLst/>
+  </dgm:styleLbl>
+  <dgm:styleLbl name="fgAcc2">
+    <dgm:fillClrLst meth="repeat">
+      <a:schemeClr val="lt2">
+        <a:alpha val="90000"/>
+      </a:schemeClr>
+    </dgm:fillClrLst>
+    <dgm:linClrLst meth="repeat">
+      <a:schemeClr val="dk2"/>
+    </dgm:linClrLst>
+    <dgm:effectClrLst/>
+    <dgm:txLinClrLst/>
+    <dgm:txFillClrLst meth="repeat">
+      <a:schemeClr val="dk1"/>
+    </dgm:txFillClrLst>
+    <dgm:txEffectClrLst/>
+  </dgm:styleLbl>
+  <dgm:styleLbl name="fgAcc3">
+    <dgm:fillClrLst meth="repeat">
+      <a:schemeClr val="lt2">
+        <a:alpha val="90000"/>
+      </a:schemeClr>
+    </dgm:fillClrLst>
+    <dgm:linClrLst meth="repeat">
+      <a:schemeClr val="dk2"/>
+    </dgm:linClrLst>
+    <dgm:effectClrLst/>
+    <dgm:txLinClrLst/>
+    <dgm:txFillClrLst meth="repeat">
+      <a:schemeClr val="dk1"/>
+    </dgm:txFillClrLst>
+    <dgm:txEffectClrLst/>
+  </dgm:styleLbl>
+  <dgm:styleLbl name="fgAcc4">
+    <dgm:fillClrLst meth="repeat">
+      <a:schemeClr val="lt2">
+        <a:alpha val="90000"/>
+      </a:schemeClr>
+    </dgm:fillClrLst>
+    <dgm:linClrLst meth="repeat">
+      <a:schemeClr val="dk2"/>
+    </dgm:linClrLst>
+    <dgm:effectClrLst/>
+    <dgm:txLinClrLst/>
+    <dgm:txFillClrLst meth="repeat">
+      <a:schemeClr val="dk1"/>
+    </dgm:txFillClrLst>
+    <dgm:txEffectClrLst/>
+  </dgm:styleLbl>
+  <dgm:styleLbl name="bgShp">
+    <dgm:fillClrLst meth="repeat">
+      <a:schemeClr val="dk2">
+        <a:tint val="40000"/>
+      </a:schemeClr>
+    </dgm:fillClrLst>
+    <dgm:linClrLst meth="repeat">
+      <a:schemeClr val="dk2"/>
+    </dgm:linClrLst>
+    <dgm:effectClrLst/>
+    <dgm:txLinClrLst/>
+    <dgm:txFillClrLst meth="repeat">
+      <a:schemeClr val="dk1"/>
+    </dgm:txFillClrLst>
+    <dgm:txEffectClrLst/>
+  </dgm:styleLbl>
+  <dgm:styleLbl name="dkBgShp">
+    <dgm:fillClrLst meth="repeat">
+      <a:schemeClr val="dk2">
+        <a:shade val="80000"/>
+      </a:schemeClr>
+    </dgm:fillClrLst>
+    <dgm:linClrLst meth="repeat">
+      <a:schemeClr val="dk2"/>
+    </dgm:linClrLst>
+    <dgm:effectClrLst/>
+    <dgm:txLinClrLst/>
+    <dgm:txFillClrLst meth="repeat">
+      <a:schemeClr val="lt1"/>
+    </dgm:txFillClrLst>
+    <dgm:txEffectClrLst/>
+  </dgm:styleLbl>
+  <dgm:styleLbl name="trBgShp">
+    <dgm:fillClrLst meth="repeat">
+      <a:schemeClr val="dk2">
+        <a:tint val="50000"/>
+        <a:alpha val="40000"/>
+      </a:schemeClr>
+    </dgm:fillClrLst>
+    <dgm:linClrLst meth="repeat">
+      <a:schemeClr val="dk2"/>
+    </dgm:linClrLst>
+    <dgm:effectClrLst/>
+    <dgm:txLinClrLst/>
+    <dgm:txFillClrLst meth="repeat">
+      <a:schemeClr val="lt1"/>
+    </dgm:txFillClrLst>
+    <dgm:txEffectClrLst/>
+  </dgm:styleLbl>
+  <dgm:styleLbl name="fgShp">
+    <dgm:fillClrLst meth="repeat">
+      <a:schemeClr val="dk2">
+        <a:tint val="60000"/>
+      </a:schemeClr>
+    </dgm:fillClrLst>
+    <dgm:linClrLst meth="repeat">
+      <a:schemeClr val="lt2"/>
+    </dgm:linClrLst>
+    <dgm:effectClrLst/>
+    <dgm:txLinClrLst/>
+    <dgm:txFillClrLst meth="repeat">
+      <a:schemeClr val="dk1"/>
+    </dgm:txFillClrLst>
+    <dgm:txEffectClrLst/>
+  </dgm:styleLbl>
+  <dgm:styleLbl name="revTx">
+    <dgm:fillClrLst meth="repeat">
+      <a:schemeClr val="lt2">
+        <a:alpha val="0"/>
+      </a:schemeClr>
+    </dgm:fillClrLst>
+    <dgm:linClrLst meth="repeat">
+      <a:schemeClr val="dk1">
+        <a:alpha val="0"/>
+      </a:schemeClr>
+    </dgm:linClrLst>
+    <dgm:effectClrLst/>
+    <dgm:txLinClrLst/>
+    <dgm:txFillClrLst meth="repeat">
+      <a:schemeClr val="tx1"/>
+    </dgm:txFillClrLst>
+    <dgm:txEffectClrLst/>
+  </dgm:styleLbl>
+</dgm:colorsDef>
+</file>
+
 <file path=ppt/diagrams/data1.xml><?xml version="1.0" encoding="utf-8"?>
 <dgm:dataModel xmlns:dgm="http://schemas.openxmlformats.org/drawingml/2006/diagram" xmlns:a="http://schemas.openxmlformats.org/drawingml/2006/main">
   <dgm:ptLst>
     <dgm:pt modelId="{907543B1-319D-4B4B-AEA0-02E9B4E73EE7}" type="doc">
-      <dgm:prSet loTypeId="urn:microsoft.com/office/officeart/2005/8/layout/vList2" loCatId="list" qsTypeId="urn:microsoft.com/office/officeart/2005/8/quickstyle/simple1" qsCatId="simple" csTypeId="urn:microsoft.com/office/officeart/2005/8/colors/accent0_3" csCatId="mainScheme"/>
+      <dgm:prSet loTypeId="urn:microsoft.com/office/officeart/2005/8/layout/vList2" loCatId="list" qsTypeId="urn:microsoft.com/office/officeart/2005/8/quickstyle/simple1" qsCatId="simple" csTypeId="urn:microsoft.com/office/officeart/2005/8/colors/accent0_3" csCatId="mainScheme" phldr="1"/>
       <dgm:spPr/>
       <dgm:t>
         <a:bodyPr/>
@@ -1077,7 +1828,7 @@
         <a:p>
           <a:r>
             <a:rPr lang="en-US" dirty="0"/>
-            <a:t>Snow accumulation trends by zone, north vs. south slopes (see slides 2-)</a:t>
+            <a:t>Snow accumulation trends by zone, north vs. south slopes (see slide 3)</a:t>
           </a:r>
         </a:p>
       </dgm:t>
@@ -1113,7 +1864,7 @@
         <a:p>
           <a:r>
             <a:rPr lang="en-US" dirty="0"/>
-            <a:t>Snow and LAI correlations (see slides )</a:t>
+            <a:t>Snow and LAI correlations (see slide 4 )</a:t>
           </a:r>
         </a:p>
       </dgm:t>
@@ -1149,7 +1900,7 @@
         <a:p>
           <a:r>
             <a:rPr lang="en-US" dirty="0"/>
-            <a:t>Snow and soil frost relationships, north vs. south slopes (see slides )</a:t>
+            <a:t>Snow and soil frost relationships, north vs. south slopes (see slides 5, 7-8)</a:t>
           </a:r>
         </a:p>
       </dgm:t>
@@ -1185,7 +1936,7 @@
         <a:p>
           <a:r>
             <a:rPr lang="en-US" dirty="0"/>
-            <a:t>Snow and Soil moisture/temperature (see slides )</a:t>
+            <a:t>Snow and Soil moisture/temperature (see slides 6-8)</a:t>
           </a:r>
         </a:p>
       </dgm:t>
@@ -1347,6 +2098,495 @@
     <dgm:cxn modelId="{B186B55F-5B13-4AF2-8A9C-2101907D996C}" type="presParOf" srcId="{4728B53A-D6A1-461C-8895-DDD4615095E0}" destId="{96B90947-6F14-436D-A902-0D365E0AE857}" srcOrd="4" destOrd="0" presId="urn:microsoft.com/office/officeart/2005/8/layout/vList2"/>
     <dgm:cxn modelId="{7E683FF1-EF11-43D1-A753-17FFF81FADB6}" type="presParOf" srcId="{4728B53A-D6A1-461C-8895-DDD4615095E0}" destId="{EBA28CC9-1F72-4A72-A233-6E2E70F50650}" srcOrd="5" destOrd="0" presId="urn:microsoft.com/office/officeart/2005/8/layout/vList2"/>
     <dgm:cxn modelId="{AF850410-5655-4D0E-B470-6027A69B0DEE}" type="presParOf" srcId="{4728B53A-D6A1-461C-8895-DDD4615095E0}" destId="{6FDA4D4E-00B0-48EE-8263-84A2962F361A}" srcOrd="6" destOrd="0" presId="urn:microsoft.com/office/officeart/2005/8/layout/vList2"/>
+  </dgm:cxnLst>
+  <dgm:bg/>
+  <dgm:whole/>
+  <dgm:extLst>
+    <a:ext uri="http://schemas.microsoft.com/office/drawing/2008/diagram">
+      <dsp:dataModelExt xmlns:dsp="http://schemas.microsoft.com/office/drawing/2008/diagram" relId="rId6" minVer="http://schemas.openxmlformats.org/drawingml/2006/diagram"/>
+    </a:ext>
+  </dgm:extLst>
+</dgm:dataModel>
+</file>
+
+<file path=ppt/diagrams/data2.xml><?xml version="1.0" encoding="utf-8"?>
+<dgm:dataModel xmlns:dgm="http://schemas.openxmlformats.org/drawingml/2006/diagram" xmlns:a="http://schemas.openxmlformats.org/drawingml/2006/main">
+  <dgm:ptLst>
+    <dgm:pt modelId="{D7168D6B-BA19-4D65-B0E9-236774FCB24B}" type="doc">
+      <dgm:prSet loTypeId="urn:microsoft.com/office/officeart/2016/7/layout/VerticalSolidActionList" loCatId="List" qsTypeId="urn:microsoft.com/office/officeart/2005/8/quickstyle/simple1" qsCatId="simple" csTypeId="urn:microsoft.com/office/officeart/2005/8/colors/accent0_3" csCatId="mainScheme" phldr="1"/>
+      <dgm:spPr/>
+      <dgm:t>
+        <a:bodyPr/>
+        <a:lstStyle/>
+        <a:p>
+          <a:endParaRPr lang="en-US"/>
+        </a:p>
+      </dgm:t>
+    </dgm:pt>
+    <dgm:pt modelId="{D890337A-B015-4326-A2F4-6C52599BC6AB}">
+      <dgm:prSet/>
+      <dgm:spPr/>
+      <dgm:t>
+        <a:bodyPr/>
+        <a:lstStyle/>
+        <a:p>
+          <a:r>
+            <a:rPr lang="en-US" dirty="0"/>
+            <a:t>Snow Accumulation</a:t>
+          </a:r>
+        </a:p>
+        <a:p>
+          <a:r>
+            <a:rPr lang="en-US" dirty="0"/>
+            <a:t>(Slide 3)</a:t>
+          </a:r>
+        </a:p>
+      </dgm:t>
+    </dgm:pt>
+    <dgm:pt modelId="{A3EBECF3-B212-4DD7-9C91-7FCD6CE94E01}" type="parTrans" cxnId="{00C08A89-7E4B-4A0F-A948-AFC849F2B9A4}">
+      <dgm:prSet/>
+      <dgm:spPr/>
+      <dgm:t>
+        <a:bodyPr/>
+        <a:lstStyle/>
+        <a:p>
+          <a:endParaRPr lang="en-US"/>
+        </a:p>
+      </dgm:t>
+    </dgm:pt>
+    <dgm:pt modelId="{372662C6-75E1-4E88-AF65-2C4C00F6D75E}" type="sibTrans" cxnId="{00C08A89-7E4B-4A0F-A948-AFC849F2B9A4}">
+      <dgm:prSet/>
+      <dgm:spPr/>
+      <dgm:t>
+        <a:bodyPr/>
+        <a:lstStyle/>
+        <a:p>
+          <a:endParaRPr lang="en-US"/>
+        </a:p>
+      </dgm:t>
+    </dgm:pt>
+    <dgm:pt modelId="{A3FEFFBF-F9D3-4925-BEBC-1DEAEC2F2696}">
+      <dgm:prSet custT="1"/>
+      <dgm:spPr/>
+      <dgm:t>
+        <a:bodyPr/>
+        <a:lstStyle/>
+        <a:p>
+          <a:r>
+            <a:rPr lang="en-US" sz="1600" dirty="0"/>
+            <a:t>In S2 snow is accumulating equally across all three zones, whereas in S6 there is clear increase in snow accumulation in the bog compared to the lagg and uplands.</a:t>
+          </a:r>
+        </a:p>
+      </dgm:t>
+    </dgm:pt>
+    <dgm:pt modelId="{E69267EB-3F0F-4DEA-9415-ECE9CD544EE3}" type="parTrans" cxnId="{3CF72170-56EF-4D56-89AF-2B00304AC73E}">
+      <dgm:prSet/>
+      <dgm:spPr/>
+      <dgm:t>
+        <a:bodyPr/>
+        <a:lstStyle/>
+        <a:p>
+          <a:endParaRPr lang="en-US"/>
+        </a:p>
+      </dgm:t>
+    </dgm:pt>
+    <dgm:pt modelId="{DEF32E75-0ABE-4F47-9ABF-A71ADADBDE43}" type="sibTrans" cxnId="{3CF72170-56EF-4D56-89AF-2B00304AC73E}">
+      <dgm:prSet/>
+      <dgm:spPr/>
+      <dgm:t>
+        <a:bodyPr/>
+        <a:lstStyle/>
+        <a:p>
+          <a:endParaRPr lang="en-US"/>
+        </a:p>
+      </dgm:t>
+    </dgm:pt>
+    <dgm:pt modelId="{C00E7E55-64EF-46AA-B0E0-A7B9704CDCF8}">
+      <dgm:prSet/>
+      <dgm:spPr/>
+      <dgm:t>
+        <a:bodyPr/>
+        <a:lstStyle/>
+        <a:p>
+          <a:r>
+            <a:rPr lang="en-US" dirty="0"/>
+            <a:t>Snow and LAI</a:t>
+          </a:r>
+        </a:p>
+        <a:p>
+          <a:r>
+            <a:rPr lang="en-US" dirty="0"/>
+            <a:t>(Slide 4)</a:t>
+          </a:r>
+        </a:p>
+      </dgm:t>
+    </dgm:pt>
+    <dgm:pt modelId="{EAA7B1EC-88CC-432C-AA74-66EB7F025A47}" type="parTrans" cxnId="{55ADACCC-78E9-49E8-A4EA-17A841AAC35C}">
+      <dgm:prSet/>
+      <dgm:spPr/>
+      <dgm:t>
+        <a:bodyPr/>
+        <a:lstStyle/>
+        <a:p>
+          <a:endParaRPr lang="en-US"/>
+        </a:p>
+      </dgm:t>
+    </dgm:pt>
+    <dgm:pt modelId="{C3EB7F67-382D-4065-A8F8-39935C54E16C}" type="sibTrans" cxnId="{55ADACCC-78E9-49E8-A4EA-17A841AAC35C}">
+      <dgm:prSet/>
+      <dgm:spPr/>
+      <dgm:t>
+        <a:bodyPr/>
+        <a:lstStyle/>
+        <a:p>
+          <a:endParaRPr lang="en-US"/>
+        </a:p>
+      </dgm:t>
+    </dgm:pt>
+    <dgm:pt modelId="{9A7B090C-5B45-47B2-9A95-142144C92633}">
+      <dgm:prSet custT="1"/>
+      <dgm:spPr/>
+      <dgm:t>
+        <a:bodyPr/>
+        <a:lstStyle/>
+        <a:p>
+          <a:r>
+            <a:rPr lang="en-US" sz="1600" dirty="0"/>
+            <a:t>LAI acts as a stronger control on snow depth during periods of accumulation and melt but is not strongest in one zone over another (at least in S2, still processing S6)</a:t>
+          </a:r>
+        </a:p>
+      </dgm:t>
+    </dgm:pt>
+    <dgm:pt modelId="{493BEECB-6CC1-483E-A819-87FFC3788555}" type="parTrans" cxnId="{2B724011-4117-477B-8928-F3CC8FCE9CDB}">
+      <dgm:prSet/>
+      <dgm:spPr/>
+      <dgm:t>
+        <a:bodyPr/>
+        <a:lstStyle/>
+        <a:p>
+          <a:endParaRPr lang="en-US"/>
+        </a:p>
+      </dgm:t>
+    </dgm:pt>
+    <dgm:pt modelId="{82D1397C-34ED-49C1-85DB-87F9CF484BC7}" type="sibTrans" cxnId="{2B724011-4117-477B-8928-F3CC8FCE9CDB}">
+      <dgm:prSet/>
+      <dgm:spPr/>
+      <dgm:t>
+        <a:bodyPr/>
+        <a:lstStyle/>
+        <a:p>
+          <a:endParaRPr lang="en-US"/>
+        </a:p>
+      </dgm:t>
+    </dgm:pt>
+    <dgm:pt modelId="{E1C373A7-4D86-44D5-9B30-60C030A24442}">
+      <dgm:prSet/>
+      <dgm:spPr/>
+      <dgm:t>
+        <a:bodyPr/>
+        <a:lstStyle/>
+        <a:p>
+          <a:r>
+            <a:rPr lang="en-US" dirty="0"/>
+            <a:t>Snow and Frost</a:t>
+          </a:r>
+        </a:p>
+        <a:p>
+          <a:r>
+            <a:rPr lang="en-US" dirty="0"/>
+            <a:t>(Slides 5, 7-8)</a:t>
+          </a:r>
+        </a:p>
+      </dgm:t>
+    </dgm:pt>
+    <dgm:pt modelId="{4E51361E-B607-4AE0-8D2A-27E1E3B19972}" type="parTrans" cxnId="{975B9432-A71B-4480-8815-7644B942AEA4}">
+      <dgm:prSet/>
+      <dgm:spPr/>
+      <dgm:t>
+        <a:bodyPr/>
+        <a:lstStyle/>
+        <a:p>
+          <a:endParaRPr lang="en-US"/>
+        </a:p>
+      </dgm:t>
+    </dgm:pt>
+    <dgm:pt modelId="{24993E43-29A9-41B8-A0CE-CED72A1F5BB7}" type="sibTrans" cxnId="{975B9432-A71B-4480-8815-7644B942AEA4}">
+      <dgm:prSet/>
+      <dgm:spPr/>
+      <dgm:t>
+        <a:bodyPr/>
+        <a:lstStyle/>
+        <a:p>
+          <a:endParaRPr lang="en-US"/>
+        </a:p>
+      </dgm:t>
+    </dgm:pt>
+    <dgm:pt modelId="{C0B454C3-7883-45F1-9EEC-3D41C48FF4D3}">
+      <dgm:prSet custT="1"/>
+      <dgm:spPr/>
+      <dgm:t>
+        <a:bodyPr/>
+        <a:lstStyle/>
+        <a:p>
+          <a:r>
+            <a:rPr lang="en-US" sz="1600" dirty="0"/>
+            <a:t>Frost depths in S6 are extremely consistent across the temperature sensors and manual measurements and show the expected inverse relationship between snow and frost depth.</a:t>
+          </a:r>
+        </a:p>
+        <a:p>
+          <a:r>
+            <a:rPr lang="en-US" sz="1600" dirty="0"/>
+            <a:t>Results in S2 are muddier. Homogeneous snow depths would imply homogeneous frost depths, but manual measurements show no frost in the lagg compared to some in the bog and uplands. Sensor data estimates no frost in the uplands but some on the slopes and in the lagg.  </a:t>
+          </a:r>
+        </a:p>
+      </dgm:t>
+    </dgm:pt>
+    <dgm:pt modelId="{158C3CD5-AB91-43DA-ABC5-2713555A90A7}" type="parTrans" cxnId="{55D27C96-32C9-42B3-B8FB-A4093280A9E7}">
+      <dgm:prSet/>
+      <dgm:spPr/>
+      <dgm:t>
+        <a:bodyPr/>
+        <a:lstStyle/>
+        <a:p>
+          <a:endParaRPr lang="en-US"/>
+        </a:p>
+      </dgm:t>
+    </dgm:pt>
+    <dgm:pt modelId="{646B080B-913C-403E-AF3A-64BBC3A8A6A2}" type="sibTrans" cxnId="{55D27C96-32C9-42B3-B8FB-A4093280A9E7}">
+      <dgm:prSet/>
+      <dgm:spPr/>
+      <dgm:t>
+        <a:bodyPr/>
+        <a:lstStyle/>
+        <a:p>
+          <a:endParaRPr lang="en-US"/>
+        </a:p>
+      </dgm:t>
+    </dgm:pt>
+    <dgm:pt modelId="{7ED54EAB-09A6-49E7-ADC6-CDB4457297F0}">
+      <dgm:prSet/>
+      <dgm:spPr/>
+      <dgm:t>
+        <a:bodyPr/>
+        <a:lstStyle/>
+        <a:p>
+          <a:r>
+            <a:rPr lang="en-US" dirty="0"/>
+            <a:t>Snow and Soil</a:t>
+          </a:r>
+        </a:p>
+        <a:p>
+          <a:r>
+            <a:rPr lang="en-US" dirty="0"/>
+            <a:t>(Slides 6-8)</a:t>
+          </a:r>
+        </a:p>
+      </dgm:t>
+    </dgm:pt>
+    <dgm:pt modelId="{52A045C9-FE01-4FB1-B230-F56DF3CD8137}" type="parTrans" cxnId="{08DB4D01-BF2E-4008-905C-42D9C13081A0}">
+      <dgm:prSet/>
+      <dgm:spPr/>
+      <dgm:t>
+        <a:bodyPr/>
+        <a:lstStyle/>
+        <a:p>
+          <a:endParaRPr lang="en-US"/>
+        </a:p>
+      </dgm:t>
+    </dgm:pt>
+    <dgm:pt modelId="{DC712D9B-7AF5-4BC0-9C3A-5ABBB8DE365D}" type="sibTrans" cxnId="{08DB4D01-BF2E-4008-905C-42D9C13081A0}">
+      <dgm:prSet/>
+      <dgm:spPr/>
+      <dgm:t>
+        <a:bodyPr/>
+        <a:lstStyle/>
+        <a:p>
+          <a:endParaRPr lang="en-US"/>
+        </a:p>
+      </dgm:t>
+    </dgm:pt>
+    <dgm:pt modelId="{7426A52A-7D1A-4464-BC09-BB812F1B28F8}">
+      <dgm:prSet custT="1"/>
+      <dgm:spPr/>
+      <dgm:t>
+        <a:bodyPr/>
+        <a:lstStyle/>
+        <a:p>
+          <a:r>
+            <a:rPr lang="en-US" sz="1600" dirty="0"/>
+            <a:t>Soil temperature is consistent across all zones and watersheds while soil moisture is slightly higher in S2 and on the north slopes in each watershed. </a:t>
+          </a:r>
+        </a:p>
+        <a:p>
+          <a:r>
+            <a:rPr lang="en-US" sz="1600" dirty="0"/>
+            <a:t>Soil temperature also estimates that soil frost should be deeper on the north slopes compared to the south slopes, particularly in S6. </a:t>
+          </a:r>
+        </a:p>
+      </dgm:t>
+    </dgm:pt>
+    <dgm:pt modelId="{D833F7D7-A1AF-4AA3-96B7-9E8B6E4A93A6}" type="parTrans" cxnId="{225F575F-FBE9-4201-AAD7-37FD4164EA3D}">
+      <dgm:prSet/>
+      <dgm:spPr/>
+      <dgm:t>
+        <a:bodyPr/>
+        <a:lstStyle/>
+        <a:p>
+          <a:endParaRPr lang="en-US"/>
+        </a:p>
+      </dgm:t>
+    </dgm:pt>
+    <dgm:pt modelId="{57A9FB25-4C60-47AE-9582-90179C7C9E96}" type="sibTrans" cxnId="{225F575F-FBE9-4201-AAD7-37FD4164EA3D}">
+      <dgm:prSet/>
+      <dgm:spPr/>
+      <dgm:t>
+        <a:bodyPr/>
+        <a:lstStyle/>
+        <a:p>
+          <a:endParaRPr lang="en-US"/>
+        </a:p>
+      </dgm:t>
+    </dgm:pt>
+    <dgm:pt modelId="{871206DF-B1F2-4C3F-87D9-59A7B0226F21}" type="pres">
+      <dgm:prSet presAssocID="{D7168D6B-BA19-4D65-B0E9-236774FCB24B}" presName="Name0" presStyleCnt="0">
+        <dgm:presLayoutVars>
+          <dgm:dir/>
+          <dgm:animLvl val="lvl"/>
+          <dgm:resizeHandles val="exact"/>
+        </dgm:presLayoutVars>
+      </dgm:prSet>
+      <dgm:spPr/>
+    </dgm:pt>
+    <dgm:pt modelId="{90DF25AF-7271-4C60-8FEF-219B3C585F97}" type="pres">
+      <dgm:prSet presAssocID="{D890337A-B015-4326-A2F4-6C52599BC6AB}" presName="linNode" presStyleCnt="0"/>
+      <dgm:spPr/>
+    </dgm:pt>
+    <dgm:pt modelId="{7FE01DE8-F441-4FD1-8BEE-289752F3C14C}" type="pres">
+      <dgm:prSet presAssocID="{D890337A-B015-4326-A2F4-6C52599BC6AB}" presName="parentText" presStyleLbl="alignNode1" presStyleIdx="0" presStyleCnt="4">
+        <dgm:presLayoutVars>
+          <dgm:chMax val="1"/>
+          <dgm:bulletEnabled/>
+        </dgm:presLayoutVars>
+      </dgm:prSet>
+      <dgm:spPr/>
+    </dgm:pt>
+    <dgm:pt modelId="{8966AA20-0F7F-456E-BC84-614E358BD612}" type="pres">
+      <dgm:prSet presAssocID="{D890337A-B015-4326-A2F4-6C52599BC6AB}" presName="descendantText" presStyleLbl="alignAccFollowNode1" presStyleIdx="0" presStyleCnt="4">
+        <dgm:presLayoutVars>
+          <dgm:bulletEnabled/>
+        </dgm:presLayoutVars>
+      </dgm:prSet>
+      <dgm:spPr/>
+    </dgm:pt>
+    <dgm:pt modelId="{8C07EBBC-FC10-40E5-BB3B-1254DD594B92}" type="pres">
+      <dgm:prSet presAssocID="{372662C6-75E1-4E88-AF65-2C4C00F6D75E}" presName="sp" presStyleCnt="0"/>
+      <dgm:spPr/>
+    </dgm:pt>
+    <dgm:pt modelId="{3601963A-7E3D-443A-AC5F-C9161EA91854}" type="pres">
+      <dgm:prSet presAssocID="{C00E7E55-64EF-46AA-B0E0-A7B9704CDCF8}" presName="linNode" presStyleCnt="0"/>
+      <dgm:spPr/>
+    </dgm:pt>
+    <dgm:pt modelId="{BF850AD3-485A-4017-B172-4C309B1F2D2B}" type="pres">
+      <dgm:prSet presAssocID="{C00E7E55-64EF-46AA-B0E0-A7B9704CDCF8}" presName="parentText" presStyleLbl="alignNode1" presStyleIdx="1" presStyleCnt="4">
+        <dgm:presLayoutVars>
+          <dgm:chMax val="1"/>
+          <dgm:bulletEnabled/>
+        </dgm:presLayoutVars>
+      </dgm:prSet>
+      <dgm:spPr/>
+    </dgm:pt>
+    <dgm:pt modelId="{68303358-9C6E-4FA6-AABE-8B769D17C103}" type="pres">
+      <dgm:prSet presAssocID="{C00E7E55-64EF-46AA-B0E0-A7B9704CDCF8}" presName="descendantText" presStyleLbl="alignAccFollowNode1" presStyleIdx="1" presStyleCnt="4">
+        <dgm:presLayoutVars>
+          <dgm:bulletEnabled/>
+        </dgm:presLayoutVars>
+      </dgm:prSet>
+      <dgm:spPr/>
+    </dgm:pt>
+    <dgm:pt modelId="{731FA72E-2618-4E53-B135-5312B78981BD}" type="pres">
+      <dgm:prSet presAssocID="{C3EB7F67-382D-4065-A8F8-39935C54E16C}" presName="sp" presStyleCnt="0"/>
+      <dgm:spPr/>
+    </dgm:pt>
+    <dgm:pt modelId="{59B83CBA-3042-4914-9E95-5F76360862F1}" type="pres">
+      <dgm:prSet presAssocID="{E1C373A7-4D86-44D5-9B30-60C030A24442}" presName="linNode" presStyleCnt="0"/>
+      <dgm:spPr/>
+    </dgm:pt>
+    <dgm:pt modelId="{927ADF54-F949-4495-AEE1-C6A2AE582E50}" type="pres">
+      <dgm:prSet presAssocID="{E1C373A7-4D86-44D5-9B30-60C030A24442}" presName="parentText" presStyleLbl="alignNode1" presStyleIdx="2" presStyleCnt="4">
+        <dgm:presLayoutVars>
+          <dgm:chMax val="1"/>
+          <dgm:bulletEnabled/>
+        </dgm:presLayoutVars>
+      </dgm:prSet>
+      <dgm:spPr/>
+    </dgm:pt>
+    <dgm:pt modelId="{587C485B-363E-4C5E-9715-9290C473AA5E}" type="pres">
+      <dgm:prSet presAssocID="{E1C373A7-4D86-44D5-9B30-60C030A24442}" presName="descendantText" presStyleLbl="alignAccFollowNode1" presStyleIdx="2" presStyleCnt="4">
+        <dgm:presLayoutVars>
+          <dgm:bulletEnabled/>
+        </dgm:presLayoutVars>
+      </dgm:prSet>
+      <dgm:spPr/>
+    </dgm:pt>
+    <dgm:pt modelId="{5B15C3A6-1A34-49D2-8BA6-21B60E1FCE0D}" type="pres">
+      <dgm:prSet presAssocID="{24993E43-29A9-41B8-A0CE-CED72A1F5BB7}" presName="sp" presStyleCnt="0"/>
+      <dgm:spPr/>
+    </dgm:pt>
+    <dgm:pt modelId="{8AFF1451-0403-4A19-A0A7-BE9CDA819BED}" type="pres">
+      <dgm:prSet presAssocID="{7ED54EAB-09A6-49E7-ADC6-CDB4457297F0}" presName="linNode" presStyleCnt="0"/>
+      <dgm:spPr/>
+    </dgm:pt>
+    <dgm:pt modelId="{6465E4B0-BA60-4520-AA1D-6B48C1570E4D}" type="pres">
+      <dgm:prSet presAssocID="{7ED54EAB-09A6-49E7-ADC6-CDB4457297F0}" presName="parentText" presStyleLbl="alignNode1" presStyleIdx="3" presStyleCnt="4">
+        <dgm:presLayoutVars>
+          <dgm:chMax val="1"/>
+          <dgm:bulletEnabled/>
+        </dgm:presLayoutVars>
+      </dgm:prSet>
+      <dgm:spPr/>
+    </dgm:pt>
+    <dgm:pt modelId="{E102EFF7-3189-4282-9336-2B0D0DD4F28E}" type="pres">
+      <dgm:prSet presAssocID="{7ED54EAB-09A6-49E7-ADC6-CDB4457297F0}" presName="descendantText" presStyleLbl="alignAccFollowNode1" presStyleIdx="3" presStyleCnt="4">
+        <dgm:presLayoutVars>
+          <dgm:bulletEnabled/>
+        </dgm:presLayoutVars>
+      </dgm:prSet>
+      <dgm:spPr/>
+    </dgm:pt>
+  </dgm:ptLst>
+  <dgm:cxnLst>
+    <dgm:cxn modelId="{08DB4D01-BF2E-4008-905C-42D9C13081A0}" srcId="{D7168D6B-BA19-4D65-B0E9-236774FCB24B}" destId="{7ED54EAB-09A6-49E7-ADC6-CDB4457297F0}" srcOrd="3" destOrd="0" parTransId="{52A045C9-FE01-4FB1-B230-F56DF3CD8137}" sibTransId="{DC712D9B-7AF5-4BC0-9C3A-5ABBB8DE365D}"/>
+    <dgm:cxn modelId="{48C8CD01-6301-405D-8F57-969F7E54CD51}" type="presOf" srcId="{D890337A-B015-4326-A2F4-6C52599BC6AB}" destId="{7FE01DE8-F441-4FD1-8BEE-289752F3C14C}" srcOrd="0" destOrd="0" presId="urn:microsoft.com/office/officeart/2016/7/layout/VerticalSolidActionList"/>
+    <dgm:cxn modelId="{DCDFE20D-4073-4BD7-AFA1-31FFD6EB8289}" type="presOf" srcId="{D7168D6B-BA19-4D65-B0E9-236774FCB24B}" destId="{871206DF-B1F2-4C3F-87D9-59A7B0226F21}" srcOrd="0" destOrd="0" presId="urn:microsoft.com/office/officeart/2016/7/layout/VerticalSolidActionList"/>
+    <dgm:cxn modelId="{2B724011-4117-477B-8928-F3CC8FCE9CDB}" srcId="{C00E7E55-64EF-46AA-B0E0-A7B9704CDCF8}" destId="{9A7B090C-5B45-47B2-9A95-142144C92633}" srcOrd="0" destOrd="0" parTransId="{493BEECB-6CC1-483E-A819-87FFC3788555}" sibTransId="{82D1397C-34ED-49C1-85DB-87F9CF484BC7}"/>
+    <dgm:cxn modelId="{975B9432-A71B-4480-8815-7644B942AEA4}" srcId="{D7168D6B-BA19-4D65-B0E9-236774FCB24B}" destId="{E1C373A7-4D86-44D5-9B30-60C030A24442}" srcOrd="2" destOrd="0" parTransId="{4E51361E-B607-4AE0-8D2A-27E1E3B19972}" sibTransId="{24993E43-29A9-41B8-A0CE-CED72A1F5BB7}"/>
+    <dgm:cxn modelId="{225F575F-FBE9-4201-AAD7-37FD4164EA3D}" srcId="{7ED54EAB-09A6-49E7-ADC6-CDB4457297F0}" destId="{7426A52A-7D1A-4464-BC09-BB812F1B28F8}" srcOrd="0" destOrd="0" parTransId="{D833F7D7-A1AF-4AA3-96B7-9E8B6E4A93A6}" sibTransId="{57A9FB25-4C60-47AE-9582-90179C7C9E96}"/>
+    <dgm:cxn modelId="{0D784A4E-A8E8-4633-968B-DC13C16C60DE}" type="presOf" srcId="{9A7B090C-5B45-47B2-9A95-142144C92633}" destId="{68303358-9C6E-4FA6-AABE-8B769D17C103}" srcOrd="0" destOrd="0" presId="urn:microsoft.com/office/officeart/2016/7/layout/VerticalSolidActionList"/>
+    <dgm:cxn modelId="{3CF72170-56EF-4D56-89AF-2B00304AC73E}" srcId="{D890337A-B015-4326-A2F4-6C52599BC6AB}" destId="{A3FEFFBF-F9D3-4925-BEBC-1DEAEC2F2696}" srcOrd="0" destOrd="0" parTransId="{E69267EB-3F0F-4DEA-9415-ECE9CD544EE3}" sibTransId="{DEF32E75-0ABE-4F47-9ABF-A71ADADBDE43}"/>
+    <dgm:cxn modelId="{00C08A89-7E4B-4A0F-A948-AFC849F2B9A4}" srcId="{D7168D6B-BA19-4D65-B0E9-236774FCB24B}" destId="{D890337A-B015-4326-A2F4-6C52599BC6AB}" srcOrd="0" destOrd="0" parTransId="{A3EBECF3-B212-4DD7-9C91-7FCD6CE94E01}" sibTransId="{372662C6-75E1-4E88-AF65-2C4C00F6D75E}"/>
+    <dgm:cxn modelId="{55D27C96-32C9-42B3-B8FB-A4093280A9E7}" srcId="{E1C373A7-4D86-44D5-9B30-60C030A24442}" destId="{C0B454C3-7883-45F1-9EEC-3D41C48FF4D3}" srcOrd="0" destOrd="0" parTransId="{158C3CD5-AB91-43DA-ABC5-2713555A90A7}" sibTransId="{646B080B-913C-403E-AF3A-64BBC3A8A6A2}"/>
+    <dgm:cxn modelId="{9F68D2BB-C048-427E-8F7F-DBAFBB47314C}" type="presOf" srcId="{C00E7E55-64EF-46AA-B0E0-A7B9704CDCF8}" destId="{BF850AD3-485A-4017-B172-4C309B1F2D2B}" srcOrd="0" destOrd="0" presId="urn:microsoft.com/office/officeart/2016/7/layout/VerticalSolidActionList"/>
+    <dgm:cxn modelId="{55ADACCC-78E9-49E8-A4EA-17A841AAC35C}" srcId="{D7168D6B-BA19-4D65-B0E9-236774FCB24B}" destId="{C00E7E55-64EF-46AA-B0E0-A7B9704CDCF8}" srcOrd="1" destOrd="0" parTransId="{EAA7B1EC-88CC-432C-AA74-66EB7F025A47}" sibTransId="{C3EB7F67-382D-4065-A8F8-39935C54E16C}"/>
+    <dgm:cxn modelId="{D4E77ADA-0C41-46F9-BFAB-09EB758F358B}" type="presOf" srcId="{7426A52A-7D1A-4464-BC09-BB812F1B28F8}" destId="{E102EFF7-3189-4282-9336-2B0D0DD4F28E}" srcOrd="0" destOrd="0" presId="urn:microsoft.com/office/officeart/2016/7/layout/VerticalSolidActionList"/>
+    <dgm:cxn modelId="{0CE8DDE5-0182-4C6B-ABD8-F88948B30CC6}" type="presOf" srcId="{E1C373A7-4D86-44D5-9B30-60C030A24442}" destId="{927ADF54-F949-4495-AEE1-C6A2AE582E50}" srcOrd="0" destOrd="0" presId="urn:microsoft.com/office/officeart/2016/7/layout/VerticalSolidActionList"/>
+    <dgm:cxn modelId="{8220EAE9-AEC3-4492-BFA2-1F9581A298CF}" type="presOf" srcId="{A3FEFFBF-F9D3-4925-BEBC-1DEAEC2F2696}" destId="{8966AA20-0F7F-456E-BC84-614E358BD612}" srcOrd="0" destOrd="0" presId="urn:microsoft.com/office/officeart/2016/7/layout/VerticalSolidActionList"/>
+    <dgm:cxn modelId="{808BB2EC-CADF-4581-81CD-7D078B221E01}" type="presOf" srcId="{C0B454C3-7883-45F1-9EEC-3D41C48FF4D3}" destId="{587C485B-363E-4C5E-9715-9290C473AA5E}" srcOrd="0" destOrd="0" presId="urn:microsoft.com/office/officeart/2016/7/layout/VerticalSolidActionList"/>
+    <dgm:cxn modelId="{6B9723F5-695F-4CC1-BF70-B755955FC533}" type="presOf" srcId="{7ED54EAB-09A6-49E7-ADC6-CDB4457297F0}" destId="{6465E4B0-BA60-4520-AA1D-6B48C1570E4D}" srcOrd="0" destOrd="0" presId="urn:microsoft.com/office/officeart/2016/7/layout/VerticalSolidActionList"/>
+    <dgm:cxn modelId="{5C375FD2-1121-46C1-8473-17B891F87311}" type="presParOf" srcId="{871206DF-B1F2-4C3F-87D9-59A7B0226F21}" destId="{90DF25AF-7271-4C60-8FEF-219B3C585F97}" srcOrd="0" destOrd="0" presId="urn:microsoft.com/office/officeart/2016/7/layout/VerticalSolidActionList"/>
+    <dgm:cxn modelId="{2BB566A0-7FD2-4778-8CDD-6EEB57FF7163}" type="presParOf" srcId="{90DF25AF-7271-4C60-8FEF-219B3C585F97}" destId="{7FE01DE8-F441-4FD1-8BEE-289752F3C14C}" srcOrd="0" destOrd="0" presId="urn:microsoft.com/office/officeart/2016/7/layout/VerticalSolidActionList"/>
+    <dgm:cxn modelId="{8599F03C-DE43-49F7-9DEA-32D60DAC3CAB}" type="presParOf" srcId="{90DF25AF-7271-4C60-8FEF-219B3C585F97}" destId="{8966AA20-0F7F-456E-BC84-614E358BD612}" srcOrd="1" destOrd="0" presId="urn:microsoft.com/office/officeart/2016/7/layout/VerticalSolidActionList"/>
+    <dgm:cxn modelId="{F97B8A5B-3199-4E6D-81B8-DF304AF478F0}" type="presParOf" srcId="{871206DF-B1F2-4C3F-87D9-59A7B0226F21}" destId="{8C07EBBC-FC10-40E5-BB3B-1254DD594B92}" srcOrd="1" destOrd="0" presId="urn:microsoft.com/office/officeart/2016/7/layout/VerticalSolidActionList"/>
+    <dgm:cxn modelId="{FAE0DFFD-E2AF-46BE-AC8B-01CFB80D633E}" type="presParOf" srcId="{871206DF-B1F2-4C3F-87D9-59A7B0226F21}" destId="{3601963A-7E3D-443A-AC5F-C9161EA91854}" srcOrd="2" destOrd="0" presId="urn:microsoft.com/office/officeart/2016/7/layout/VerticalSolidActionList"/>
+    <dgm:cxn modelId="{B975EEA8-3E65-48A8-8E30-C6649B57D6AB}" type="presParOf" srcId="{3601963A-7E3D-443A-AC5F-C9161EA91854}" destId="{BF850AD3-485A-4017-B172-4C309B1F2D2B}" srcOrd="0" destOrd="0" presId="urn:microsoft.com/office/officeart/2016/7/layout/VerticalSolidActionList"/>
+    <dgm:cxn modelId="{DCD1E1E7-93E3-4E4F-B5D4-179F034BDA8D}" type="presParOf" srcId="{3601963A-7E3D-443A-AC5F-C9161EA91854}" destId="{68303358-9C6E-4FA6-AABE-8B769D17C103}" srcOrd="1" destOrd="0" presId="urn:microsoft.com/office/officeart/2016/7/layout/VerticalSolidActionList"/>
+    <dgm:cxn modelId="{3F5A2EC1-AED4-4FD6-B79D-4CAD5265259A}" type="presParOf" srcId="{871206DF-B1F2-4C3F-87D9-59A7B0226F21}" destId="{731FA72E-2618-4E53-B135-5312B78981BD}" srcOrd="3" destOrd="0" presId="urn:microsoft.com/office/officeart/2016/7/layout/VerticalSolidActionList"/>
+    <dgm:cxn modelId="{DCDBC37A-EE08-4117-A79F-76B81BB867E0}" type="presParOf" srcId="{871206DF-B1F2-4C3F-87D9-59A7B0226F21}" destId="{59B83CBA-3042-4914-9E95-5F76360862F1}" srcOrd="4" destOrd="0" presId="urn:microsoft.com/office/officeart/2016/7/layout/VerticalSolidActionList"/>
+    <dgm:cxn modelId="{706B32A0-738D-4AA6-933E-130F3B7268F2}" type="presParOf" srcId="{59B83CBA-3042-4914-9E95-5F76360862F1}" destId="{927ADF54-F949-4495-AEE1-C6A2AE582E50}" srcOrd="0" destOrd="0" presId="urn:microsoft.com/office/officeart/2016/7/layout/VerticalSolidActionList"/>
+    <dgm:cxn modelId="{139C7EB5-E475-476B-B66D-90B869086556}" type="presParOf" srcId="{59B83CBA-3042-4914-9E95-5F76360862F1}" destId="{587C485B-363E-4C5E-9715-9290C473AA5E}" srcOrd="1" destOrd="0" presId="urn:microsoft.com/office/officeart/2016/7/layout/VerticalSolidActionList"/>
+    <dgm:cxn modelId="{5969827F-9902-425D-949C-19A9439D500B}" type="presParOf" srcId="{871206DF-B1F2-4C3F-87D9-59A7B0226F21}" destId="{5B15C3A6-1A34-49D2-8BA6-21B60E1FCE0D}" srcOrd="5" destOrd="0" presId="urn:microsoft.com/office/officeart/2016/7/layout/VerticalSolidActionList"/>
+    <dgm:cxn modelId="{B956BA12-0285-42DC-9EDF-AC349188C1E5}" type="presParOf" srcId="{871206DF-B1F2-4C3F-87D9-59A7B0226F21}" destId="{8AFF1451-0403-4A19-A0A7-BE9CDA819BED}" srcOrd="6" destOrd="0" presId="urn:microsoft.com/office/officeart/2016/7/layout/VerticalSolidActionList"/>
+    <dgm:cxn modelId="{41A456B2-10BB-4BE9-B384-355565FB3C38}" type="presParOf" srcId="{8AFF1451-0403-4A19-A0A7-BE9CDA819BED}" destId="{6465E4B0-BA60-4520-AA1D-6B48C1570E4D}" srcOrd="0" destOrd="0" presId="urn:microsoft.com/office/officeart/2016/7/layout/VerticalSolidActionList"/>
+    <dgm:cxn modelId="{B5728928-BE1B-481F-A84B-070D9C276EF5}" type="presParOf" srcId="{8AFF1451-0403-4A19-A0A7-BE9CDA819BED}" destId="{E102EFF7-3189-4282-9336-2B0D0DD4F28E}" srcOrd="1" destOrd="0" presId="urn:microsoft.com/office/officeart/2016/7/layout/VerticalSolidActionList"/>
   </dgm:cxnLst>
   <dgm:bg/>
   <dgm:whole/>
@@ -1771,7 +3011,7 @@
           </a:pPr>
           <a:r>
             <a:rPr lang="en-US" sz="1800" kern="1200" dirty="0"/>
-            <a:t>Snow accumulation trends by zone, north vs. south slopes (see slides 2-)</a:t>
+            <a:t>Snow accumulation trends by zone, north vs. south slopes (see slide 3)</a:t>
           </a:r>
         </a:p>
         <a:p>
@@ -1789,7 +3029,7 @@
           </a:pPr>
           <a:r>
             <a:rPr lang="en-US" sz="1800" kern="1200" dirty="0"/>
-            <a:t>Snow and LAI correlations (see slides )</a:t>
+            <a:t>Snow and LAI correlations (see slide 4 )</a:t>
           </a:r>
         </a:p>
         <a:p>
@@ -1807,7 +3047,7 @@
           </a:pPr>
           <a:r>
             <a:rPr lang="en-US" sz="1800" kern="1200" dirty="0"/>
-            <a:t>Snow and soil frost relationships, north vs. south slopes (see slides )</a:t>
+            <a:t>Snow and soil frost relationships, north vs. south slopes (see slides 5, 7-8)</a:t>
           </a:r>
         </a:p>
         <a:p>
@@ -1825,7 +3065,7 @@
           </a:pPr>
           <a:r>
             <a:rPr lang="en-US" sz="1800" kern="1200" dirty="0"/>
-            <a:t>Snow and Soil moisture/temperature (see slides )</a:t>
+            <a:t>Snow and Soil moisture/temperature (see slides 6-8)</a:t>
           </a:r>
         </a:p>
       </dsp:txBody>
@@ -1910,6 +3150,758 @@
       <dsp:txXfrm>
         <a:off x="26930" y="3754064"/>
         <a:ext cx="10461740" cy="497795"/>
+      </dsp:txXfrm>
+    </dsp:sp>
+  </dsp:spTree>
+</dsp:drawing>
+</file>
+
+<file path=ppt/diagrams/drawing2.xml><?xml version="1.0" encoding="utf-8"?>
+<dsp:drawing xmlns:dgm="http://schemas.openxmlformats.org/drawingml/2006/diagram" xmlns:dsp="http://schemas.microsoft.com/office/drawing/2008/diagram" xmlns:a="http://schemas.openxmlformats.org/drawingml/2006/main">
+  <dsp:spTree>
+    <dsp:nvGrpSpPr>
+      <dsp:cNvPr id="0" name=""/>
+      <dsp:cNvGrpSpPr/>
+    </dsp:nvGrpSpPr>
+    <dsp:grpSpPr/>
+    <dsp:sp modelId="{8966AA20-0F7F-456E-BC84-614E358BD612}">
+      <dsp:nvSpPr>
+        <dsp:cNvPr id="0" name=""/>
+        <dsp:cNvSpPr/>
+      </dsp:nvSpPr>
+      <dsp:spPr>
+        <a:xfrm>
+          <a:off x="2075046" y="2381"/>
+          <a:ext cx="8300184" cy="1233648"/>
+        </a:xfrm>
+        <a:prstGeom prst="rect">
+          <a:avLst/>
+        </a:prstGeom>
+        <a:solidFill>
+          <a:schemeClr val="dk2">
+            <a:alpha val="90000"/>
+            <a:tint val="40000"/>
+            <a:hueOff val="0"/>
+            <a:satOff val="0"/>
+            <a:lumOff val="0"/>
+            <a:alphaOff val="0"/>
+          </a:schemeClr>
+        </a:solidFill>
+        <a:ln w="12700" cap="flat" cmpd="sng" algn="ctr">
+          <a:solidFill>
+            <a:schemeClr val="dk2">
+              <a:alpha val="90000"/>
+              <a:tint val="40000"/>
+              <a:hueOff val="0"/>
+              <a:satOff val="0"/>
+              <a:lumOff val="0"/>
+              <a:alphaOff val="0"/>
+            </a:schemeClr>
+          </a:solidFill>
+          <a:prstDash val="solid"/>
+          <a:miter lim="800000"/>
+        </a:ln>
+        <a:effectLst/>
+      </dsp:spPr>
+      <dsp:style>
+        <a:lnRef idx="2">
+          <a:scrgbClr r="0" g="0" b="0"/>
+        </a:lnRef>
+        <a:fillRef idx="1">
+          <a:scrgbClr r="0" g="0" b="0"/>
+        </a:fillRef>
+        <a:effectRef idx="0">
+          <a:scrgbClr r="0" g="0" b="0"/>
+        </a:effectRef>
+        <a:fontRef idx="minor"/>
+      </dsp:style>
+      <dsp:txBody>
+        <a:bodyPr spcFirstLastPara="0" vert="horz" wrap="square" lIns="161047" tIns="313347" rIns="161047" bIns="313347" numCol="1" spcCol="1270" anchor="ctr" anchorCtr="0">
+          <a:noAutofit/>
+        </a:bodyPr>
+        <a:lstStyle/>
+        <a:p>
+          <a:pPr marL="0" lvl="0" indent="0" algn="l" defTabSz="711200">
+            <a:lnSpc>
+              <a:spcPct val="90000"/>
+            </a:lnSpc>
+            <a:spcBef>
+              <a:spcPct val="0"/>
+            </a:spcBef>
+            <a:spcAft>
+              <a:spcPct val="35000"/>
+            </a:spcAft>
+            <a:buNone/>
+          </a:pPr>
+          <a:r>
+            <a:rPr lang="en-US" sz="1600" kern="1200" dirty="0"/>
+            <a:t>In S2 snow is accumulating equally across all three zones, whereas in S6 there is clear increase in snow accumulation in the bog compared to the lagg and uplands.</a:t>
+          </a:r>
+        </a:p>
+      </dsp:txBody>
+      <dsp:txXfrm>
+        <a:off x="2075046" y="2381"/>
+        <a:ext cx="8300184" cy="1233648"/>
+      </dsp:txXfrm>
+    </dsp:sp>
+    <dsp:sp modelId="{7FE01DE8-F441-4FD1-8BEE-289752F3C14C}">
+      <dsp:nvSpPr>
+        <dsp:cNvPr id="0" name=""/>
+        <dsp:cNvSpPr/>
+      </dsp:nvSpPr>
+      <dsp:spPr>
+        <a:xfrm>
+          <a:off x="0" y="2381"/>
+          <a:ext cx="2075046" cy="1233648"/>
+        </a:xfrm>
+        <a:prstGeom prst="rect">
+          <a:avLst/>
+        </a:prstGeom>
+        <a:solidFill>
+          <a:schemeClr val="dk2">
+            <a:hueOff val="0"/>
+            <a:satOff val="0"/>
+            <a:lumOff val="0"/>
+            <a:alphaOff val="0"/>
+          </a:schemeClr>
+        </a:solidFill>
+        <a:ln w="12700" cap="flat" cmpd="sng" algn="ctr">
+          <a:solidFill>
+            <a:schemeClr val="dk2">
+              <a:hueOff val="0"/>
+              <a:satOff val="0"/>
+              <a:lumOff val="0"/>
+              <a:alphaOff val="0"/>
+            </a:schemeClr>
+          </a:solidFill>
+          <a:prstDash val="solid"/>
+          <a:miter lim="800000"/>
+        </a:ln>
+        <a:effectLst/>
+      </dsp:spPr>
+      <dsp:style>
+        <a:lnRef idx="2">
+          <a:scrgbClr r="0" g="0" b="0"/>
+        </a:lnRef>
+        <a:fillRef idx="1">
+          <a:scrgbClr r="0" g="0" b="0"/>
+        </a:fillRef>
+        <a:effectRef idx="0">
+          <a:scrgbClr r="0" g="0" b="0"/>
+        </a:effectRef>
+        <a:fontRef idx="minor">
+          <a:schemeClr val="lt1"/>
+        </a:fontRef>
+      </dsp:style>
+      <dsp:txBody>
+        <a:bodyPr spcFirstLastPara="0" vert="horz" wrap="square" lIns="109805" tIns="121857" rIns="109805" bIns="121857" numCol="1" spcCol="1270" anchor="ctr" anchorCtr="0">
+          <a:noAutofit/>
+        </a:bodyPr>
+        <a:lstStyle/>
+        <a:p>
+          <a:pPr marL="0" lvl="0" indent="0" algn="ctr" defTabSz="889000">
+            <a:lnSpc>
+              <a:spcPct val="90000"/>
+            </a:lnSpc>
+            <a:spcBef>
+              <a:spcPct val="0"/>
+            </a:spcBef>
+            <a:spcAft>
+              <a:spcPct val="35000"/>
+            </a:spcAft>
+            <a:buNone/>
+          </a:pPr>
+          <a:r>
+            <a:rPr lang="en-US" sz="2000" kern="1200" dirty="0"/>
+            <a:t>Snow Accumulation</a:t>
+          </a:r>
+        </a:p>
+        <a:p>
+          <a:pPr marL="0" lvl="0" indent="0" algn="ctr" defTabSz="889000">
+            <a:lnSpc>
+              <a:spcPct val="90000"/>
+            </a:lnSpc>
+            <a:spcBef>
+              <a:spcPct val="0"/>
+            </a:spcBef>
+            <a:spcAft>
+              <a:spcPct val="35000"/>
+            </a:spcAft>
+            <a:buNone/>
+          </a:pPr>
+          <a:r>
+            <a:rPr lang="en-US" sz="2000" kern="1200" dirty="0"/>
+            <a:t>(Slide 3)</a:t>
+          </a:r>
+        </a:p>
+      </dsp:txBody>
+      <dsp:txXfrm>
+        <a:off x="0" y="2381"/>
+        <a:ext cx="2075046" cy="1233648"/>
+      </dsp:txXfrm>
+    </dsp:sp>
+    <dsp:sp modelId="{68303358-9C6E-4FA6-AABE-8B769D17C103}">
+      <dsp:nvSpPr>
+        <dsp:cNvPr id="0" name=""/>
+        <dsp:cNvSpPr/>
+      </dsp:nvSpPr>
+      <dsp:spPr>
+        <a:xfrm>
+          <a:off x="2075046" y="1310048"/>
+          <a:ext cx="8300184" cy="1233648"/>
+        </a:xfrm>
+        <a:prstGeom prst="rect">
+          <a:avLst/>
+        </a:prstGeom>
+        <a:solidFill>
+          <a:schemeClr val="dk2">
+            <a:alpha val="90000"/>
+            <a:tint val="40000"/>
+            <a:hueOff val="0"/>
+            <a:satOff val="0"/>
+            <a:lumOff val="0"/>
+            <a:alphaOff val="0"/>
+          </a:schemeClr>
+        </a:solidFill>
+        <a:ln w="12700" cap="flat" cmpd="sng" algn="ctr">
+          <a:solidFill>
+            <a:schemeClr val="dk2">
+              <a:alpha val="90000"/>
+              <a:tint val="40000"/>
+              <a:hueOff val="0"/>
+              <a:satOff val="0"/>
+              <a:lumOff val="0"/>
+              <a:alphaOff val="0"/>
+            </a:schemeClr>
+          </a:solidFill>
+          <a:prstDash val="solid"/>
+          <a:miter lim="800000"/>
+        </a:ln>
+        <a:effectLst/>
+      </dsp:spPr>
+      <dsp:style>
+        <a:lnRef idx="2">
+          <a:scrgbClr r="0" g="0" b="0"/>
+        </a:lnRef>
+        <a:fillRef idx="1">
+          <a:scrgbClr r="0" g="0" b="0"/>
+        </a:fillRef>
+        <a:effectRef idx="0">
+          <a:scrgbClr r="0" g="0" b="0"/>
+        </a:effectRef>
+        <a:fontRef idx="minor"/>
+      </dsp:style>
+      <dsp:txBody>
+        <a:bodyPr spcFirstLastPara="0" vert="horz" wrap="square" lIns="161047" tIns="313347" rIns="161047" bIns="313347" numCol="1" spcCol="1270" anchor="ctr" anchorCtr="0">
+          <a:noAutofit/>
+        </a:bodyPr>
+        <a:lstStyle/>
+        <a:p>
+          <a:pPr marL="0" lvl="0" indent="0" algn="l" defTabSz="711200">
+            <a:lnSpc>
+              <a:spcPct val="90000"/>
+            </a:lnSpc>
+            <a:spcBef>
+              <a:spcPct val="0"/>
+            </a:spcBef>
+            <a:spcAft>
+              <a:spcPct val="35000"/>
+            </a:spcAft>
+            <a:buNone/>
+          </a:pPr>
+          <a:r>
+            <a:rPr lang="en-US" sz="1600" kern="1200" dirty="0"/>
+            <a:t>LAI acts as a stronger control on snow depth during periods of accumulation and melt but is not strongest in one zone over another (at least in S2, still processing S6)</a:t>
+          </a:r>
+        </a:p>
+      </dsp:txBody>
+      <dsp:txXfrm>
+        <a:off x="2075046" y="1310048"/>
+        <a:ext cx="8300184" cy="1233648"/>
+      </dsp:txXfrm>
+    </dsp:sp>
+    <dsp:sp modelId="{BF850AD3-485A-4017-B172-4C309B1F2D2B}">
+      <dsp:nvSpPr>
+        <dsp:cNvPr id="0" name=""/>
+        <dsp:cNvSpPr/>
+      </dsp:nvSpPr>
+      <dsp:spPr>
+        <a:xfrm>
+          <a:off x="0" y="1310048"/>
+          <a:ext cx="2075046" cy="1233648"/>
+        </a:xfrm>
+        <a:prstGeom prst="rect">
+          <a:avLst/>
+        </a:prstGeom>
+        <a:solidFill>
+          <a:schemeClr val="dk2">
+            <a:hueOff val="0"/>
+            <a:satOff val="0"/>
+            <a:lumOff val="0"/>
+            <a:alphaOff val="0"/>
+          </a:schemeClr>
+        </a:solidFill>
+        <a:ln w="12700" cap="flat" cmpd="sng" algn="ctr">
+          <a:solidFill>
+            <a:schemeClr val="dk2">
+              <a:hueOff val="0"/>
+              <a:satOff val="0"/>
+              <a:lumOff val="0"/>
+              <a:alphaOff val="0"/>
+            </a:schemeClr>
+          </a:solidFill>
+          <a:prstDash val="solid"/>
+          <a:miter lim="800000"/>
+        </a:ln>
+        <a:effectLst/>
+      </dsp:spPr>
+      <dsp:style>
+        <a:lnRef idx="2">
+          <a:scrgbClr r="0" g="0" b="0"/>
+        </a:lnRef>
+        <a:fillRef idx="1">
+          <a:scrgbClr r="0" g="0" b="0"/>
+        </a:fillRef>
+        <a:effectRef idx="0">
+          <a:scrgbClr r="0" g="0" b="0"/>
+        </a:effectRef>
+        <a:fontRef idx="minor">
+          <a:schemeClr val="lt1"/>
+        </a:fontRef>
+      </dsp:style>
+      <dsp:txBody>
+        <a:bodyPr spcFirstLastPara="0" vert="horz" wrap="square" lIns="109805" tIns="121857" rIns="109805" bIns="121857" numCol="1" spcCol="1270" anchor="ctr" anchorCtr="0">
+          <a:noAutofit/>
+        </a:bodyPr>
+        <a:lstStyle/>
+        <a:p>
+          <a:pPr marL="0" lvl="0" indent="0" algn="ctr" defTabSz="889000">
+            <a:lnSpc>
+              <a:spcPct val="90000"/>
+            </a:lnSpc>
+            <a:spcBef>
+              <a:spcPct val="0"/>
+            </a:spcBef>
+            <a:spcAft>
+              <a:spcPct val="35000"/>
+            </a:spcAft>
+            <a:buNone/>
+          </a:pPr>
+          <a:r>
+            <a:rPr lang="en-US" sz="2000" kern="1200" dirty="0"/>
+            <a:t>Snow and LAI</a:t>
+          </a:r>
+        </a:p>
+        <a:p>
+          <a:pPr marL="0" lvl="0" indent="0" algn="ctr" defTabSz="889000">
+            <a:lnSpc>
+              <a:spcPct val="90000"/>
+            </a:lnSpc>
+            <a:spcBef>
+              <a:spcPct val="0"/>
+            </a:spcBef>
+            <a:spcAft>
+              <a:spcPct val="35000"/>
+            </a:spcAft>
+            <a:buNone/>
+          </a:pPr>
+          <a:r>
+            <a:rPr lang="en-US" sz="2000" kern="1200" dirty="0"/>
+            <a:t>(Slide 4)</a:t>
+          </a:r>
+        </a:p>
+      </dsp:txBody>
+      <dsp:txXfrm>
+        <a:off x="0" y="1310048"/>
+        <a:ext cx="2075046" cy="1233648"/>
+      </dsp:txXfrm>
+    </dsp:sp>
+    <dsp:sp modelId="{587C485B-363E-4C5E-9715-9290C473AA5E}">
+      <dsp:nvSpPr>
+        <dsp:cNvPr id="0" name=""/>
+        <dsp:cNvSpPr/>
+      </dsp:nvSpPr>
+      <dsp:spPr>
+        <a:xfrm>
+          <a:off x="2075046" y="2617715"/>
+          <a:ext cx="8300184" cy="1233648"/>
+        </a:xfrm>
+        <a:prstGeom prst="rect">
+          <a:avLst/>
+        </a:prstGeom>
+        <a:solidFill>
+          <a:schemeClr val="dk2">
+            <a:alpha val="90000"/>
+            <a:tint val="40000"/>
+            <a:hueOff val="0"/>
+            <a:satOff val="0"/>
+            <a:lumOff val="0"/>
+            <a:alphaOff val="0"/>
+          </a:schemeClr>
+        </a:solidFill>
+        <a:ln w="12700" cap="flat" cmpd="sng" algn="ctr">
+          <a:solidFill>
+            <a:schemeClr val="dk2">
+              <a:alpha val="90000"/>
+              <a:tint val="40000"/>
+              <a:hueOff val="0"/>
+              <a:satOff val="0"/>
+              <a:lumOff val="0"/>
+              <a:alphaOff val="0"/>
+            </a:schemeClr>
+          </a:solidFill>
+          <a:prstDash val="solid"/>
+          <a:miter lim="800000"/>
+        </a:ln>
+        <a:effectLst/>
+      </dsp:spPr>
+      <dsp:style>
+        <a:lnRef idx="2">
+          <a:scrgbClr r="0" g="0" b="0"/>
+        </a:lnRef>
+        <a:fillRef idx="1">
+          <a:scrgbClr r="0" g="0" b="0"/>
+        </a:fillRef>
+        <a:effectRef idx="0">
+          <a:scrgbClr r="0" g="0" b="0"/>
+        </a:effectRef>
+        <a:fontRef idx="minor"/>
+      </dsp:style>
+      <dsp:txBody>
+        <a:bodyPr spcFirstLastPara="0" vert="horz" wrap="square" lIns="161047" tIns="313347" rIns="161047" bIns="313347" numCol="1" spcCol="1270" anchor="ctr" anchorCtr="0">
+          <a:noAutofit/>
+        </a:bodyPr>
+        <a:lstStyle/>
+        <a:p>
+          <a:pPr marL="0" lvl="0" indent="0" algn="l" defTabSz="711200">
+            <a:lnSpc>
+              <a:spcPct val="90000"/>
+            </a:lnSpc>
+            <a:spcBef>
+              <a:spcPct val="0"/>
+            </a:spcBef>
+            <a:spcAft>
+              <a:spcPct val="35000"/>
+            </a:spcAft>
+            <a:buNone/>
+          </a:pPr>
+          <a:r>
+            <a:rPr lang="en-US" sz="1600" kern="1200" dirty="0"/>
+            <a:t>Frost depths in S6 are extremely consistent across the temperature sensors and manual measurements and show the expected inverse relationship between snow and frost depth.</a:t>
+          </a:r>
+        </a:p>
+        <a:p>
+          <a:pPr marL="0" lvl="0" indent="0" algn="l" defTabSz="711200">
+            <a:lnSpc>
+              <a:spcPct val="90000"/>
+            </a:lnSpc>
+            <a:spcBef>
+              <a:spcPct val="0"/>
+            </a:spcBef>
+            <a:spcAft>
+              <a:spcPct val="35000"/>
+            </a:spcAft>
+            <a:buNone/>
+          </a:pPr>
+          <a:r>
+            <a:rPr lang="en-US" sz="1600" kern="1200" dirty="0"/>
+            <a:t>Results in S2 are muddier. Homogeneous snow depths would imply homogeneous frost depths, but manual measurements show no frost in the lagg compared to some in the bog and uplands. Sensor data estimates no frost in the uplands but some on the slopes and in the lagg.  </a:t>
+          </a:r>
+        </a:p>
+      </dsp:txBody>
+      <dsp:txXfrm>
+        <a:off x="2075046" y="2617715"/>
+        <a:ext cx="8300184" cy="1233648"/>
+      </dsp:txXfrm>
+    </dsp:sp>
+    <dsp:sp modelId="{927ADF54-F949-4495-AEE1-C6A2AE582E50}">
+      <dsp:nvSpPr>
+        <dsp:cNvPr id="0" name=""/>
+        <dsp:cNvSpPr/>
+      </dsp:nvSpPr>
+      <dsp:spPr>
+        <a:xfrm>
+          <a:off x="0" y="2617715"/>
+          <a:ext cx="2075046" cy="1233648"/>
+        </a:xfrm>
+        <a:prstGeom prst="rect">
+          <a:avLst/>
+        </a:prstGeom>
+        <a:solidFill>
+          <a:schemeClr val="dk2">
+            <a:hueOff val="0"/>
+            <a:satOff val="0"/>
+            <a:lumOff val="0"/>
+            <a:alphaOff val="0"/>
+          </a:schemeClr>
+        </a:solidFill>
+        <a:ln w="12700" cap="flat" cmpd="sng" algn="ctr">
+          <a:solidFill>
+            <a:schemeClr val="dk2">
+              <a:hueOff val="0"/>
+              <a:satOff val="0"/>
+              <a:lumOff val="0"/>
+              <a:alphaOff val="0"/>
+            </a:schemeClr>
+          </a:solidFill>
+          <a:prstDash val="solid"/>
+          <a:miter lim="800000"/>
+        </a:ln>
+        <a:effectLst/>
+      </dsp:spPr>
+      <dsp:style>
+        <a:lnRef idx="2">
+          <a:scrgbClr r="0" g="0" b="0"/>
+        </a:lnRef>
+        <a:fillRef idx="1">
+          <a:scrgbClr r="0" g="0" b="0"/>
+        </a:fillRef>
+        <a:effectRef idx="0">
+          <a:scrgbClr r="0" g="0" b="0"/>
+        </a:effectRef>
+        <a:fontRef idx="minor">
+          <a:schemeClr val="lt1"/>
+        </a:fontRef>
+      </dsp:style>
+      <dsp:txBody>
+        <a:bodyPr spcFirstLastPara="0" vert="horz" wrap="square" lIns="109805" tIns="121857" rIns="109805" bIns="121857" numCol="1" spcCol="1270" anchor="ctr" anchorCtr="0">
+          <a:noAutofit/>
+        </a:bodyPr>
+        <a:lstStyle/>
+        <a:p>
+          <a:pPr marL="0" lvl="0" indent="0" algn="ctr" defTabSz="889000">
+            <a:lnSpc>
+              <a:spcPct val="90000"/>
+            </a:lnSpc>
+            <a:spcBef>
+              <a:spcPct val="0"/>
+            </a:spcBef>
+            <a:spcAft>
+              <a:spcPct val="35000"/>
+            </a:spcAft>
+            <a:buNone/>
+          </a:pPr>
+          <a:r>
+            <a:rPr lang="en-US" sz="2000" kern="1200" dirty="0"/>
+            <a:t>Snow and Frost</a:t>
+          </a:r>
+        </a:p>
+        <a:p>
+          <a:pPr marL="0" lvl="0" indent="0" algn="ctr" defTabSz="889000">
+            <a:lnSpc>
+              <a:spcPct val="90000"/>
+            </a:lnSpc>
+            <a:spcBef>
+              <a:spcPct val="0"/>
+            </a:spcBef>
+            <a:spcAft>
+              <a:spcPct val="35000"/>
+            </a:spcAft>
+            <a:buNone/>
+          </a:pPr>
+          <a:r>
+            <a:rPr lang="en-US" sz="2000" kern="1200" dirty="0"/>
+            <a:t>(Slides 5, 7-8)</a:t>
+          </a:r>
+        </a:p>
+      </dsp:txBody>
+      <dsp:txXfrm>
+        <a:off x="0" y="2617715"/>
+        <a:ext cx="2075046" cy="1233648"/>
+      </dsp:txXfrm>
+    </dsp:sp>
+    <dsp:sp modelId="{E102EFF7-3189-4282-9336-2B0D0DD4F28E}">
+      <dsp:nvSpPr>
+        <dsp:cNvPr id="0" name=""/>
+        <dsp:cNvSpPr/>
+      </dsp:nvSpPr>
+      <dsp:spPr>
+        <a:xfrm>
+          <a:off x="2075046" y="3925383"/>
+          <a:ext cx="8300184" cy="1233648"/>
+        </a:xfrm>
+        <a:prstGeom prst="rect">
+          <a:avLst/>
+        </a:prstGeom>
+        <a:solidFill>
+          <a:schemeClr val="dk2">
+            <a:alpha val="90000"/>
+            <a:tint val="40000"/>
+            <a:hueOff val="0"/>
+            <a:satOff val="0"/>
+            <a:lumOff val="0"/>
+            <a:alphaOff val="0"/>
+          </a:schemeClr>
+        </a:solidFill>
+        <a:ln w="12700" cap="flat" cmpd="sng" algn="ctr">
+          <a:solidFill>
+            <a:schemeClr val="dk2">
+              <a:alpha val="90000"/>
+              <a:tint val="40000"/>
+              <a:hueOff val="0"/>
+              <a:satOff val="0"/>
+              <a:lumOff val="0"/>
+              <a:alphaOff val="0"/>
+            </a:schemeClr>
+          </a:solidFill>
+          <a:prstDash val="solid"/>
+          <a:miter lim="800000"/>
+        </a:ln>
+        <a:effectLst/>
+      </dsp:spPr>
+      <dsp:style>
+        <a:lnRef idx="2">
+          <a:scrgbClr r="0" g="0" b="0"/>
+        </a:lnRef>
+        <a:fillRef idx="1">
+          <a:scrgbClr r="0" g="0" b="0"/>
+        </a:fillRef>
+        <a:effectRef idx="0">
+          <a:scrgbClr r="0" g="0" b="0"/>
+        </a:effectRef>
+        <a:fontRef idx="minor"/>
+      </dsp:style>
+      <dsp:txBody>
+        <a:bodyPr spcFirstLastPara="0" vert="horz" wrap="square" lIns="161047" tIns="313347" rIns="161047" bIns="313347" numCol="1" spcCol="1270" anchor="ctr" anchorCtr="0">
+          <a:noAutofit/>
+        </a:bodyPr>
+        <a:lstStyle/>
+        <a:p>
+          <a:pPr marL="0" lvl="0" indent="0" algn="l" defTabSz="711200">
+            <a:lnSpc>
+              <a:spcPct val="90000"/>
+            </a:lnSpc>
+            <a:spcBef>
+              <a:spcPct val="0"/>
+            </a:spcBef>
+            <a:spcAft>
+              <a:spcPct val="35000"/>
+            </a:spcAft>
+            <a:buNone/>
+          </a:pPr>
+          <a:r>
+            <a:rPr lang="en-US" sz="1600" kern="1200" dirty="0"/>
+            <a:t>Soil temperature is consistent across all zones and watersheds while soil moisture is slightly higher in S2 and on the north slopes in each watershed. </a:t>
+          </a:r>
+        </a:p>
+        <a:p>
+          <a:pPr marL="0" lvl="0" indent="0" algn="l" defTabSz="711200">
+            <a:lnSpc>
+              <a:spcPct val="90000"/>
+            </a:lnSpc>
+            <a:spcBef>
+              <a:spcPct val="0"/>
+            </a:spcBef>
+            <a:spcAft>
+              <a:spcPct val="35000"/>
+            </a:spcAft>
+            <a:buNone/>
+          </a:pPr>
+          <a:r>
+            <a:rPr lang="en-US" sz="1600" kern="1200" dirty="0"/>
+            <a:t>Soil temperature also estimates that soil frost should be deeper on the north slopes compared to the south slopes, particularly in S6. </a:t>
+          </a:r>
+        </a:p>
+      </dsp:txBody>
+      <dsp:txXfrm>
+        <a:off x="2075046" y="3925383"/>
+        <a:ext cx="8300184" cy="1233648"/>
+      </dsp:txXfrm>
+    </dsp:sp>
+    <dsp:sp modelId="{6465E4B0-BA60-4520-AA1D-6B48C1570E4D}">
+      <dsp:nvSpPr>
+        <dsp:cNvPr id="0" name=""/>
+        <dsp:cNvSpPr/>
+      </dsp:nvSpPr>
+      <dsp:spPr>
+        <a:xfrm>
+          <a:off x="0" y="3925383"/>
+          <a:ext cx="2075046" cy="1233648"/>
+        </a:xfrm>
+        <a:prstGeom prst="rect">
+          <a:avLst/>
+        </a:prstGeom>
+        <a:solidFill>
+          <a:schemeClr val="dk2">
+            <a:hueOff val="0"/>
+            <a:satOff val="0"/>
+            <a:lumOff val="0"/>
+            <a:alphaOff val="0"/>
+          </a:schemeClr>
+        </a:solidFill>
+        <a:ln w="12700" cap="flat" cmpd="sng" algn="ctr">
+          <a:solidFill>
+            <a:schemeClr val="dk2">
+              <a:hueOff val="0"/>
+              <a:satOff val="0"/>
+              <a:lumOff val="0"/>
+              <a:alphaOff val="0"/>
+            </a:schemeClr>
+          </a:solidFill>
+          <a:prstDash val="solid"/>
+          <a:miter lim="800000"/>
+        </a:ln>
+        <a:effectLst/>
+      </dsp:spPr>
+      <dsp:style>
+        <a:lnRef idx="2">
+          <a:scrgbClr r="0" g="0" b="0"/>
+        </a:lnRef>
+        <a:fillRef idx="1">
+          <a:scrgbClr r="0" g="0" b="0"/>
+        </a:fillRef>
+        <a:effectRef idx="0">
+          <a:scrgbClr r="0" g="0" b="0"/>
+        </a:effectRef>
+        <a:fontRef idx="minor">
+          <a:schemeClr val="lt1"/>
+        </a:fontRef>
+      </dsp:style>
+      <dsp:txBody>
+        <a:bodyPr spcFirstLastPara="0" vert="horz" wrap="square" lIns="109805" tIns="121857" rIns="109805" bIns="121857" numCol="1" spcCol="1270" anchor="ctr" anchorCtr="0">
+          <a:noAutofit/>
+        </a:bodyPr>
+        <a:lstStyle/>
+        <a:p>
+          <a:pPr marL="0" lvl="0" indent="0" algn="ctr" defTabSz="889000">
+            <a:lnSpc>
+              <a:spcPct val="90000"/>
+            </a:lnSpc>
+            <a:spcBef>
+              <a:spcPct val="0"/>
+            </a:spcBef>
+            <a:spcAft>
+              <a:spcPct val="35000"/>
+            </a:spcAft>
+            <a:buNone/>
+          </a:pPr>
+          <a:r>
+            <a:rPr lang="en-US" sz="2000" kern="1200" dirty="0"/>
+            <a:t>Snow and Soil</a:t>
+          </a:r>
+        </a:p>
+        <a:p>
+          <a:pPr marL="0" lvl="0" indent="0" algn="ctr" defTabSz="889000">
+            <a:lnSpc>
+              <a:spcPct val="90000"/>
+            </a:lnSpc>
+            <a:spcBef>
+              <a:spcPct val="0"/>
+            </a:spcBef>
+            <a:spcAft>
+              <a:spcPct val="35000"/>
+            </a:spcAft>
+            <a:buNone/>
+          </a:pPr>
+          <a:r>
+            <a:rPr lang="en-US" sz="2000" kern="1200" dirty="0"/>
+            <a:t>(Slides 6-8)</a:t>
+          </a:r>
+        </a:p>
+      </dsp:txBody>
+      <dsp:txXfrm>
+        <a:off x="0" y="3925383"/>
+        <a:ext cx="2075046" cy="1233648"/>
       </dsp:txXfrm>
     </dsp:sp>
   </dsp:spTree>
@@ -2083,6 +4075,240 @@
 </dgm:layoutDef>
 </file>
 
+<file path=ppt/diagrams/layout2.xml><?xml version="1.0" encoding="utf-8"?>
+<dgm:layoutDef xmlns:dgm="http://schemas.openxmlformats.org/drawingml/2006/diagram" xmlns:a="http://schemas.openxmlformats.org/drawingml/2006/main" uniqueId="urn:microsoft.com/office/officeart/2016/7/layout/VerticalSolidActionList">
+  <dgm:title val="Vertical Solid Action List"/>
+  <dgm:desc val="Use to show non-sequential or grouped lists of information. Works well with large amounts of text. All text has the same level of emphasis, and direction is not implied."/>
+  <dgm:catLst>
+    <dgm:cat type="list" pri="500"/>
+  </dgm:catLst>
+  <dgm:sampData>
+    <dgm:dataModel>
+      <dgm:ptLst>
+        <dgm:pt modelId="0" type="doc"/>
+        <dgm:pt modelId="1">
+          <dgm:prSet phldr="1"/>
+        </dgm:pt>
+        <dgm:pt modelId="11">
+          <dgm:prSet phldr="1"/>
+        </dgm:pt>
+        <dgm:pt modelId="2">
+          <dgm:prSet phldr="1"/>
+        </dgm:pt>
+        <dgm:pt modelId="21">
+          <dgm:prSet phldr="1"/>
+        </dgm:pt>
+        <dgm:pt modelId="3">
+          <dgm:prSet phldr="1"/>
+        </dgm:pt>
+        <dgm:pt modelId="31">
+          <dgm:prSet phldr="1"/>
+        </dgm:pt>
+        <dgm:pt modelId="4">
+          <dgm:prSet phldr="1"/>
+        </dgm:pt>
+        <dgm:pt modelId="41">
+          <dgm:prSet phldr="1"/>
+        </dgm:pt>
+        <dgm:pt modelId="5">
+          <dgm:prSet phldr="1"/>
+        </dgm:pt>
+        <dgm:pt modelId="51">
+          <dgm:prSet phldr="1"/>
+        </dgm:pt>
+      </dgm:ptLst>
+      <dgm:cxnLst>
+        <dgm:cxn modelId="4" srcId="0" destId="1" srcOrd="0" destOrd="0"/>
+        <dgm:cxn modelId="5" srcId="0" destId="2" srcOrd="1" destOrd="0"/>
+        <dgm:cxn modelId="6" srcId="0" destId="3" srcOrd="2" destOrd="0"/>
+        <dgm:cxn modelId="7" srcId="0" destId="4" srcOrd="3" destOrd="0"/>
+        <dgm:cxn modelId="8" srcId="0" destId="5" srcOrd="4" destOrd="0"/>
+        <dgm:cxn modelId="13" srcId="1" destId="11" srcOrd="0" destOrd="0"/>
+        <dgm:cxn modelId="23" srcId="2" destId="21" srcOrd="0" destOrd="0"/>
+        <dgm:cxn modelId="33" srcId="3" destId="31" srcOrd="0" destOrd="0"/>
+        <dgm:cxn modelId="43" srcId="4" destId="41" srcOrd="0" destOrd="0"/>
+        <dgm:cxn modelId="53" srcId="5" destId="51" srcOrd="0" destOrd="0"/>
+      </dgm:cxnLst>
+      <dgm:bg/>
+      <dgm:whole/>
+    </dgm:dataModel>
+  </dgm:sampData>
+  <dgm:styleData>
+    <dgm:dataModel>
+      <dgm:ptLst>
+        <dgm:pt modelId="0" type="doc"/>
+        <dgm:pt modelId="1"/>
+        <dgm:pt modelId="11"/>
+        <dgm:pt modelId="2"/>
+        <dgm:pt modelId="21"/>
+      </dgm:ptLst>
+      <dgm:cxnLst>
+        <dgm:cxn modelId="4" srcId="0" destId="1" srcOrd="0" destOrd="0"/>
+        <dgm:cxn modelId="5" srcId="0" destId="2" srcOrd="1" destOrd="0"/>
+        <dgm:cxn modelId="13" srcId="1" destId="11" srcOrd="0" destOrd="0"/>
+        <dgm:cxn modelId="23" srcId="2" destId="21" srcOrd="0" destOrd="0"/>
+      </dgm:cxnLst>
+      <dgm:bg/>
+      <dgm:whole/>
+    </dgm:dataModel>
+  </dgm:styleData>
+  <dgm:clrData>
+    <dgm:dataModel>
+      <dgm:ptLst>
+        <dgm:pt modelId="0" type="doc"/>
+        <dgm:pt modelId="1"/>
+        <dgm:pt modelId="11"/>
+        <dgm:pt modelId="2"/>
+        <dgm:pt modelId="21"/>
+        <dgm:pt modelId="3"/>
+        <dgm:pt modelId="31"/>
+        <dgm:pt modelId="4"/>
+        <dgm:pt modelId="41"/>
+      </dgm:ptLst>
+      <dgm:cxnLst>
+        <dgm:cxn modelId="5" srcId="0" destId="1" srcOrd="0" destOrd="0"/>
+        <dgm:cxn modelId="6" srcId="0" destId="2" srcOrd="1" destOrd="0"/>
+        <dgm:cxn modelId="7" srcId="0" destId="3" srcOrd="2" destOrd="0"/>
+        <dgm:cxn modelId="8" srcId="0" destId="4" srcOrd="3" destOrd="0"/>
+        <dgm:cxn modelId="13" srcId="1" destId="11" srcOrd="0" destOrd="0"/>
+        <dgm:cxn modelId="23" srcId="2" destId="21" srcOrd="0" destOrd="0"/>
+        <dgm:cxn modelId="33" srcId="3" destId="31" srcOrd="0" destOrd="0"/>
+        <dgm:cxn modelId="43" srcId="4" destId="41" srcOrd="0" destOrd="0"/>
+      </dgm:cxnLst>
+      <dgm:bg/>
+      <dgm:whole/>
+    </dgm:dataModel>
+  </dgm:clrData>
+  <dgm:layoutNode name="Name0">
+    <dgm:varLst>
+      <dgm:dir/>
+      <dgm:animLvl val="lvl"/>
+      <dgm:resizeHandles val="exact"/>
+    </dgm:varLst>
+    <dgm:choose name="Name1">
+      <dgm:if name="Name2" func="var" arg="dir" op="equ" val="norm">
+        <dgm:alg type="lin">
+          <dgm:param type="linDir" val="fromT"/>
+          <dgm:param type="nodeHorzAlign" val="l"/>
+        </dgm:alg>
+      </dgm:if>
+      <dgm:else name="Name3">
+        <dgm:alg type="lin">
+          <dgm:param type="linDir" val="fromT"/>
+          <dgm:param type="nodeHorzAlign" val="r"/>
+        </dgm:alg>
+      </dgm:else>
+    </dgm:choose>
+    <dgm:shape xmlns:r="http://schemas.openxmlformats.org/officeDocument/2006/relationships" r:blip="">
+      <dgm:adjLst/>
+    </dgm:shape>
+    <dgm:presOf/>
+    <dgm:constrLst>
+      <dgm:constr type="h" for="ch" forName="linNode" refType="h"/>
+      <dgm:constr type="w" for="ch" forName="linNode" refType="w"/>
+      <dgm:constr type="h" for="ch" forName="sp" refType="h" fact="0.06"/>
+      <dgm:constr type="primFontSz" for="des" forName="parentText" op="equ" val="28"/>
+      <dgm:constr type="primFontSz" for="des" forName="descendantText" refType="primFontSz" refFor="des" refForName="parentText" op="lte" fact="0.82"/>
+      <dgm:constr type="primFontSz" for="des" forName="parentText" refType="primFontSz" refFor="des" refForName="descendantText" op="lte" fact="1.25"/>
+    </dgm:constrLst>
+    <dgm:ruleLst/>
+    <dgm:forEach name="Name4" axis="ch" ptType="node">
+      <dgm:layoutNode name="linNode">
+        <dgm:choose name="Name5">
+          <dgm:if name="Name6" func="var" arg="dir" op="equ" val="norm">
+            <dgm:alg type="lin">
+              <dgm:param type="linDir" val="fromL"/>
+            </dgm:alg>
+          </dgm:if>
+          <dgm:else name="Name7">
+            <dgm:alg type="lin">
+              <dgm:param type="linDir" val="fromR"/>
+            </dgm:alg>
+          </dgm:else>
+        </dgm:choose>
+        <dgm:shape xmlns:r="http://schemas.openxmlformats.org/officeDocument/2006/relationships" r:blip="">
+          <dgm:adjLst/>
+        </dgm:shape>
+        <dgm:presOf/>
+        <dgm:constrLst>
+          <dgm:constr type="w" for="ch" forName="parentText" refType="w" fact="0.2"/>
+          <dgm:constr type="w" for="ch" forName="descendantText" refType="w" fact="0.8"/>
+          <dgm:constr type="h" for="ch" forName="parentText" refType="h"/>
+          <dgm:constr type="h" for="ch" forName="descendantText" refType="h" refFor="ch" refForName="parentText"/>
+        </dgm:constrLst>
+        <dgm:ruleLst/>
+        <dgm:layoutNode name="parentText" styleLbl="alignNode1">
+          <dgm:varLst>
+            <dgm:chMax val="1"/>
+            <dgm:bulletEnabled/>
+          </dgm:varLst>
+          <dgm:alg type="tx"/>
+          <dgm:shape xmlns:r="http://schemas.openxmlformats.org/officeDocument/2006/relationships" type="rect" r:blip="" zOrderOff="3">
+            <dgm:adjLst/>
+          </dgm:shape>
+          <dgm:presOf axis="self" ptType="node"/>
+          <dgm:constrLst>
+            <dgm:constr type="tMarg" refType="h" fact="0.28"/>
+            <dgm:constr type="bMarg" refType="h" fact="0.28"/>
+            <dgm:constr type="lMarg" refType="w" fact="0.15"/>
+            <dgm:constr type="rMarg" refType="w" fact="0.15"/>
+          </dgm:constrLst>
+          <dgm:ruleLst>
+            <dgm:rule type="primFontSz" val="15" fact="NaN" max="NaN"/>
+          </dgm:ruleLst>
+        </dgm:layoutNode>
+        <dgm:layoutNode name="descendantText" styleLbl="alignAccFollowNode1">
+          <dgm:varLst>
+            <dgm:bulletEnabled/>
+          </dgm:varLst>
+          <dgm:alg type="tx">
+            <dgm:param type="stBulletLvl" val="0"/>
+            <dgm:param type="parTxLTRAlign" val="l"/>
+            <dgm:param type="shpTxLTRAlignCh" val="l"/>
+            <dgm:param type="parTxRTLAlign" val="r"/>
+            <dgm:param type="shpTxRTLAlignCh" val="r"/>
+          </dgm:alg>
+          <dgm:choose name="Name10">
+            <dgm:if name="Name11" func="var" arg="dir" op="equ" val="norm">
+              <dgm:shape xmlns:r="http://schemas.openxmlformats.org/officeDocument/2006/relationships" type="rect" r:blip="">
+                <dgm:adjLst/>
+              </dgm:shape>
+            </dgm:if>
+            <dgm:else name="Name12">
+              <dgm:shape xmlns:r="http://schemas.openxmlformats.org/officeDocument/2006/relationships" type="rect" r:blip="">
+                <dgm:adjLst/>
+              </dgm:shape>
+            </dgm:else>
+          </dgm:choose>
+          <dgm:presOf axis="des" ptType="node"/>
+          <dgm:constrLst>
+            <dgm:constr type="primFontSz" val="24"/>
+            <dgm:constr type="lMarg" refType="w" fact="0.055"/>
+            <dgm:constr type="rMarg" refType="w" fact="0.055"/>
+            <dgm:constr type="tMarg" refType="h" fact="0.72"/>
+            <dgm:constr type="bMarg" refType="h" fact="0.72"/>
+          </dgm:constrLst>
+          <dgm:ruleLst>
+            <dgm:rule type="primFontSz" val="11" fact="NaN" max="NaN"/>
+          </dgm:ruleLst>
+        </dgm:layoutNode>
+      </dgm:layoutNode>
+      <dgm:forEach name="Name14" axis="followSib" ptType="sibTrans" cnt="1">
+        <dgm:layoutNode name="sp">
+          <dgm:alg type="sp"/>
+          <dgm:shape xmlns:r="http://schemas.openxmlformats.org/officeDocument/2006/relationships" r:blip="">
+            <dgm:adjLst/>
+          </dgm:shape>
+          <dgm:presOf/>
+          <dgm:constrLst/>
+          <dgm:ruleLst/>
+        </dgm:layoutNode>
+      </dgm:forEach>
+    </dgm:forEach>
+  </dgm:layoutNode>
+</dgm:layoutDef>
+</file>
+
 <file path=ppt/diagrams/quickStyle1.xml><?xml version="1.0" encoding="utf-8"?>
 <dgm:styleDef xmlns:dgm="http://schemas.openxmlformats.org/drawingml/2006/diagram" xmlns:a="http://schemas.openxmlformats.org/drawingml/2006/main" uniqueId="urn:microsoft.com/office/officeart/2005/8/quickstyle/simple1">
   <dgm:title val=""/>
@@ -3117,7 +5343,1181 @@
 </dgm:styleDef>
 </file>
 
+<file path=ppt/diagrams/quickStyle2.xml><?xml version="1.0" encoding="utf-8"?>
+<dgm:styleDef xmlns:dgm="http://schemas.openxmlformats.org/drawingml/2006/diagram" xmlns:a="http://schemas.openxmlformats.org/drawingml/2006/main" uniqueId="urn:microsoft.com/office/officeart/2005/8/quickstyle/simple1">
+  <dgm:title val=""/>
+  <dgm:desc val=""/>
+  <dgm:catLst>
+    <dgm:cat type="simple" pri="10100"/>
+  </dgm:catLst>
+  <dgm:scene3d>
+    <a:camera prst="orthographicFront"/>
+    <a:lightRig rig="threePt" dir="t"/>
+  </dgm:scene3d>
+  <dgm:styleLbl name="node0">
+    <dgm:scene3d>
+      <a:camera prst="orthographicFront"/>
+      <a:lightRig rig="threePt" dir="t"/>
+    </dgm:scene3d>
+    <dgm:sp3d/>
+    <dgm:txPr/>
+    <dgm:style>
+      <a:lnRef idx="2">
+        <a:scrgbClr r="0" g="0" b="0"/>
+      </a:lnRef>
+      <a:fillRef idx="1">
+        <a:scrgbClr r="0" g="0" b="0"/>
+      </a:fillRef>
+      <a:effectRef idx="0">
+        <a:scrgbClr r="0" g="0" b="0"/>
+      </a:effectRef>
+      <a:fontRef idx="minor">
+        <a:schemeClr val="lt1"/>
+      </a:fontRef>
+    </dgm:style>
+  </dgm:styleLbl>
+  <dgm:styleLbl name="lnNode1">
+    <dgm:scene3d>
+      <a:camera prst="orthographicFront"/>
+      <a:lightRig rig="threePt" dir="t"/>
+    </dgm:scene3d>
+    <dgm:sp3d/>
+    <dgm:txPr/>
+    <dgm:style>
+      <a:lnRef idx="2">
+        <a:scrgbClr r="0" g="0" b="0"/>
+      </a:lnRef>
+      <a:fillRef idx="1">
+        <a:scrgbClr r="0" g="0" b="0"/>
+      </a:fillRef>
+      <a:effectRef idx="0">
+        <a:scrgbClr r="0" g="0" b="0"/>
+      </a:effectRef>
+      <a:fontRef idx="minor">
+        <a:schemeClr val="lt1"/>
+      </a:fontRef>
+    </dgm:style>
+  </dgm:styleLbl>
+  <dgm:styleLbl name="vennNode1">
+    <dgm:scene3d>
+      <a:camera prst="orthographicFront"/>
+      <a:lightRig rig="threePt" dir="t"/>
+    </dgm:scene3d>
+    <dgm:sp3d/>
+    <dgm:txPr/>
+    <dgm:style>
+      <a:lnRef idx="2">
+        <a:scrgbClr r="0" g="0" b="0"/>
+      </a:lnRef>
+      <a:fillRef idx="1">
+        <a:scrgbClr r="0" g="0" b="0"/>
+      </a:fillRef>
+      <a:effectRef idx="0">
+        <a:scrgbClr r="0" g="0" b="0"/>
+      </a:effectRef>
+      <a:fontRef idx="minor">
+        <a:schemeClr val="tx1"/>
+      </a:fontRef>
+    </dgm:style>
+  </dgm:styleLbl>
+  <dgm:styleLbl name="alignNode1">
+    <dgm:scene3d>
+      <a:camera prst="orthographicFront"/>
+      <a:lightRig rig="threePt" dir="t"/>
+    </dgm:scene3d>
+    <dgm:sp3d/>
+    <dgm:txPr/>
+    <dgm:style>
+      <a:lnRef idx="2">
+        <a:scrgbClr r="0" g="0" b="0"/>
+      </a:lnRef>
+      <a:fillRef idx="1">
+        <a:scrgbClr r="0" g="0" b="0"/>
+      </a:fillRef>
+      <a:effectRef idx="0">
+        <a:scrgbClr r="0" g="0" b="0"/>
+      </a:effectRef>
+      <a:fontRef idx="minor">
+        <a:schemeClr val="lt1"/>
+      </a:fontRef>
+    </dgm:style>
+  </dgm:styleLbl>
+  <dgm:styleLbl name="node1">
+    <dgm:scene3d>
+      <a:camera prst="orthographicFront"/>
+      <a:lightRig rig="threePt" dir="t"/>
+    </dgm:scene3d>
+    <dgm:sp3d/>
+    <dgm:txPr/>
+    <dgm:style>
+      <a:lnRef idx="2">
+        <a:scrgbClr r="0" g="0" b="0"/>
+      </a:lnRef>
+      <a:fillRef idx="1">
+        <a:scrgbClr r="0" g="0" b="0"/>
+      </a:fillRef>
+      <a:effectRef idx="0">
+        <a:scrgbClr r="0" g="0" b="0"/>
+      </a:effectRef>
+      <a:fontRef idx="minor">
+        <a:schemeClr val="lt1"/>
+      </a:fontRef>
+    </dgm:style>
+  </dgm:styleLbl>
+  <dgm:styleLbl name="node2">
+    <dgm:scene3d>
+      <a:camera prst="orthographicFront"/>
+      <a:lightRig rig="threePt" dir="t"/>
+    </dgm:scene3d>
+    <dgm:sp3d/>
+    <dgm:txPr/>
+    <dgm:style>
+      <a:lnRef idx="2">
+        <a:scrgbClr r="0" g="0" b="0"/>
+      </a:lnRef>
+      <a:fillRef idx="1">
+        <a:scrgbClr r="0" g="0" b="0"/>
+      </a:fillRef>
+      <a:effectRef idx="0">
+        <a:scrgbClr r="0" g="0" b="0"/>
+      </a:effectRef>
+      <a:fontRef idx="minor">
+        <a:schemeClr val="lt1"/>
+      </a:fontRef>
+    </dgm:style>
+  </dgm:styleLbl>
+  <dgm:styleLbl name="node3">
+    <dgm:scene3d>
+      <a:camera prst="orthographicFront"/>
+      <a:lightRig rig="threePt" dir="t"/>
+    </dgm:scene3d>
+    <dgm:sp3d/>
+    <dgm:txPr/>
+    <dgm:style>
+      <a:lnRef idx="2">
+        <a:scrgbClr r="0" g="0" b="0"/>
+      </a:lnRef>
+      <a:fillRef idx="1">
+        <a:scrgbClr r="0" g="0" b="0"/>
+      </a:fillRef>
+      <a:effectRef idx="0">
+        <a:scrgbClr r="0" g="0" b="0"/>
+      </a:effectRef>
+      <a:fontRef idx="minor">
+        <a:schemeClr val="lt1"/>
+      </a:fontRef>
+    </dgm:style>
+  </dgm:styleLbl>
+  <dgm:styleLbl name="node4">
+    <dgm:scene3d>
+      <a:camera prst="orthographicFront"/>
+      <a:lightRig rig="threePt" dir="t"/>
+    </dgm:scene3d>
+    <dgm:sp3d/>
+    <dgm:txPr/>
+    <dgm:style>
+      <a:lnRef idx="2">
+        <a:scrgbClr r="0" g="0" b="0"/>
+      </a:lnRef>
+      <a:fillRef idx="1">
+        <a:scrgbClr r="0" g="0" b="0"/>
+      </a:fillRef>
+      <a:effectRef idx="0">
+        <a:scrgbClr r="0" g="0" b="0"/>
+      </a:effectRef>
+      <a:fontRef idx="minor">
+        <a:schemeClr val="lt1"/>
+      </a:fontRef>
+    </dgm:style>
+  </dgm:styleLbl>
+  <dgm:styleLbl name="fgImgPlace1">
+    <dgm:scene3d>
+      <a:camera prst="orthographicFront"/>
+      <a:lightRig rig="threePt" dir="t"/>
+    </dgm:scene3d>
+    <dgm:sp3d/>
+    <dgm:txPr/>
+    <dgm:style>
+      <a:lnRef idx="2">
+        <a:scrgbClr r="0" g="0" b="0"/>
+      </a:lnRef>
+      <a:fillRef idx="1">
+        <a:scrgbClr r="0" g="0" b="0"/>
+      </a:fillRef>
+      <a:effectRef idx="0">
+        <a:scrgbClr r="0" g="0" b="0"/>
+      </a:effectRef>
+      <a:fontRef idx="minor"/>
+    </dgm:style>
+  </dgm:styleLbl>
+  <dgm:styleLbl name="alignImgPlace1">
+    <dgm:scene3d>
+      <a:camera prst="orthographicFront"/>
+      <a:lightRig rig="threePt" dir="t"/>
+    </dgm:scene3d>
+    <dgm:sp3d/>
+    <dgm:txPr/>
+    <dgm:style>
+      <a:lnRef idx="2">
+        <a:scrgbClr r="0" g="0" b="0"/>
+      </a:lnRef>
+      <a:fillRef idx="1">
+        <a:scrgbClr r="0" g="0" b="0"/>
+      </a:fillRef>
+      <a:effectRef idx="0">
+        <a:scrgbClr r="0" g="0" b="0"/>
+      </a:effectRef>
+      <a:fontRef idx="minor"/>
+    </dgm:style>
+  </dgm:styleLbl>
+  <dgm:styleLbl name="bgImgPlace1">
+    <dgm:scene3d>
+      <a:camera prst="orthographicFront"/>
+      <a:lightRig rig="threePt" dir="t"/>
+    </dgm:scene3d>
+    <dgm:sp3d/>
+    <dgm:txPr/>
+    <dgm:style>
+      <a:lnRef idx="2">
+        <a:scrgbClr r="0" g="0" b="0"/>
+      </a:lnRef>
+      <a:fillRef idx="1">
+        <a:scrgbClr r="0" g="0" b="0"/>
+      </a:fillRef>
+      <a:effectRef idx="0">
+        <a:scrgbClr r="0" g="0" b="0"/>
+      </a:effectRef>
+      <a:fontRef idx="minor"/>
+    </dgm:style>
+  </dgm:styleLbl>
+  <dgm:styleLbl name="sibTrans2D1">
+    <dgm:scene3d>
+      <a:camera prst="orthographicFront"/>
+      <a:lightRig rig="threePt" dir="t"/>
+    </dgm:scene3d>
+    <dgm:sp3d/>
+    <dgm:txPr/>
+    <dgm:style>
+      <a:lnRef idx="0">
+        <a:scrgbClr r="0" g="0" b="0"/>
+      </a:lnRef>
+      <a:fillRef idx="1">
+        <a:scrgbClr r="0" g="0" b="0"/>
+      </a:fillRef>
+      <a:effectRef idx="0">
+        <a:scrgbClr r="0" g="0" b="0"/>
+      </a:effectRef>
+      <a:fontRef idx="minor">
+        <a:schemeClr val="lt1"/>
+      </a:fontRef>
+    </dgm:style>
+  </dgm:styleLbl>
+  <dgm:styleLbl name="fgSibTrans2D1">
+    <dgm:scene3d>
+      <a:camera prst="orthographicFront"/>
+      <a:lightRig rig="threePt" dir="t"/>
+    </dgm:scene3d>
+    <dgm:sp3d/>
+    <dgm:txPr/>
+    <dgm:style>
+      <a:lnRef idx="0">
+        <a:scrgbClr r="0" g="0" b="0"/>
+      </a:lnRef>
+      <a:fillRef idx="1">
+        <a:scrgbClr r="0" g="0" b="0"/>
+      </a:fillRef>
+      <a:effectRef idx="0">
+        <a:scrgbClr r="0" g="0" b="0"/>
+      </a:effectRef>
+      <a:fontRef idx="minor">
+        <a:schemeClr val="lt1"/>
+      </a:fontRef>
+    </dgm:style>
+  </dgm:styleLbl>
+  <dgm:styleLbl name="bgSibTrans2D1">
+    <dgm:scene3d>
+      <a:camera prst="orthographicFront"/>
+      <a:lightRig rig="threePt" dir="t"/>
+    </dgm:scene3d>
+    <dgm:sp3d/>
+    <dgm:txPr/>
+    <dgm:style>
+      <a:lnRef idx="0">
+        <a:scrgbClr r="0" g="0" b="0"/>
+      </a:lnRef>
+      <a:fillRef idx="1">
+        <a:scrgbClr r="0" g="0" b="0"/>
+      </a:fillRef>
+      <a:effectRef idx="0">
+        <a:scrgbClr r="0" g="0" b="0"/>
+      </a:effectRef>
+      <a:fontRef idx="minor">
+        <a:schemeClr val="lt1"/>
+      </a:fontRef>
+    </dgm:style>
+  </dgm:styleLbl>
+  <dgm:styleLbl name="sibTrans1D1">
+    <dgm:scene3d>
+      <a:camera prst="orthographicFront"/>
+      <a:lightRig rig="threePt" dir="t"/>
+    </dgm:scene3d>
+    <dgm:sp3d/>
+    <dgm:txPr/>
+    <dgm:style>
+      <a:lnRef idx="1">
+        <a:scrgbClr r="0" g="0" b="0"/>
+      </a:lnRef>
+      <a:fillRef idx="0">
+        <a:scrgbClr r="0" g="0" b="0"/>
+      </a:fillRef>
+      <a:effectRef idx="0">
+        <a:scrgbClr r="0" g="0" b="0"/>
+      </a:effectRef>
+      <a:fontRef idx="minor"/>
+    </dgm:style>
+  </dgm:styleLbl>
+  <dgm:styleLbl name="callout">
+    <dgm:scene3d>
+      <a:camera prst="orthographicFront"/>
+      <a:lightRig rig="threePt" dir="t"/>
+    </dgm:scene3d>
+    <dgm:sp3d/>
+    <dgm:txPr/>
+    <dgm:style>
+      <a:lnRef idx="2">
+        <a:scrgbClr r="0" g="0" b="0"/>
+      </a:lnRef>
+      <a:fillRef idx="1">
+        <a:scrgbClr r="0" g="0" b="0"/>
+      </a:fillRef>
+      <a:effectRef idx="0">
+        <a:scrgbClr r="0" g="0" b="0"/>
+      </a:effectRef>
+      <a:fontRef idx="minor"/>
+    </dgm:style>
+  </dgm:styleLbl>
+  <dgm:styleLbl name="asst0">
+    <dgm:scene3d>
+      <a:camera prst="orthographicFront"/>
+      <a:lightRig rig="threePt" dir="t"/>
+    </dgm:scene3d>
+    <dgm:sp3d/>
+    <dgm:txPr/>
+    <dgm:style>
+      <a:lnRef idx="2">
+        <a:scrgbClr r="0" g="0" b="0"/>
+      </a:lnRef>
+      <a:fillRef idx="1">
+        <a:scrgbClr r="0" g="0" b="0"/>
+      </a:fillRef>
+      <a:effectRef idx="0">
+        <a:scrgbClr r="0" g="0" b="0"/>
+      </a:effectRef>
+      <a:fontRef idx="minor">
+        <a:schemeClr val="lt1"/>
+      </a:fontRef>
+    </dgm:style>
+  </dgm:styleLbl>
+  <dgm:styleLbl name="asst1">
+    <dgm:scene3d>
+      <a:camera prst="orthographicFront"/>
+      <a:lightRig rig="threePt" dir="t"/>
+    </dgm:scene3d>
+    <dgm:sp3d/>
+    <dgm:txPr/>
+    <dgm:style>
+      <a:lnRef idx="2">
+        <a:scrgbClr r="0" g="0" b="0"/>
+      </a:lnRef>
+      <a:fillRef idx="1">
+        <a:scrgbClr r="0" g="0" b="0"/>
+      </a:fillRef>
+      <a:effectRef idx="0">
+        <a:scrgbClr r="0" g="0" b="0"/>
+      </a:effectRef>
+      <a:fontRef idx="minor">
+        <a:schemeClr val="lt1"/>
+      </a:fontRef>
+    </dgm:style>
+  </dgm:styleLbl>
+  <dgm:styleLbl name="asst2">
+    <dgm:scene3d>
+      <a:camera prst="orthographicFront"/>
+      <a:lightRig rig="threePt" dir="t"/>
+    </dgm:scene3d>
+    <dgm:sp3d/>
+    <dgm:txPr/>
+    <dgm:style>
+      <a:lnRef idx="2">
+        <a:scrgbClr r="0" g="0" b="0"/>
+      </a:lnRef>
+      <a:fillRef idx="1">
+        <a:scrgbClr r="0" g="0" b="0"/>
+      </a:fillRef>
+      <a:effectRef idx="0">
+        <a:scrgbClr r="0" g="0" b="0"/>
+      </a:effectRef>
+      <a:fontRef idx="minor">
+        <a:schemeClr val="lt1"/>
+      </a:fontRef>
+    </dgm:style>
+  </dgm:styleLbl>
+  <dgm:styleLbl name="asst3">
+    <dgm:scene3d>
+      <a:camera prst="orthographicFront"/>
+      <a:lightRig rig="threePt" dir="t"/>
+    </dgm:scene3d>
+    <dgm:sp3d/>
+    <dgm:txPr/>
+    <dgm:style>
+      <a:lnRef idx="2">
+        <a:scrgbClr r="0" g="0" b="0"/>
+      </a:lnRef>
+      <a:fillRef idx="1">
+        <a:scrgbClr r="0" g="0" b="0"/>
+      </a:fillRef>
+      <a:effectRef idx="0">
+        <a:scrgbClr r="0" g="0" b="0"/>
+      </a:effectRef>
+      <a:fontRef idx="minor">
+        <a:schemeClr val="lt1"/>
+      </a:fontRef>
+    </dgm:style>
+  </dgm:styleLbl>
+  <dgm:styleLbl name="asst4">
+    <dgm:scene3d>
+      <a:camera prst="orthographicFront"/>
+      <a:lightRig rig="threePt" dir="t"/>
+    </dgm:scene3d>
+    <dgm:sp3d/>
+    <dgm:txPr/>
+    <dgm:style>
+      <a:lnRef idx="2">
+        <a:scrgbClr r="0" g="0" b="0"/>
+      </a:lnRef>
+      <a:fillRef idx="1">
+        <a:scrgbClr r="0" g="0" b="0"/>
+      </a:fillRef>
+      <a:effectRef idx="0">
+        <a:scrgbClr r="0" g="0" b="0"/>
+      </a:effectRef>
+      <a:fontRef idx="minor">
+        <a:schemeClr val="lt1"/>
+      </a:fontRef>
+    </dgm:style>
+  </dgm:styleLbl>
+  <dgm:styleLbl name="parChTrans2D1">
+    <dgm:scene3d>
+      <a:camera prst="orthographicFront"/>
+      <a:lightRig rig="threePt" dir="t"/>
+    </dgm:scene3d>
+    <dgm:sp3d/>
+    <dgm:txPr/>
+    <dgm:style>
+      <a:lnRef idx="2">
+        <a:scrgbClr r="0" g="0" b="0"/>
+      </a:lnRef>
+      <a:fillRef idx="1">
+        <a:scrgbClr r="0" g="0" b="0"/>
+      </a:fillRef>
+      <a:effectRef idx="0">
+        <a:scrgbClr r="0" g="0" b="0"/>
+      </a:effectRef>
+      <a:fontRef idx="minor">
+        <a:schemeClr val="lt1"/>
+      </a:fontRef>
+    </dgm:style>
+  </dgm:styleLbl>
+  <dgm:styleLbl name="parChTrans2D2">
+    <dgm:scene3d>
+      <a:camera prst="orthographicFront"/>
+      <a:lightRig rig="threePt" dir="t"/>
+    </dgm:scene3d>
+    <dgm:sp3d/>
+    <dgm:txPr/>
+    <dgm:style>
+      <a:lnRef idx="2">
+        <a:scrgbClr r="0" g="0" b="0"/>
+      </a:lnRef>
+      <a:fillRef idx="1">
+        <a:scrgbClr r="0" g="0" b="0"/>
+      </a:fillRef>
+      <a:effectRef idx="0">
+        <a:scrgbClr r="0" g="0" b="0"/>
+      </a:effectRef>
+      <a:fontRef idx="minor">
+        <a:schemeClr val="lt1"/>
+      </a:fontRef>
+    </dgm:style>
+  </dgm:styleLbl>
+  <dgm:styleLbl name="parChTrans2D3">
+    <dgm:scene3d>
+      <a:camera prst="orthographicFront"/>
+      <a:lightRig rig="threePt" dir="t"/>
+    </dgm:scene3d>
+    <dgm:sp3d/>
+    <dgm:txPr/>
+    <dgm:style>
+      <a:lnRef idx="2">
+        <a:scrgbClr r="0" g="0" b="0"/>
+      </a:lnRef>
+      <a:fillRef idx="1">
+        <a:scrgbClr r="0" g="0" b="0"/>
+      </a:fillRef>
+      <a:effectRef idx="0">
+        <a:scrgbClr r="0" g="0" b="0"/>
+      </a:effectRef>
+      <a:fontRef idx="minor">
+        <a:schemeClr val="lt1"/>
+      </a:fontRef>
+    </dgm:style>
+  </dgm:styleLbl>
+  <dgm:styleLbl name="parChTrans2D4">
+    <dgm:scene3d>
+      <a:camera prst="orthographicFront"/>
+      <a:lightRig rig="threePt" dir="t"/>
+    </dgm:scene3d>
+    <dgm:sp3d/>
+    <dgm:txPr/>
+    <dgm:style>
+      <a:lnRef idx="2">
+        <a:scrgbClr r="0" g="0" b="0"/>
+      </a:lnRef>
+      <a:fillRef idx="1">
+        <a:scrgbClr r="0" g="0" b="0"/>
+      </a:fillRef>
+      <a:effectRef idx="0">
+        <a:scrgbClr r="0" g="0" b="0"/>
+      </a:effectRef>
+      <a:fontRef idx="minor">
+        <a:schemeClr val="lt1"/>
+      </a:fontRef>
+    </dgm:style>
+  </dgm:styleLbl>
+  <dgm:styleLbl name="parChTrans1D1">
+    <dgm:scene3d>
+      <a:camera prst="orthographicFront"/>
+      <a:lightRig rig="threePt" dir="t"/>
+    </dgm:scene3d>
+    <dgm:sp3d/>
+    <dgm:txPr/>
+    <dgm:style>
+      <a:lnRef idx="2">
+        <a:scrgbClr r="0" g="0" b="0"/>
+      </a:lnRef>
+      <a:fillRef idx="0">
+        <a:scrgbClr r="0" g="0" b="0"/>
+      </a:fillRef>
+      <a:effectRef idx="0">
+        <a:scrgbClr r="0" g="0" b="0"/>
+      </a:effectRef>
+      <a:fontRef idx="minor"/>
+    </dgm:style>
+  </dgm:styleLbl>
+  <dgm:styleLbl name="parChTrans1D2">
+    <dgm:scene3d>
+      <a:camera prst="orthographicFront"/>
+      <a:lightRig rig="threePt" dir="t"/>
+    </dgm:scene3d>
+    <dgm:sp3d/>
+    <dgm:txPr/>
+    <dgm:style>
+      <a:lnRef idx="2">
+        <a:scrgbClr r="0" g="0" b="0"/>
+      </a:lnRef>
+      <a:fillRef idx="0">
+        <a:scrgbClr r="0" g="0" b="0"/>
+      </a:fillRef>
+      <a:effectRef idx="0">
+        <a:scrgbClr r="0" g="0" b="0"/>
+      </a:effectRef>
+      <a:fontRef idx="minor"/>
+    </dgm:style>
+  </dgm:styleLbl>
+  <dgm:styleLbl name="parChTrans1D3">
+    <dgm:scene3d>
+      <a:camera prst="orthographicFront"/>
+      <a:lightRig rig="threePt" dir="t"/>
+    </dgm:scene3d>
+    <dgm:sp3d/>
+    <dgm:txPr/>
+    <dgm:style>
+      <a:lnRef idx="2">
+        <a:scrgbClr r="0" g="0" b="0"/>
+      </a:lnRef>
+      <a:fillRef idx="0">
+        <a:scrgbClr r="0" g="0" b="0"/>
+      </a:fillRef>
+      <a:effectRef idx="0">
+        <a:scrgbClr r="0" g="0" b="0"/>
+      </a:effectRef>
+      <a:fontRef idx="minor"/>
+    </dgm:style>
+  </dgm:styleLbl>
+  <dgm:styleLbl name="parChTrans1D4">
+    <dgm:scene3d>
+      <a:camera prst="orthographicFront"/>
+      <a:lightRig rig="threePt" dir="t"/>
+    </dgm:scene3d>
+    <dgm:sp3d/>
+    <dgm:txPr/>
+    <dgm:style>
+      <a:lnRef idx="2">
+        <a:scrgbClr r="0" g="0" b="0"/>
+      </a:lnRef>
+      <a:fillRef idx="0">
+        <a:scrgbClr r="0" g="0" b="0"/>
+      </a:fillRef>
+      <a:effectRef idx="0">
+        <a:scrgbClr r="0" g="0" b="0"/>
+      </a:effectRef>
+      <a:fontRef idx="minor"/>
+    </dgm:style>
+  </dgm:styleLbl>
+  <dgm:styleLbl name="fgAcc1">
+    <dgm:scene3d>
+      <a:camera prst="orthographicFront"/>
+      <a:lightRig rig="threePt" dir="t"/>
+    </dgm:scene3d>
+    <dgm:sp3d/>
+    <dgm:txPr/>
+    <dgm:style>
+      <a:lnRef idx="2">
+        <a:scrgbClr r="0" g="0" b="0"/>
+      </a:lnRef>
+      <a:fillRef idx="1">
+        <a:scrgbClr r="0" g="0" b="0"/>
+      </a:fillRef>
+      <a:effectRef idx="0">
+        <a:scrgbClr r="0" g="0" b="0"/>
+      </a:effectRef>
+      <a:fontRef idx="minor"/>
+    </dgm:style>
+  </dgm:styleLbl>
+  <dgm:styleLbl name="conFgAcc1">
+    <dgm:scene3d>
+      <a:camera prst="orthographicFront"/>
+      <a:lightRig rig="threePt" dir="t"/>
+    </dgm:scene3d>
+    <dgm:sp3d/>
+    <dgm:txPr/>
+    <dgm:style>
+      <a:lnRef idx="2">
+        <a:scrgbClr r="0" g="0" b="0"/>
+      </a:lnRef>
+      <a:fillRef idx="1">
+        <a:scrgbClr r="0" g="0" b="0"/>
+      </a:fillRef>
+      <a:effectRef idx="0">
+        <a:scrgbClr r="0" g="0" b="0"/>
+      </a:effectRef>
+      <a:fontRef idx="minor"/>
+    </dgm:style>
+  </dgm:styleLbl>
+  <dgm:styleLbl name="alignAcc1">
+    <dgm:scene3d>
+      <a:camera prst="orthographicFront"/>
+      <a:lightRig rig="threePt" dir="t"/>
+    </dgm:scene3d>
+    <dgm:sp3d/>
+    <dgm:txPr/>
+    <dgm:style>
+      <a:lnRef idx="2">
+        <a:scrgbClr r="0" g="0" b="0"/>
+      </a:lnRef>
+      <a:fillRef idx="1">
+        <a:scrgbClr r="0" g="0" b="0"/>
+      </a:fillRef>
+      <a:effectRef idx="0">
+        <a:scrgbClr r="0" g="0" b="0"/>
+      </a:effectRef>
+      <a:fontRef idx="minor"/>
+    </dgm:style>
+  </dgm:styleLbl>
+  <dgm:styleLbl name="trAlignAcc1">
+    <dgm:scene3d>
+      <a:camera prst="orthographicFront"/>
+      <a:lightRig rig="threePt" dir="t"/>
+    </dgm:scene3d>
+    <dgm:sp3d/>
+    <dgm:txPr/>
+    <dgm:style>
+      <a:lnRef idx="1">
+        <a:scrgbClr r="0" g="0" b="0"/>
+      </a:lnRef>
+      <a:fillRef idx="1">
+        <a:scrgbClr r="0" g="0" b="0"/>
+      </a:fillRef>
+      <a:effectRef idx="0">
+        <a:scrgbClr r="0" g="0" b="0"/>
+      </a:effectRef>
+      <a:fontRef idx="minor"/>
+    </dgm:style>
+  </dgm:styleLbl>
+  <dgm:styleLbl name="bgAcc1">
+    <dgm:scene3d>
+      <a:camera prst="orthographicFront"/>
+      <a:lightRig rig="threePt" dir="t"/>
+    </dgm:scene3d>
+    <dgm:sp3d/>
+    <dgm:txPr/>
+    <dgm:style>
+      <a:lnRef idx="2">
+        <a:scrgbClr r="0" g="0" b="0"/>
+      </a:lnRef>
+      <a:fillRef idx="1">
+        <a:scrgbClr r="0" g="0" b="0"/>
+      </a:fillRef>
+      <a:effectRef idx="0">
+        <a:scrgbClr r="0" g="0" b="0"/>
+      </a:effectRef>
+      <a:fontRef idx="minor"/>
+    </dgm:style>
+  </dgm:styleLbl>
+  <dgm:styleLbl name="solidFgAcc1">
+    <dgm:scene3d>
+      <a:camera prst="orthographicFront"/>
+      <a:lightRig rig="threePt" dir="t"/>
+    </dgm:scene3d>
+    <dgm:sp3d/>
+    <dgm:txPr/>
+    <dgm:style>
+      <a:lnRef idx="2">
+        <a:scrgbClr r="0" g="0" b="0"/>
+      </a:lnRef>
+      <a:fillRef idx="1">
+        <a:scrgbClr r="0" g="0" b="0"/>
+      </a:fillRef>
+      <a:effectRef idx="0">
+        <a:scrgbClr r="0" g="0" b="0"/>
+      </a:effectRef>
+      <a:fontRef idx="minor"/>
+    </dgm:style>
+  </dgm:styleLbl>
+  <dgm:styleLbl name="solidAlignAcc1">
+    <dgm:scene3d>
+      <a:camera prst="orthographicFront"/>
+      <a:lightRig rig="threePt" dir="t"/>
+    </dgm:scene3d>
+    <dgm:sp3d/>
+    <dgm:txPr/>
+    <dgm:style>
+      <a:lnRef idx="2">
+        <a:scrgbClr r="0" g="0" b="0"/>
+      </a:lnRef>
+      <a:fillRef idx="1">
+        <a:scrgbClr r="0" g="0" b="0"/>
+      </a:fillRef>
+      <a:effectRef idx="0">
+        <a:scrgbClr r="0" g="0" b="0"/>
+      </a:effectRef>
+      <a:fontRef idx="minor"/>
+    </dgm:style>
+  </dgm:styleLbl>
+  <dgm:styleLbl name="solidBgAcc1">
+    <dgm:scene3d>
+      <a:camera prst="orthographicFront"/>
+      <a:lightRig rig="threePt" dir="t"/>
+    </dgm:scene3d>
+    <dgm:sp3d/>
+    <dgm:txPr/>
+    <dgm:style>
+      <a:lnRef idx="2">
+        <a:scrgbClr r="0" g="0" b="0"/>
+      </a:lnRef>
+      <a:fillRef idx="1">
+        <a:scrgbClr r="0" g="0" b="0"/>
+      </a:fillRef>
+      <a:effectRef idx="0">
+        <a:scrgbClr r="0" g="0" b="0"/>
+      </a:effectRef>
+      <a:fontRef idx="minor"/>
+    </dgm:style>
+  </dgm:styleLbl>
+  <dgm:styleLbl name="fgAccFollowNode1">
+    <dgm:scene3d>
+      <a:camera prst="orthographicFront"/>
+      <a:lightRig rig="threePt" dir="t"/>
+    </dgm:scene3d>
+    <dgm:sp3d/>
+    <dgm:txPr/>
+    <dgm:style>
+      <a:lnRef idx="2">
+        <a:scrgbClr r="0" g="0" b="0"/>
+      </a:lnRef>
+      <a:fillRef idx="1">
+        <a:scrgbClr r="0" g="0" b="0"/>
+      </a:fillRef>
+      <a:effectRef idx="0">
+        <a:scrgbClr r="0" g="0" b="0"/>
+      </a:effectRef>
+      <a:fontRef idx="minor"/>
+    </dgm:style>
+  </dgm:styleLbl>
+  <dgm:styleLbl name="alignAccFollowNode1">
+    <dgm:scene3d>
+      <a:camera prst="orthographicFront"/>
+      <a:lightRig rig="threePt" dir="t"/>
+    </dgm:scene3d>
+    <dgm:sp3d/>
+    <dgm:txPr/>
+    <dgm:style>
+      <a:lnRef idx="2">
+        <a:scrgbClr r="0" g="0" b="0"/>
+      </a:lnRef>
+      <a:fillRef idx="1">
+        <a:scrgbClr r="0" g="0" b="0"/>
+      </a:fillRef>
+      <a:effectRef idx="0">
+        <a:scrgbClr r="0" g="0" b="0"/>
+      </a:effectRef>
+      <a:fontRef idx="minor"/>
+    </dgm:style>
+  </dgm:styleLbl>
+  <dgm:styleLbl name="bgAccFollowNode1">
+    <dgm:scene3d>
+      <a:camera prst="orthographicFront"/>
+      <a:lightRig rig="threePt" dir="t"/>
+    </dgm:scene3d>
+    <dgm:sp3d/>
+    <dgm:txPr/>
+    <dgm:style>
+      <a:lnRef idx="2">
+        <a:scrgbClr r="0" g="0" b="0"/>
+      </a:lnRef>
+      <a:fillRef idx="1">
+        <a:scrgbClr r="0" g="0" b="0"/>
+      </a:fillRef>
+      <a:effectRef idx="0">
+        <a:scrgbClr r="0" g="0" b="0"/>
+      </a:effectRef>
+      <a:fontRef idx="minor"/>
+    </dgm:style>
+  </dgm:styleLbl>
+  <dgm:styleLbl name="fgAcc0">
+    <dgm:scene3d>
+      <a:camera prst="orthographicFront"/>
+      <a:lightRig rig="threePt" dir="t"/>
+    </dgm:scene3d>
+    <dgm:sp3d/>
+    <dgm:txPr/>
+    <dgm:style>
+      <a:lnRef idx="2">
+        <a:scrgbClr r="0" g="0" b="0"/>
+      </a:lnRef>
+      <a:fillRef idx="1">
+        <a:scrgbClr r="0" g="0" b="0"/>
+      </a:fillRef>
+      <a:effectRef idx="0">
+        <a:scrgbClr r="0" g="0" b="0"/>
+      </a:effectRef>
+      <a:fontRef idx="minor"/>
+    </dgm:style>
+  </dgm:styleLbl>
+  <dgm:styleLbl name="fgAcc2">
+    <dgm:scene3d>
+      <a:camera prst="orthographicFront"/>
+      <a:lightRig rig="threePt" dir="t"/>
+    </dgm:scene3d>
+    <dgm:sp3d/>
+    <dgm:txPr/>
+    <dgm:style>
+      <a:lnRef idx="2">
+        <a:scrgbClr r="0" g="0" b="0"/>
+      </a:lnRef>
+      <a:fillRef idx="1">
+        <a:scrgbClr r="0" g="0" b="0"/>
+      </a:fillRef>
+      <a:effectRef idx="0">
+        <a:scrgbClr r="0" g="0" b="0"/>
+      </a:effectRef>
+      <a:fontRef idx="minor"/>
+    </dgm:style>
+  </dgm:styleLbl>
+  <dgm:styleLbl name="fgAcc3">
+    <dgm:scene3d>
+      <a:camera prst="orthographicFront"/>
+      <a:lightRig rig="threePt" dir="t"/>
+    </dgm:scene3d>
+    <dgm:sp3d/>
+    <dgm:txPr/>
+    <dgm:style>
+      <a:lnRef idx="2">
+        <a:scrgbClr r="0" g="0" b="0"/>
+      </a:lnRef>
+      <a:fillRef idx="1">
+        <a:scrgbClr r="0" g="0" b="0"/>
+      </a:fillRef>
+      <a:effectRef idx="0">
+        <a:scrgbClr r="0" g="0" b="0"/>
+      </a:effectRef>
+      <a:fontRef idx="minor"/>
+    </dgm:style>
+  </dgm:styleLbl>
+  <dgm:styleLbl name="fgAcc4">
+    <dgm:scene3d>
+      <a:camera prst="orthographicFront"/>
+      <a:lightRig rig="threePt" dir="t"/>
+    </dgm:scene3d>
+    <dgm:sp3d/>
+    <dgm:txPr/>
+    <dgm:style>
+      <a:lnRef idx="2">
+        <a:scrgbClr r="0" g="0" b="0"/>
+      </a:lnRef>
+      <a:fillRef idx="1">
+        <a:scrgbClr r="0" g="0" b="0"/>
+      </a:fillRef>
+      <a:effectRef idx="0">
+        <a:scrgbClr r="0" g="0" b="0"/>
+      </a:effectRef>
+      <a:fontRef idx="minor"/>
+    </dgm:style>
+  </dgm:styleLbl>
+  <dgm:styleLbl name="bgShp">
+    <dgm:scene3d>
+      <a:camera prst="orthographicFront"/>
+      <a:lightRig rig="threePt" dir="t"/>
+    </dgm:scene3d>
+    <dgm:sp3d/>
+    <dgm:txPr/>
+    <dgm:style>
+      <a:lnRef idx="0">
+        <a:scrgbClr r="0" g="0" b="0"/>
+      </a:lnRef>
+      <a:fillRef idx="1">
+        <a:scrgbClr r="0" g="0" b="0"/>
+      </a:fillRef>
+      <a:effectRef idx="0">
+        <a:scrgbClr r="0" g="0" b="0"/>
+      </a:effectRef>
+      <a:fontRef idx="minor"/>
+    </dgm:style>
+  </dgm:styleLbl>
+  <dgm:styleLbl name="dkBgShp">
+    <dgm:scene3d>
+      <a:camera prst="orthographicFront"/>
+      <a:lightRig rig="threePt" dir="t"/>
+    </dgm:scene3d>
+    <dgm:sp3d/>
+    <dgm:txPr/>
+    <dgm:style>
+      <a:lnRef idx="0">
+        <a:scrgbClr r="0" g="0" b="0"/>
+      </a:lnRef>
+      <a:fillRef idx="1">
+        <a:scrgbClr r="0" g="0" b="0"/>
+      </a:fillRef>
+      <a:effectRef idx="0">
+        <a:scrgbClr r="0" g="0" b="0"/>
+      </a:effectRef>
+      <a:fontRef idx="minor"/>
+    </dgm:style>
+  </dgm:styleLbl>
+  <dgm:styleLbl name="trBgShp">
+    <dgm:scene3d>
+      <a:camera prst="orthographicFront"/>
+      <a:lightRig rig="threePt" dir="t"/>
+    </dgm:scene3d>
+    <dgm:sp3d/>
+    <dgm:txPr/>
+    <dgm:style>
+      <a:lnRef idx="0">
+        <a:scrgbClr r="0" g="0" b="0"/>
+      </a:lnRef>
+      <a:fillRef idx="1">
+        <a:scrgbClr r="0" g="0" b="0"/>
+      </a:fillRef>
+      <a:effectRef idx="0">
+        <a:scrgbClr r="0" g="0" b="0"/>
+      </a:effectRef>
+      <a:fontRef idx="minor"/>
+    </dgm:style>
+  </dgm:styleLbl>
+  <dgm:styleLbl name="fgShp">
+    <dgm:scene3d>
+      <a:camera prst="orthographicFront"/>
+      <a:lightRig rig="threePt" dir="t"/>
+    </dgm:scene3d>
+    <dgm:sp3d/>
+    <dgm:txPr/>
+    <dgm:style>
+      <a:lnRef idx="2">
+        <a:scrgbClr r="0" g="0" b="0"/>
+      </a:lnRef>
+      <a:fillRef idx="1">
+        <a:scrgbClr r="0" g="0" b="0"/>
+      </a:fillRef>
+      <a:effectRef idx="0">
+        <a:scrgbClr r="0" g="0" b="0"/>
+      </a:effectRef>
+      <a:fontRef idx="minor"/>
+    </dgm:style>
+  </dgm:styleLbl>
+  <dgm:styleLbl name="revTx">
+    <dgm:scene3d>
+      <a:camera prst="orthographicFront"/>
+      <a:lightRig rig="threePt" dir="t"/>
+    </dgm:scene3d>
+    <dgm:sp3d/>
+    <dgm:txPr/>
+    <dgm:style>
+      <a:lnRef idx="0">
+        <a:scrgbClr r="0" g="0" b="0"/>
+      </a:lnRef>
+      <a:fillRef idx="0">
+        <a:scrgbClr r="0" g="0" b="0"/>
+      </a:fillRef>
+      <a:effectRef idx="0">
+        <a:scrgbClr r="0" g="0" b="0"/>
+      </a:effectRef>
+      <a:fontRef idx="minor"/>
+    </dgm:style>
+  </dgm:styleLbl>
+</dgm:styleDef>
+</file>
+
 <file path=ppt/ink/ink1.xml><?xml version="1.0" encoding="utf-8"?>
+<inkml:ink xmlns:inkml="http://www.w3.org/2003/InkML">
+  <inkml:definitions>
+    <inkml:context xml:id="ctx0">
+      <inkml:inkSource xml:id="inkSrc0">
+        <inkml:traceFormat>
+          <inkml:channel name="X" type="integer" min="-2.14748E9" max="2.14748E9" units="cm"/>
+          <inkml:channel name="Y" type="integer" min="-2.14748E9" max="2.14748E9" units="cm"/>
+          <inkml:channel name="F" type="integer" max="32767" units="dev"/>
+        </inkml:traceFormat>
+        <inkml:channelProperties>
+          <inkml:channelProperty channel="X" name="resolution" value="1000" units="1/cm"/>
+          <inkml:channelProperty channel="Y" name="resolution" value="1000" units="1/cm"/>
+          <inkml:channelProperty channel="F" name="resolution" value="0" units="1/dev"/>
+        </inkml:channelProperties>
+      </inkml:inkSource>
+      <inkml:timestamp xml:id="ts0" timeString="2023-04-05T15:59:42.180"/>
+    </inkml:context>
+    <inkml:brush xml:id="br0">
+      <inkml:brushProperty name="width" value="0.05" units="cm"/>
+      <inkml:brushProperty name="height" value="0.05" units="cm"/>
+      <inkml:brushProperty name="color" value="#8FAADC"/>
+    </inkml:brush>
+  </inkml:definitions>
+  <inkml:trace contextRef="#ctx0" brushRef="#br0">1477 3 24575,'-200'-3'0,"-213"6"0,392-1 0,1 1 0,-1 1 0,0 1 0,1 1 0,0 0 0,0 1 0,1 2 0,0 0 0,0 1 0,-22 15 0,17-7 0,1 0 0,1 1 0,0 1 0,2 1 0,0 1 0,-31 46 0,31-32 0,1 2 0,2 0 0,2 1 0,-19 76 0,11-40 0,14-46 0,-8 20 0,2 1 0,2 1 0,2 0 0,2 0 0,-2 76 0,30 131 0,-11-131 0,2 21 0,-3-96 0,-3 0 0,-3 0 0,-5 67 0,4-117 0,0-1 0,1 0 0,-1 0 0,0 1 0,-1-1 0,1 0 0,0 0 0,0 1 0,0-1 0,-1 0 0,1 0 0,-1 1 0,1-1 0,-1 0 0,1 0 0,-1 0 0,0 0 0,0 0 0,1 0 0,-1 0 0,0 0 0,0 0 0,0 0 0,0-1 0,0 1 0,0 0 0,0 0 0,-2 0 0,1-1 0,0 0 0,0-1 0,0 1 0,0-1 0,0 1 0,0-1 0,1 1 0,-1-1 0,0 0 0,0 0 0,1 0 0,-1 0 0,0 0 0,1-1 0,-1 1 0,0-2 0,-10-8 0,1-1 0,1 0 0,-12-18 0,-7-18 0,-29-40 0,53 82 0,-1-1 0,1 1 0,-1 0 0,0 0 0,-1 1 0,0 0 0,0 0 0,0 0 0,-13-5 0,20 10 0,0-1 0,0 1 0,0 0 0,0 0 0,0 0 0,0 0 0,-1 0 0,1 0 0,0 0 0,0-1 0,0 1 0,0 0 0,0 0 0,-1 0 0,1 0 0,0 0 0,0 0 0,0 0 0,0 0 0,-1 0 0,1 0 0,0 0 0,0 0 0,0 0 0,0 0 0,-1 0 0,1 0 0,0 0 0,0 0 0,0 0 0,0 0 0,-1 0 0,1 0 0,0 0 0,0 1 0,0-1 0,0 0 0,0 0 0,-1 0 0,1 0 0,0 0 0,0 0 0,0 0 0,0 1 0,0-1 0,0 0 0,0 0 0,0 0 0,-1 0 0,1 1 0,0-1 0,0 0 0,0 0 0,0 0 0,0 0 0,0 0 0,0 1 0,0-1 0,0 0 0,0 0 0,0 0 0,0 1 0,0-1 0,0 0 0,0 0 0,0 0 0,0 0 0,1 0 0,-1 1 0,10 19 0,25 28 0,-31-42 0,133 161 0,-129-157 0,2 3 0,0 0 0,0-1 0,1 0 0,22 19 0,-32-31 0,1 1 0,0 0 0,-1-1 0,1 1 0,-1-1 0,1 1 0,0-1 0,-1 0 0,1 0 0,0 0 0,0 0 0,-1 0 0,1 0 0,0 0 0,-1 0 0,1-1 0,0 1 0,-1-1 0,1 1 0,-1-1 0,1 0 0,-1 1 0,1-1 0,-1 0 0,1 0 0,-1 0 0,0 0 0,1 0 0,-1-1 0,0 1 0,0 0 0,0-1 0,0 1 0,2-3 0,5-8 0,0-1 0,0 0 0,6-15 0,-5 11 0,4-10 0,2 1 0,1 1 0,1 0 0,1 1 0,40-40 0,-46 51-1365,-1 0-5461</inkml:trace>
+</inkml:ink>
+</file>
+
+<file path=ppt/ink/ink2.xml><?xml version="1.0" encoding="utf-8"?>
+<inkml:ink xmlns:inkml="http://www.w3.org/2003/InkML">
+  <inkml:definitions>
+    <inkml:context xml:id="ctx0">
+      <inkml:inkSource xml:id="inkSrc0">
+        <inkml:traceFormat>
+          <inkml:channel name="X" type="integer" min="-2.14748E9" max="2.14748E9" units="cm"/>
+          <inkml:channel name="Y" type="integer" min="-2.14748E9" max="2.14748E9" units="cm"/>
+          <inkml:channel name="F" type="integer" max="32767" units="dev"/>
+        </inkml:traceFormat>
+        <inkml:channelProperties>
+          <inkml:channelProperty channel="X" name="resolution" value="1000" units="1/cm"/>
+          <inkml:channelProperty channel="Y" name="resolution" value="1000" units="1/cm"/>
+          <inkml:channelProperty channel="F" name="resolution" value="0" units="1/dev"/>
+        </inkml:channelProperties>
+      </inkml:inkSource>
+      <inkml:timestamp xml:id="ts0" timeString="2023-04-05T15:59:45.878"/>
+    </inkml:context>
+    <inkml:brush xml:id="br0">
+      <inkml:brushProperty name="width" value="0.05" units="cm"/>
+      <inkml:brushProperty name="height" value="0.05" units="cm"/>
+      <inkml:brushProperty name="color" value="#8FAADC"/>
+    </inkml:brush>
+  </inkml:definitions>
+  <inkml:trace contextRef="#ctx0" brushRef="#br0">2361 1 24575,'-3'49'0,"-13"73"0,10-85 0,-18 127 0,-29 174 0,-64 154 0,111-475 0,0 0 0,-1-1 0,-1 0 0,0 0 0,-1-1 0,-1 0 0,0-1 0,-1 0 0,-1 0 0,-24 21 0,17-19 0,0-1 0,-2-1 0,0-1 0,0-1 0,-1-1 0,0 0 0,-29 8 0,15-9 0,0-1 0,-1-2 0,0-2 0,-51 2 0,32-1 0,-83 20 0,92-15 0,0-2 0,-84 5 0,103-14 0,-7-1 0,1 2 0,-1 2 0,1 1 0,-38 9 0,14 3 0,17-3 0,0-2 0,-1-2 0,0-1 0,-1-3 0,-44 1 0,-40-5 0,-80-4 0,206 3 0,0 0 0,0 0 0,0 0 0,0 0 0,-1 0 0,1 0 0,0 0 0,0-1 0,0 1 0,0 0 0,0-1 0,0 1 0,0 0 0,0-1 0,0 0 0,0 1 0,0-1 0,0 1 0,0-1 0,0 0 0,1 0 0,-1 0 0,0 1 0,0-1 0,1 0 0,-2-2 0,2 2 0,0-1 0,0 0 0,1 1 0,-1 0 0,0-1 0,1 1 0,-1-1 0,1 1 0,-1-1 0,1 1 0,-1 0 0,1-1 0,0 1 0,0 0 0,0 0 0,2-3 0,7-7 0,1 1 0,23-18 0,-31 25 0,171-135 0,-132 101 0,-32 26 0,-32 22 0,-72 53 0,35-23 0,-82 44 0,120-72 0,-1 2 0,2 0 0,0 1 0,1 1 0,1 1 0,-21 26 0,8-11 0,31-32 0,-1-1 0,1 0 0,-1 1 0,1-1 0,0 0 0,0 1 0,-1-1 0,1 1 0,0-1 0,0 0 0,-1 1 0,1-1 0,0 1 0,0-1 0,0 1 0,0-1 0,-1 1 0,1-1 0,0 1 0,0-1 0,0 1 0,0-1 0,0 1 0,0-1 0,0 1 0,1-1 0,-1 0 0,0 1 0,0-1 0,0 1 0,0-1 0,1 1 0,-1-1 0,0 1 0,0-1 0,1 0 0,-1 1 0,0-1 0,1 0 0,0 1 0,25 11 0,32-2 0,67-10 0,17 1 0,-122 2-1365,-6 2-5461</inkml:trace>
+</inkml:ink>
+</file>
+
+<file path=ppt/ink/ink3.xml><?xml version="1.0" encoding="utf-8"?>
+<inkml:ink xmlns:inkml="http://www.w3.org/2003/InkML">
+  <inkml:definitions>
+    <inkml:context xml:id="ctx0">
+      <inkml:inkSource xml:id="inkSrc0">
+        <inkml:traceFormat>
+          <inkml:channel name="X" type="integer" min="-2.14748E9" max="2.14748E9" units="cm"/>
+          <inkml:channel name="Y" type="integer" min="-2.14748E9" max="2.14748E9" units="cm"/>
+          <inkml:channel name="F" type="integer" max="32767" units="dev"/>
+        </inkml:traceFormat>
+        <inkml:channelProperties>
+          <inkml:channelProperty channel="X" name="resolution" value="1000" units="1/cm"/>
+          <inkml:channelProperty channel="Y" name="resolution" value="1000" units="1/cm"/>
+          <inkml:channelProperty channel="F" name="resolution" value="0" units="1/dev"/>
+        </inkml:channelProperties>
+      </inkml:inkSource>
+      <inkml:timestamp xml:id="ts0" timeString="2023-04-05T16:00:42.156"/>
+    </inkml:context>
+    <inkml:brush xml:id="br0">
+      <inkml:brushProperty name="width" value="0.05" units="cm"/>
+      <inkml:brushProperty name="height" value="0.05" units="cm"/>
+      <inkml:brushProperty name="color" value="#E71224"/>
+    </inkml:brush>
+  </inkml:definitions>
+  <inkml:trace contextRef="#ctx0" brushRef="#br0">15217 425 24575,'-166'17'0,"9"-14"0,-199-21 0,-151-45 0,473 59 0,-190-35 0,-45-4 0,114 31 0,-195 12 0,142 3 0,-127-2 0,-349-3 0,214-44 0,422 39 0,-111-6 0,-259 9 0,201 8 0,-53 8 0,-6 0 0,-260 33 0,363-23 0,-215 1 0,66-35 0,-66-1 0,28-4 0,334 16 0,1 2 0,0 1 0,0 0 0,0 2 0,0 1 0,-39 14 0,-14 1 0,-118 19 0,-1-9 0,-2-9 0,0-8 0,-236-15 0,324-9 0,-167-37 0,78 9 0,-59 0 0,-363-72 0,573 99 0,-470-110 0,428 105 0,0 4 0,-175-2 0,261 15 0,-151 1 0,1 6 0,-176 31 0,255-20 0,-107 41 0,-19 6 0,83-34 0,-151 34 0,137-35 0,85-17 0,0-2 0,-1-2 0,-82 4 0,-68-2 0,-11 0 0,-952-12 0,1154 2 0,0 0 0,0 0 0,0 1 0,0 0 0,1 0 0,-1 1 0,1 0 0,0 0 0,0 1 0,0-1 0,0 2 0,0-1 0,1 1 0,0 0 0,-9 9 0,7-6 0,0 1 0,0 0 0,1 1 0,0 0 0,1 0 0,0 0 0,1 1 0,0 0 0,-7 22 0,-7 25 0,12-41 0,1 1 0,1 1 0,-5 31 0,-4 91 0,6 201 0,15-282 0,3 0 0,3-1 0,26 78 0,-33-117 0,127 383 0,-114-325 0,16 155 0,-16-85 0,-9-18 0,-9-84 0,10 51 0,-5-42 0,-2 1 0,-5 103 0,1 39 0,0-191 0,1-1 0,0 1 0,0-1 0,1 1 0,0-1 0,0 0 0,0 0 0,1 0 0,-1 0 0,2 0 0,-1 0 0,0-1 0,1 1 0,0-1 0,1 0 0,-1-1 0,1 1 0,0-1 0,9 7 0,-4-5 0,0-1 0,0 0 0,0-1 0,1 0 0,0-1 0,0 0 0,0-1 0,0 0 0,0-1 0,21 1 0,-22-2 0,1 0 0,-1 1 0,0 1 0,0 0 0,0 0 0,0 1 0,0 0 0,-1 1 0,14 6 0,-7 0 0,-1 1 0,0 0 0,0 1 0,15 17 0,13 13 0,-32-28 0,1-2 0,0 0 0,1 0 0,0-1 0,1-1 0,0 0 0,0 0 0,1-2 0,1 0 0,23 9 0,-1-9 0,0-1 0,1-1 0,0-3 0,57-1 0,34 3 0,441 9 0,-400-15 0,29-11 0,-4 1 0,-138 9 0,0 3 0,-1 2 0,1 3 0,92 22 0,-78-11 0,121 13 0,25 4 0,-180-27 0,1-2 0,-1-2 0,49-2 0,-42-1 0,80 10 0,-67-3 0,0-4 0,1-1 0,105-13 0,-65 4 0,-35 3 0,184-18 0,-150 11 0,187 5 0,-19 2 0,-232-1 0,-1-2 0,0 0 0,53-21 0,-28 8 0,-20 9 0,0 1 0,0 2 0,1 1 0,1 2 0,73 1 0,-68 3 0,-30 0 0,0 0 0,0 2 0,0 0 0,28 5 0,-32-2 0,-11-2 0,-16 0 0,9-2 0,13 1 0,210 43 0,64 9 0,248 28 0,-423-72 0,156-6 0,-164-6 0,0 5 0,97 14 0,261 35 0,-215-29 0,65 1 0,522-25 0,-550-21 0,-11 1 0,-182 21 0,295 3 0,-231 18 0,-117-13 0,1-2 0,-1-1 0,1-2 0,-1-1 0,43-4 0,-18-5 0,2 3 0,-1 2 0,71 5 0,-121-1 0,-1 1 0,1-1 0,-1 2 0,1-1 0,-1 1 0,0 0 0,7 4 0,22 10 0,-5-8 0,0-2 0,1-1 0,0-1 0,-1-1 0,1-2 0,53-3 0,-24-4 0,1-2 0,87-23 0,-59 8 0,145-34 0,-182 47 0,0 2 0,86 0 0,-83 10 0,0 2 0,75 16 0,106 39 0,-155-38 0,-13-2 0,2-4 0,0-2 0,0-3 0,87 1 0,8-11 0,239-4 0,-360-2 0,1-1 0,58-17 0,-60 13 0,-1 1 0,75-6 0,-58 12 0,0-3 0,0-2 0,0-3 0,70-23 0,-90 21 0,0 2 0,1 2 0,72-9 0,-39 13 0,186-9 0,-184 16 0,99-4 0,-171 2 0,0-1 0,0 1 0,0-1 0,0 0 0,0 0 0,0 0 0,0-1 0,0 1 0,0-1 0,-1 0 0,1 1 0,0-1 0,-1 0 0,0 0 0,1-1 0,-1 1 0,0 0 0,0-1 0,-1 1 0,1-1 0,0 0 0,-1 0 0,1 0 0,-1 0 0,0 1 0,0-1 0,0-1 0,0-4 0,2-10 0,-1 0 0,0 0 0,-2 0 0,-1-18 0,0 10 0,-2-1149 0,15 1003 0,-1 65 0,47-500 0,-48 472 0,-9-173 0,-4 131 0,3-289 0,1 462 0,-1 1 0,0-1 0,0 1 0,0-1 0,-1 0 0,1 1 0,-1-1 0,0 1 0,0-1 0,0 1 0,-1 0 0,1-1 0,-1 1 0,1 0 0,-1 0 0,0 0 0,-1 0 0,1 0 0,0 0 0,-6-4 0,3 4 0,0 1 0,-1 0 0,1-1 0,-1 2 0,0-1 0,0 1 0,1 0 0,-1 0 0,0 0 0,0 1 0,0 0 0,-6 0 0,-57 0 0,-88 4 0,136 1 120,20-5-152,1 1-1,0-1 1,-1 0 0,1 0 0,0 1-1,-1-1 1,1 0 0,0 0-1,-1 1 1,1-1 0,0 0 0,0 1-1,0-1 1,-1 0 0,1 1-1,0-1 1,0 1 0,0-1 0,0 0-1,-1 1 1,1-1 0,0 1-1,0-1 1,0 0 0,0 1 0,0-1-1,0 1 1,0-1 0,0 0 0,0 1-1,1-1 1,-1 1 0,0-1-1,0 0 1,0 1 0,0-1 0,0 0-1,1 1 1,-1-1 0,0 1-1,0-1 1,1 0 0,-1 0 0,0 1-1,1-1 1,5 8-6794</inkml:trace>
+</inkml:ink>
+</file>
+
+<file path=ppt/ink/ink4.xml><?xml version="1.0" encoding="utf-8"?>
+<inkml:ink xmlns:inkml="http://www.w3.org/2003/InkML">
+  <inkml:definitions>
+    <inkml:context xml:id="ctx0">
+      <inkml:inkSource xml:id="inkSrc0">
+        <inkml:traceFormat>
+          <inkml:channel name="X" type="integer" min="-2.14748E9" max="2.14748E9" units="cm"/>
+          <inkml:channel name="Y" type="integer" min="-2.14748E9" max="2.14748E9" units="cm"/>
+          <inkml:channel name="F" type="integer" max="32767" units="dev"/>
+        </inkml:traceFormat>
+        <inkml:channelProperties>
+          <inkml:channelProperty channel="X" name="resolution" value="1000" units="1/cm"/>
+          <inkml:channelProperty channel="Y" name="resolution" value="1000" units="1/cm"/>
+          <inkml:channelProperty channel="F" name="resolution" value="0" units="1/dev"/>
+        </inkml:channelProperties>
+      </inkml:inkSource>
+      <inkml:timestamp xml:id="ts0" timeString="2023-04-05T16:00:48.986"/>
+    </inkml:context>
+    <inkml:brush xml:id="br0">
+      <inkml:brushProperty name="width" value="0.05" units="cm"/>
+      <inkml:brushProperty name="height" value="0.05" units="cm"/>
+      <inkml:brushProperty name="color" value="#E71224"/>
+    </inkml:brush>
+  </inkml:definitions>
+  <inkml:trace contextRef="#ctx0" brushRef="#br0">1516 0 24575,'-39'757'0,"17"-601"0,-6-2 0,-88 276 0,-133 198 0,-39-13 0,61-103 0,191-417 0,12-31 0,-39 76 0,-95 169 0,146-288 0,-1 0 0,-1-1 0,-1-1 0,0 0 0,-1-1 0,-1-1 0,-23 18 0,39-34 0,0 0 0,0 0 0,0 0 0,-1 0 0,1 0 0,0 0 0,-1-1 0,1 1 0,0 0 0,-1-1 0,1 1 0,-1-1 0,1 0 0,-1 1 0,1-1 0,-1 0 0,1 0 0,-1 0 0,0 0 0,1 0 0,-1 0 0,1 0 0,-1-1 0,1 1 0,-1 0 0,-1-2 0,1 0 0,0 1 0,1-1 0,-1 0 0,1 0 0,0 0 0,0 0 0,0 0 0,0 0 0,0 0 0,0 0 0,0 0 0,1 0 0,-1 0 0,1-1 0,-1-3 0,0-12 0,0 0 0,1-1 0,4-23 0,-4 41 0,14-87 0,4 1 0,42-121 0,-53 185 0,-4 14 0,0 1 0,-1-1 0,0 0 0,-1 0 0,0 0 0,0 0 0,-1-13 0,-3 21 0,-2 10 0,-5 11 0,-21 85 0,16-52 0,-31 73 0,33-97 0,1 1 0,2 1 0,0 0 0,2 1 0,2-1 0,1 1 0,1 1 0,1-1 0,5 61 0,-2-90 0,0-1 0,0 0 0,1 1 0,-1-1 0,1 0 0,0 0 0,-1 0 0,1 0 0,0 0 0,0 0 0,0 0 0,1 0 0,-1 0 0,1 0 0,-1 0 0,1-1 0,-1 1 0,1 0 0,0-1 0,0 0 0,-1 1 0,1-1 0,0 0 0,0 0 0,1 0 0,-1 0 0,0 0 0,0-1 0,0 1 0,1-1 0,-1 1 0,0-1 0,0 0 0,1 0 0,-1 0 0,0 0 0,1 0 0,-1-1 0,3 0 0,11-1 0,0-2 0,1 0 0,-2-1 0,21-9 0,-21 8 0,83-27 0,-63 23 0,0-1 0,-1-2 0,0-2 0,-1-1 0,38-25 0,-64 36-136,-1 1-1,1 1 1,0-1-1,0 1 1,0 0-1,0 1 1,0 0-1,1 0 0,8-1 1,3 1-6690</inkml:trace>
+</inkml:ink>
+</file>
+
+<file path=ppt/ink/ink5.xml><?xml version="1.0" encoding="utf-8"?>
+<inkml:ink xmlns:inkml="http://www.w3.org/2003/InkML">
+  <inkml:definitions>
+    <inkml:context xml:id="ctx0">
+      <inkml:inkSource xml:id="inkSrc0">
+        <inkml:traceFormat>
+          <inkml:channel name="X" type="integer" min="-2.14748E9" max="2.14748E9" units="cm"/>
+          <inkml:channel name="Y" type="integer" min="-2.14748E9" max="2.14748E9" units="cm"/>
+          <inkml:channel name="F" type="integer" max="32767" units="dev"/>
+        </inkml:traceFormat>
+        <inkml:channelProperties>
+          <inkml:channelProperty channel="X" name="resolution" value="1000" units="1/cm"/>
+          <inkml:channelProperty channel="Y" name="resolution" value="1000" units="1/cm"/>
+          <inkml:channelProperty channel="F" name="resolution" value="0" units="1/dev"/>
+        </inkml:channelProperties>
+      </inkml:inkSource>
+      <inkml:timestamp xml:id="ts0" timeString="2023-04-05T16:04:49.021"/>
+    </inkml:context>
+    <inkml:brush xml:id="br0">
+      <inkml:brushProperty name="width" value="0.05" units="cm"/>
+      <inkml:brushProperty name="height" value="0.05" units="cm"/>
+      <inkml:brushProperty name="color" value="#8FAADC"/>
+    </inkml:brush>
+  </inkml:definitions>
+  <inkml:trace contextRef="#ctx0" brushRef="#br0">0 3366 24575,'1'-13'0,"0"-1"0,1 0 0,1 0 0,0 1 0,1-1 0,8-20 0,44-80 0,-20 44 0,48-128 0,-50 97 0,-28 78 0,2 0 0,0 0 0,1 0 0,13-22 0,38-47 0,3 2 0,87-95 0,-119 153 0,1 1 0,1 1 0,41-28 0,115-64 0,-113 75 0,121-96 0,89-95 0,-209 181 0,157-89 0,-14 34 0,358-128 0,-159 61 0,-350 149 0,2 3 0,96-23 0,-144 42 0,-1 0 0,-1-2 0,30-16 0,13-7 0,256-96 0,-172 73 0,-33 13 0,2 6 0,1 4 0,185-25 0,-165 47 0,202 9 0,-150 5 0,-121-2 0,190-6 0,-205 0 0,-1-1 0,98-26 0,84-40 0,126-33 0,-294 90 0,1 3 0,0 3 0,1 3 0,88 3 0,-122 3 0,1 1 0,0 2 0,0 1 0,-1 2 0,1 2 0,-2 1 0,41 16 0,124 68 0,-166-74 0,-1 1 0,-1 2 0,51 46 0,-50-38 0,2-1 0,1-2 0,0-1 0,2-2 0,40 19 0,-20-12 0,-37-19 0,43 18 0,16 7 0,-54-25 0,-1-1 0,39 12 0,-26-16 0,0-1 0,1-3 0,0-1 0,72-5 0,-16 0 0,266 4 0,-429-1 0,16 2 0,-1-3 0,0-2 0,-89-16 0,256 16 0,-97 3 0,-1-1 0,0 2 0,0 0 0,1 1 0,-1 0 0,0 2 0,-1-1 0,1 2 0,-1 0 0,1 1 0,-1 0 0,-1 1 0,16 10 0,-23-13 0,0 0 0,0-1 0,0 1 0,0-1 0,1-1 0,0 1 0,-1-1 0,1 0 0,0-1 0,0 0 0,0 0 0,0 0 0,11-1 0,-15 0 0,1-1 0,0 0 0,0 0 0,0 0 0,-1-1 0,1 1 0,0-1 0,-1 0 0,0 0 0,1 0 0,-1 0 0,0 0 0,0-1 0,0 0 0,0 1 0,-1-1 0,1 0 0,-1 0 0,0-1 0,0 1 0,0 0 0,0-1 0,0 0 0,-1 1 0,2-6 0,4-16 0,-1 1 0,-2-2 0,0 1 0,-1-35 0,3-11 0,-3 53 0,3-34 0,-6 49 0,0 1 0,1-1 0,-1 1 0,-1-1 0,1 1 0,0-1 0,-1 1 0,1-1 0,-1 1 0,0 0 0,0-1 0,0 1 0,0 0 0,0 0 0,-2-4 0,2 6 0,1-1 0,-1 1 0,1 0 0,-1-1 0,1 1 0,-1 0 0,1 0 0,-1 0 0,1-1 0,-1 1 0,1 0 0,-1 0 0,0 0 0,1 0 0,-1 0 0,1 0 0,-1 0 0,1 0 0,-1 0 0,0 0 0,1 0 0,-1 1 0,1-1 0,-1 0 0,1 0 0,-1 0 0,1 1 0,-1-1 0,1 0 0,-1 1 0,1-1 0,-1 0 0,1 1 0,0-1 0,-1 1 0,1-1 0,0 0 0,-1 1 0,1-1 0,0 1 0,-1-1 0,1 1 0,0-1 0,0 1 0,-1 0 0,-13 32 0,11-24 0,-16 34 0,3 1 0,1 0 0,2 1 0,-12 74 0,25-117 0,-1 11 0,-1 1 0,-1-1 0,0 1 0,-8 21 0,9-32 0,0 1 0,0 0 0,0-1 0,-1 1 0,1-1 0,-1 0 0,0 1 0,0-1 0,0-1 0,0 1 0,-1 0 0,1-1 0,-1 0 0,1 1 0,-1-2 0,0 1 0,0 0 0,0-1 0,-4 2 0,-45 15 0,1 2 0,-57 32 0,-26 10 0,194-108 0,33-9 0,-2-5 0,111-95 0,-117 82 0,-81 69 8,-1 1-1,1 0 1,-1-1-1,1 0 1,-1 1-1,-1-1 1,1 0-1,0 0 1,-1 0-1,0 0 1,0 0-1,0 0 1,0-1-1,-1 1 1,0-8-1,0 2-255,0 0 1,-1 0-1,0 1 1,-1-1-1,-4-16 1,0 11-6579</inkml:trace>
+</inkml:ink>
+</file>
+
+<file path=ppt/ink/ink6.xml><?xml version="1.0" encoding="utf-8"?>
 <inkml:ink xmlns:inkml="http://www.w3.org/2003/InkML">
   <inkml:definitions>
     <inkml:context xml:id="ctx0">
@@ -3145,7 +6545,7 @@
 </inkml:ink>
 </file>
 
-<file path=ppt/ink/ink2.xml><?xml version="1.0" encoding="utf-8"?>
+<file path=ppt/ink/ink7.xml><?xml version="1.0" encoding="utf-8"?>
 <inkml:ink xmlns:inkml="http://www.w3.org/2003/InkML">
   <inkml:definitions>
     <inkml:context xml:id="ctx0">
@@ -3170,146 +6570,6 @@
     </inkml:brush>
   </inkml:definitions>
   <inkml:trace contextRef="#ctx0" brushRef="#br0">1 0 24575,'0'0'-8191</inkml:trace>
-</inkml:ink>
-</file>
-
-<file path=ppt/ink/ink3.xml><?xml version="1.0" encoding="utf-8"?>
-<inkml:ink xmlns:inkml="http://www.w3.org/2003/InkML">
-  <inkml:definitions>
-    <inkml:context xml:id="ctx0">
-      <inkml:inkSource xml:id="inkSrc0">
-        <inkml:traceFormat>
-          <inkml:channel name="X" type="integer" min="-2.14748E9" max="2.14748E9" units="cm"/>
-          <inkml:channel name="Y" type="integer" min="-2.14748E9" max="2.14748E9" units="cm"/>
-          <inkml:channel name="F" type="integer" max="32767" units="dev"/>
-        </inkml:traceFormat>
-        <inkml:channelProperties>
-          <inkml:channelProperty channel="X" name="resolution" value="1000" units="1/cm"/>
-          <inkml:channelProperty channel="Y" name="resolution" value="1000" units="1/cm"/>
-          <inkml:channelProperty channel="F" name="resolution" value="0" units="1/dev"/>
-        </inkml:channelProperties>
-      </inkml:inkSource>
-      <inkml:timestamp xml:id="ts0" timeString="2023-04-05T15:11:42.744"/>
-    </inkml:context>
-    <inkml:brush xml:id="br0">
-      <inkml:brushProperty name="width" value="0.05" units="cm"/>
-      <inkml:brushProperty name="height" value="0.05" units="cm"/>
-      <inkml:brushProperty name="color" value="#E71224"/>
-    </inkml:brush>
-  </inkml:definitions>
-  <inkml:trace contextRef="#ctx0" brushRef="#br0">1 1 24575,'0'745'-1365,"0"-720"-5461</inkml:trace>
-</inkml:ink>
-</file>
-
-<file path=ppt/ink/ink4.xml><?xml version="1.0" encoding="utf-8"?>
-<inkml:ink xmlns:inkml="http://www.w3.org/2003/InkML">
-  <inkml:definitions>
-    <inkml:context xml:id="ctx0">
-      <inkml:inkSource xml:id="inkSrc0">
-        <inkml:traceFormat>
-          <inkml:channel name="X" type="integer" min="-2.14748E9" max="2.14748E9" units="cm"/>
-          <inkml:channel name="Y" type="integer" min="-2.14748E9" max="2.14748E9" units="cm"/>
-          <inkml:channel name="F" type="integer" max="32767" units="dev"/>
-        </inkml:traceFormat>
-        <inkml:channelProperties>
-          <inkml:channelProperty channel="X" name="resolution" value="1000" units="1/cm"/>
-          <inkml:channelProperty channel="Y" name="resolution" value="1000" units="1/cm"/>
-          <inkml:channelProperty channel="F" name="resolution" value="0" units="1/dev"/>
-        </inkml:channelProperties>
-      </inkml:inkSource>
-      <inkml:timestamp xml:id="ts0" timeString="2023-04-05T15:11:45.546"/>
-    </inkml:context>
-    <inkml:brush xml:id="br0">
-      <inkml:brushProperty name="width" value="0.05" units="cm"/>
-      <inkml:brushProperty name="height" value="0.05" units="cm"/>
-      <inkml:brushProperty name="color" value="#E71224"/>
-    </inkml:brush>
-  </inkml:definitions>
-  <inkml:trace contextRef="#ctx0" brushRef="#br0">1 116 24575,'4'3'0,"0"-1"0,1 1 0,-1 0 0,0 0 0,-1 0 0,1 1 0,-1-1 0,1 1 0,-1 0 0,0 0 0,0 0 0,3 8 0,5 2 0,188 197 0,-141-145 0,-41-44 0,34 32 0,9-2 0,66 63 0,-125-113 0,1 0 0,-1-1 0,0 1 0,1 0 0,-1-1 0,1 0 0,0 1 0,-1-1 0,1 0 0,0 0 0,0 0 0,0 0 0,0 0 0,0-1 0,0 1 0,0 0 0,0-1 0,0 1 0,0-1 0,0 0 0,4 0 0,-4-1 0,-1 1 0,1-1 0,0 0 0,-1 0 0,1 0 0,-1-1 0,1 1 0,-1 0 0,1 0 0,-1-1 0,0 1 0,0-1 0,0 1 0,1-1 0,-2 1 0,1-1 0,0 0 0,0 0 0,0-1 0,3-9 0,0 0 0,-1-1 0,-1 1 0,0-1 0,0-22 0,-5-538-1365,3 548-5461</inkml:trace>
-</inkml:ink>
-</file>
-
-<file path=ppt/ink/ink5.xml><?xml version="1.0" encoding="utf-8"?>
-<inkml:ink xmlns:inkml="http://www.w3.org/2003/InkML">
-  <inkml:definitions>
-    <inkml:context xml:id="ctx0">
-      <inkml:inkSource xml:id="inkSrc0">
-        <inkml:traceFormat>
-          <inkml:channel name="X" type="integer" min="-2.14748E9" max="2.14748E9" units="cm"/>
-          <inkml:channel name="Y" type="integer" min="-2.14748E9" max="2.14748E9" units="cm"/>
-          <inkml:channel name="F" type="integer" max="32767" units="dev"/>
-        </inkml:traceFormat>
-        <inkml:channelProperties>
-          <inkml:channelProperty channel="X" name="resolution" value="1000" units="1/cm"/>
-          <inkml:channelProperty channel="Y" name="resolution" value="1000" units="1/cm"/>
-          <inkml:channelProperty channel="F" name="resolution" value="0" units="1/dev"/>
-        </inkml:channelProperties>
-      </inkml:inkSource>
-      <inkml:timestamp xml:id="ts0" timeString="2023-04-05T15:11:49.297"/>
-    </inkml:context>
-    <inkml:brush xml:id="br0">
-      <inkml:brushProperty name="width" value="0.05" units="cm"/>
-      <inkml:brushProperty name="height" value="0.05" units="cm"/>
-      <inkml:brushProperty name="color" value="#E71224"/>
-    </inkml:brush>
-  </inkml:definitions>
-  <inkml:trace contextRef="#ctx0" brushRef="#br0">777 63 24575,'-42'-3'0,"-1"-1"0,2-2 0,-45-12 0,44 8 0,0 2 0,-84-5 0,91 13 0,-105 3 0,133-1 0,0 0 0,1 0 0,-1 0 0,1 1 0,-1 0 0,1 0 0,0 1 0,0 0 0,1 0 0,-11 9 0,-48 52 0,60-61 0,0 1 0,1 0 0,-1-1 0,1 1 0,0 1 0,1-1 0,-1 0 0,1 1 0,0-1 0,0 1 0,1 0 0,0 0 0,0-1 0,0 1 0,1 0 0,0 6 0,0-3 0,1-1 0,1 0 0,0 0 0,0 0 0,0 0 0,1-1 0,0 1 0,1-1 0,0 1 0,8 10 0,-5-8 0,0 0 0,1-1 0,0 0 0,1 0 0,0-1 0,1 0 0,-1-1 0,1 0 0,1 0 0,-1-1 0,1-1 0,0 0 0,1 0 0,-1-1 0,20 5 0,6-6 0,0-1 0,0-1 0,1-3 0,66-10 0,-20-12 0,-59 15 0,47-10 0,-65 18 0,0 0 0,0 0 0,0 1 0,0 0 0,0 0 0,0 1 0,0-1 0,0 2 0,0-1 0,0 1 0,9 3 0,-13-3 0,0 0 0,0 0 0,0 0 0,0 1 0,0-1 0,-1 1 0,1 0 0,-1-1 0,0 1 0,1 0 0,-1 0 0,-1 1 0,1-1 0,0 0 0,-1 1 0,0-1 0,1 1 0,-1-1 0,-1 1 0,1-1 0,0 8 0,1 9 0,-1 0 0,-4 37 0,2-29 0,2 31 0,0-31 0,-1 0 0,-5 39 0,4-61 0,0 1 0,0-1 0,-1 0 0,0 0 0,0 0 0,0 0 0,-1-1 0,1 1 0,-1 0 0,-1-1 0,1 0 0,-1 0 0,0 0 0,0 0 0,-10 8 0,8-9 0,-1-1 0,1 0 0,-1 0 0,0 0 0,0 0 0,0-1 0,0-1 0,0 1 0,-1-1 0,-13 1 0,-84-5 0,53-1 0,6 5-119,24-1 181,1 0 1,0-1 0,-33-6 0,46 5-163,1 0 1,0 0-1,0-1 0,1 0 0,-1 0 0,1-1 0,-1 1 1,1-2-1,0 1 0,0-1 0,1 1 0,0-1 1,-1-1-1,-4-7 0,-4-5-6726</inkml:trace>
-</inkml:ink>
-</file>
-
-<file path=ppt/ink/ink6.xml><?xml version="1.0" encoding="utf-8"?>
-<inkml:ink xmlns:inkml="http://www.w3.org/2003/InkML">
-  <inkml:definitions>
-    <inkml:context xml:id="ctx0">
-      <inkml:inkSource xml:id="inkSrc0">
-        <inkml:traceFormat>
-          <inkml:channel name="X" type="integer" min="-2.14748E9" max="2.14748E9" units="cm"/>
-          <inkml:channel name="Y" type="integer" min="-2.14748E9" max="2.14748E9" units="cm"/>
-          <inkml:channel name="F" type="integer" max="32767" units="dev"/>
-        </inkml:traceFormat>
-        <inkml:channelProperties>
-          <inkml:channelProperty channel="X" name="resolution" value="1000" units="1/cm"/>
-          <inkml:channelProperty channel="Y" name="resolution" value="1000" units="1/cm"/>
-          <inkml:channelProperty channel="F" name="resolution" value="0" units="1/dev"/>
-        </inkml:channelProperties>
-      </inkml:inkSource>
-      <inkml:timestamp xml:id="ts0" timeString="2023-04-05T15:11:55.246"/>
-    </inkml:context>
-    <inkml:brush xml:id="br0">
-      <inkml:brushProperty name="width" value="0.05" units="cm"/>
-      <inkml:brushProperty name="height" value="0.05" units="cm"/>
-      <inkml:brushProperty name="color" value="#E71224"/>
-    </inkml:brush>
-  </inkml:definitions>
-  <inkml:trace contextRef="#ctx0" brushRef="#br0">122 0 24575,'0'69'0,"-5"186"0,1-200 0,-2-1 0,-23 89 0,5-52 0,5 0 0,-15 184 0,37-853 0,-5 300 0,2 269 0,1 0 0,0 0 0,0 0 0,1 0 0,0 0 0,1 1 0,4-12 0,-6 18 0,0 1 0,-1-1 0,1 0 0,0 1 0,0-1 0,-1 1 0,1-1 0,0 1 0,1-1 0,-1 1 0,0 0 0,0 0 0,1 0 0,-1-1 0,0 1 0,1 0 0,-1 1 0,1-1 0,-1 0 0,1 0 0,0 1 0,-1-1 0,1 1 0,0-1 0,-1 1 0,1-1 0,0 1 0,0 0 0,-1 0 0,1 0 0,0 0 0,0 1 0,-1-1 0,1 0 0,0 1 0,0-1 0,-1 1 0,1-1 0,-1 1 0,1 0 0,0 0 0,-1-1 0,0 1 0,3 2 0,4 5 0,0 0 0,-1 1 0,0 0 0,0 0 0,-1 1 0,0-1 0,0 1 0,-1 1 0,-1-1 0,1 1 0,1 11 0,10 18 0,100 175 0,-88-168 0,39 90 0,2 5 0,-34-64 0,-12-22 0,-23-55 0,0-1 0,-1 0 0,1 1 0,0-1 0,0 0 0,1 1 0,-1-1 0,0 0 0,0 1 0,0-1 0,0 1 0,0-1 0,0 0 0,0 1 0,1-1 0,-1 0 0,0 0 0,0 1 0,0-1 0,1 0 0,-1 1 0,0-1 0,0 0 0,1 0 0,-1 1 0,0-1 0,1 0 0,-1 0 0,0 0 0,1 0 0,-1 1 0,0-1 0,1 0 0,-1 0 0,0 0 0,1 0 0,-1 0 0,1 0 0,-1 0 0,0 0 0,1 0 0,-1 0 0,0 0 0,1 0 0,-1 0 0,0 0 0,1 0 0,-1-1 0,0 1 0,1 0 0,0 0 0,6-26 0,-1-37 0,-6-405 89,-1 218-1543,1 225-5372</inkml:trace>
-</inkml:ink>
-</file>
-
-<file path=ppt/ink/ink7.xml><?xml version="1.0" encoding="utf-8"?>
-<inkml:ink xmlns:inkml="http://www.w3.org/2003/InkML">
-  <inkml:definitions>
-    <inkml:context xml:id="ctx0">
-      <inkml:inkSource xml:id="inkSrc0">
-        <inkml:traceFormat>
-          <inkml:channel name="X" type="integer" min="-2.14748E9" max="2.14748E9" units="cm"/>
-          <inkml:channel name="Y" type="integer" min="-2.14748E9" max="2.14748E9" units="cm"/>
-          <inkml:channel name="F" type="integer" max="32767" units="dev"/>
-        </inkml:traceFormat>
-        <inkml:channelProperties>
-          <inkml:channelProperty channel="X" name="resolution" value="1000" units="1/cm"/>
-          <inkml:channelProperty channel="Y" name="resolution" value="1000" units="1/cm"/>
-          <inkml:channelProperty channel="F" name="resolution" value="0" units="1/dev"/>
-        </inkml:channelProperties>
-      </inkml:inkSource>
-      <inkml:timestamp xml:id="ts0" timeString="2023-04-05T15:11:58.301"/>
-    </inkml:context>
-    <inkml:brush xml:id="br0">
-      <inkml:brushProperty name="width" value="0.05" units="cm"/>
-      <inkml:brushProperty name="height" value="0.05" units="cm"/>
-      <inkml:brushProperty name="color" value="#E71224"/>
-    </inkml:brush>
-  </inkml:definitions>
-  <inkml:trace contextRef="#ctx0" brushRef="#br0">1045 185 24575,'-18'-1'0,"0"0"0,-1-2 0,1 0 0,0 0 0,1-2 0,-21-7 0,-97-51 0,109 49 0,-1 0 0,0 2 0,-1 0 0,0 2 0,-1 2 0,0 0 0,-34-4 0,-21 8 0,-127 11 0,199-5 0,0 1 0,0 1 0,0 0 0,1 0 0,0 2 0,0-1 0,0 1 0,0 1 0,1 0 0,0 0 0,0 1 0,1 0 0,0 1 0,1 0 0,0 0 0,0 1 0,1 0 0,0 0 0,-6 14 0,11-19 0,0-1 0,1 1 0,0-1 0,0 1 0,0 0 0,0 0 0,1-1 0,0 1 0,0 0 0,0 0 0,0-1 0,1 1 0,0 0 0,0-1 0,0 1 0,1-1 0,-1 1 0,1-1 0,4 8 0,-2-8 0,-1 0 0,1 0 0,0-1 0,0 1 0,0-1 0,0 0 0,1 0 0,-1 0 0,1-1 0,0 0 0,0 0 0,0 0 0,0 0 0,0-1 0,0 0 0,0 0 0,9 1 0,111 2 0,-103-6 0,-1 2 0,1 0 0,-1 1 0,0 1 0,0 2 0,0 0 0,0 1 0,0 0 0,34 16 0,-33-9 0,0 1 0,-1 1 0,0 1 0,-1 0 0,34 35 0,0-4 0,-47-42 0,-1 0 0,0 1 0,0 0 0,0 0 0,-1 0 0,1 0 0,-1 1 0,0 0 0,-1 0 0,1 0 0,-1 1 0,-1-1 0,1 1 0,-1 0 0,0 0 0,3 13 0,-1 23 0,-1 1 0,-2 0 0,-3 0 0,-6 56 0,6-97 0,1 0 0,-1 0 0,1 0 0,-1 0 0,0 0 0,-1-1 0,1 1 0,0 0 0,-1 0 0,1-1 0,-1 1 0,0-1 0,0 0 0,0 1 0,0-1 0,0 0 0,-1 0 0,1 0 0,-1-1 0,1 1 0,-1 0 0,0-1 0,1 0 0,-1 1 0,0-1 0,0 0 0,0-1 0,0 1 0,0 0 0,-3-1 0,-12 2 0,0 0 0,0-2 0,0 0 0,-20-3 0,6 0 0,2 2 0,-49-8 0,68 7 0,0-1 0,1 0 0,-1 0 0,1-2 0,0 1 0,0-1 0,-17-12 0,-105-72 0,109 74-1365,1 2-5461</inkml:trace>
 </inkml:ink>
 </file>
 
@@ -6921,7 +10181,7 @@
             <p:ph idx="1"/>
             <p:extLst>
               <p:ext uri="{D42A27DB-BD31-4B8C-83A1-F6EECF244321}">
-                <p14:modId xmlns:p14="http://schemas.microsoft.com/office/powerpoint/2010/main" val="3663277051"/>
+                <p14:modId xmlns:p14="http://schemas.microsoft.com/office/powerpoint/2010/main" val="3256666783"/>
               </p:ext>
             </p:extLst>
           </p:nvPr>
@@ -7013,13 +10273,13 @@
         </p:nvSpPr>
         <p:spPr>
           <a:xfrm>
-            <a:off x="838200" y="1451429"/>
-            <a:ext cx="10515600" cy="4725534"/>
+            <a:off x="838200" y="731520"/>
+            <a:ext cx="10515600" cy="5445443"/>
           </a:xfrm>
         </p:spPr>
         <p:txBody>
           <a:bodyPr>
-            <a:normAutofit/>
+            <a:normAutofit lnSpcReduction="10000"/>
           </a:bodyPr>
           <a:lstStyle/>
           <a:p>
@@ -7098,6 +10358,21 @@
             <a:r>
               <a:rPr lang="en-US" dirty="0"/>
               <a:t>between sensor and manual data. </a:t>
+            </a:r>
+          </a:p>
+          <a:p>
+            <a:pPr marL="0" indent="0">
+              <a:buNone/>
+            </a:pPr>
+            <a:endParaRPr lang="en-US" dirty="0"/>
+          </a:p>
+          <a:p>
+            <a:pPr marL="0" indent="0">
+              <a:buNone/>
+            </a:pPr>
+            <a:r>
+              <a:rPr lang="en-US" dirty="0"/>
+              <a:t>There is also a (slightly wordy) summary on the final slide. </a:t>
             </a:r>
           </a:p>
           <a:p>
@@ -7440,115 +10715,6 @@
           <p:cNvPr id="2" name="Title 1">
             <a:extLst>
               <a:ext uri="{FF2B5EF4-FFF2-40B4-BE49-F238E27FC236}">
-                <a16:creationId xmlns:a16="http://schemas.microsoft.com/office/drawing/2014/main" id="{C8E0DF77-5EAF-01C3-86CF-02D051773730}"/>
-              </a:ext>
-            </a:extLst>
-          </p:cNvPr>
-          <p:cNvSpPr>
-            <a:spLocks noGrp="1"/>
-          </p:cNvSpPr>
-          <p:nvPr>
-            <p:ph type="title"/>
-          </p:nvPr>
-        </p:nvSpPr>
-        <p:spPr/>
-        <p:txBody>
-          <a:bodyPr/>
-          <a:lstStyle/>
-          <a:p>
-            <a:endParaRPr lang="en-US"/>
-          </a:p>
-        </p:txBody>
-      </p:sp>
-      <p:sp>
-        <p:nvSpPr>
-          <p:cNvPr id="3" name="Content Placeholder 2">
-            <a:extLst>
-              <a:ext uri="{FF2B5EF4-FFF2-40B4-BE49-F238E27FC236}">
-                <a16:creationId xmlns:a16="http://schemas.microsoft.com/office/drawing/2014/main" id="{68A26DB2-C5AA-5E82-8CFA-3F6D616A8F8D}"/>
-              </a:ext>
-            </a:extLst>
-          </p:cNvPr>
-          <p:cNvSpPr>
-            <a:spLocks noGrp="1"/>
-          </p:cNvSpPr>
-          <p:nvPr>
-            <p:ph idx="1"/>
-          </p:nvPr>
-        </p:nvSpPr>
-        <p:spPr/>
-        <p:txBody>
-          <a:bodyPr/>
-          <a:lstStyle/>
-          <a:p>
-            <a:endParaRPr lang="en-US"/>
-          </a:p>
-        </p:txBody>
-      </p:sp>
-      <p:sp>
-        <p:nvSpPr>
-          <p:cNvPr id="4" name="Slide Number Placeholder 3">
-            <a:extLst>
-              <a:ext uri="{FF2B5EF4-FFF2-40B4-BE49-F238E27FC236}">
-                <a16:creationId xmlns:a16="http://schemas.microsoft.com/office/drawing/2014/main" id="{D06FAF86-A1B8-9294-D619-B3079B7D2CFA}"/>
-              </a:ext>
-            </a:extLst>
-          </p:cNvPr>
-          <p:cNvSpPr>
-            <a:spLocks noGrp="1"/>
-          </p:cNvSpPr>
-          <p:nvPr>
-            <p:ph type="sldNum" sz="quarter" idx="12"/>
-          </p:nvPr>
-        </p:nvSpPr>
-        <p:spPr/>
-        <p:txBody>
-          <a:bodyPr/>
-          <a:lstStyle/>
-          <a:p>
-            <a:fld id="{68D2B808-0B9E-44A4-81FF-26361A8D6FA2}" type="slidenum">
-              <a:rPr lang="en-US" smtClean="0"/>
-              <a:t>4</a:t>
-            </a:fld>
-            <a:endParaRPr lang="en-US"/>
-          </a:p>
-        </p:txBody>
-      </p:sp>
-    </p:spTree>
-    <p:extLst>
-      <p:ext uri="{BB962C8B-B14F-4D97-AF65-F5344CB8AC3E}">
-        <p14:creationId xmlns:p14="http://schemas.microsoft.com/office/powerpoint/2010/main" val="2520853952"/>
-      </p:ext>
-    </p:extLst>
-  </p:cSld>
-  <p:clrMapOvr>
-    <a:masterClrMapping/>
-  </p:clrMapOvr>
-</p:sld>
-</file>
-
-<file path=ppt/slides/slide5.xml><?xml version="1.0" encoding="utf-8"?>
-<p:sld xmlns:a="http://schemas.openxmlformats.org/drawingml/2006/main" xmlns:r="http://schemas.openxmlformats.org/officeDocument/2006/relationships" xmlns:p="http://schemas.openxmlformats.org/presentationml/2006/main">
-  <p:cSld>
-    <p:spTree>
-      <p:nvGrpSpPr>
-        <p:cNvPr id="1" name=""/>
-        <p:cNvGrpSpPr/>
-        <p:nvPr/>
-      </p:nvGrpSpPr>
-      <p:grpSpPr>
-        <a:xfrm>
-          <a:off x="0" y="0"/>
-          <a:ext cx="0" cy="0"/>
-          <a:chOff x="0" y="0"/>
-          <a:chExt cx="0" cy="0"/>
-        </a:xfrm>
-      </p:grpSpPr>
-      <p:sp>
-        <p:nvSpPr>
-          <p:cNvPr id="2" name="Title 1">
-            <a:extLst>
-              <a:ext uri="{FF2B5EF4-FFF2-40B4-BE49-F238E27FC236}">
                 <a16:creationId xmlns:a16="http://schemas.microsoft.com/office/drawing/2014/main" id="{D71F62DB-FD0A-55EB-3E8A-331042F55C95}"/>
               </a:ext>
             </a:extLst>
@@ -7595,7 +10761,7 @@
           <a:p>
             <a:fld id="{68D2B808-0B9E-44A4-81FF-26361A8D6FA2}" type="slidenum">
               <a:rPr lang="en-US" smtClean="0"/>
-              <a:t>5</a:t>
+              <a:t>4</a:t>
             </a:fld>
             <a:endParaRPr lang="en-US"/>
           </a:p>
@@ -7631,6 +10797,150 @@
           </a:prstGeom>
         </p:spPr>
       </p:pic>
+      <p:sp>
+        <p:nvSpPr>
+          <p:cNvPr id="3" name="TextBox 2">
+            <a:extLst>
+              <a:ext uri="{FF2B5EF4-FFF2-40B4-BE49-F238E27FC236}">
+                <a16:creationId xmlns:a16="http://schemas.microsoft.com/office/drawing/2014/main" id="{8D24A076-33CD-E79B-C453-946DEF19D603}"/>
+              </a:ext>
+            </a:extLst>
+          </p:cNvPr>
+          <p:cNvSpPr txBox="1"/>
+          <p:nvPr/>
+        </p:nvSpPr>
+        <p:spPr>
+          <a:xfrm>
+            <a:off x="8172749" y="1690688"/>
+            <a:ext cx="4019251" cy="1200329"/>
+          </a:xfrm>
+          <a:prstGeom prst="rect">
+            <a:avLst/>
+          </a:prstGeom>
+          <a:noFill/>
+        </p:spPr>
+        <p:txBody>
+          <a:bodyPr wrap="square" rtlCol="0">
+            <a:spAutoFit/>
+          </a:bodyPr>
+          <a:lstStyle/>
+          <a:p>
+            <a:r>
+              <a:rPr lang="en-US" dirty="0">
+                <a:solidFill>
+                  <a:schemeClr val="accent1">
+                    <a:lumMod val="60000"/>
+                    <a:lumOff val="40000"/>
+                  </a:schemeClr>
+                </a:solidFill>
+              </a:rPr>
+              <a:t>All zones seem to be showing the highest correlation between LAI and snow depth during the initial accumulation phase and beginning of the melt phase. </a:t>
+            </a:r>
+          </a:p>
+        </p:txBody>
+      </p:sp>
+      <mc:AlternateContent xmlns:mc="http://schemas.openxmlformats.org/markup-compatibility/2006" xmlns:p14="http://schemas.microsoft.com/office/powerpoint/2010/main">
+        <mc:Choice Requires="p14">
+          <p:contentPart p14:bwMode="auto" r:id="rId3">
+            <p14:nvContentPartPr>
+              <p14:cNvPr id="6" name="Ink 5">
+                <a:extLst>
+                  <a:ext uri="{FF2B5EF4-FFF2-40B4-BE49-F238E27FC236}">
+                    <a16:creationId xmlns:a16="http://schemas.microsoft.com/office/drawing/2014/main" id="{AC4C8335-9519-D196-2E2B-268FB857BA8F}"/>
+                  </a:ext>
+                </a:extLst>
+              </p14:cNvPr>
+              <p14:cNvContentPartPr/>
+              <p14:nvPr/>
+            </p14:nvContentPartPr>
+            <p14:xfrm>
+              <a:off x="7505375" y="2485522"/>
+              <a:ext cx="532080" cy="694080"/>
+            </p14:xfrm>
+          </p:contentPart>
+        </mc:Choice>
+        <mc:Fallback xmlns="">
+          <p:pic>
+            <p:nvPicPr>
+              <p:cNvPr id="6" name="Ink 5">
+                <a:extLst>
+                  <a:ext uri="{FF2B5EF4-FFF2-40B4-BE49-F238E27FC236}">
+                    <a16:creationId xmlns:a16="http://schemas.microsoft.com/office/drawing/2014/main" id="{AC4C8335-9519-D196-2E2B-268FB857BA8F}"/>
+                  </a:ext>
+                </a:extLst>
+              </p:cNvPr>
+              <p:cNvPicPr/>
+              <p:nvPr/>
+            </p:nvPicPr>
+            <p:blipFill>
+              <a:blip r:embed="rId4"/>
+              <a:stretch>
+                <a:fillRect/>
+              </a:stretch>
+            </p:blipFill>
+            <p:spPr>
+              <a:xfrm>
+                <a:off x="7496375" y="2476522"/>
+                <a:ext cx="549720" cy="711720"/>
+              </a:xfrm>
+              <a:prstGeom prst="rect">
+                <a:avLst/>
+              </a:prstGeom>
+            </p:spPr>
+          </p:pic>
+        </mc:Fallback>
+      </mc:AlternateContent>
+      <mc:AlternateContent xmlns:mc="http://schemas.openxmlformats.org/markup-compatibility/2006" xmlns:p14="http://schemas.microsoft.com/office/powerpoint/2010/main">
+        <mc:Choice Requires="p14">
+          <p:contentPart p14:bwMode="auto" r:id="rId5">
+            <p14:nvContentPartPr>
+              <p14:cNvPr id="7" name="Ink 6">
+                <a:extLst>
+                  <a:ext uri="{FF2B5EF4-FFF2-40B4-BE49-F238E27FC236}">
+                    <a16:creationId xmlns:a16="http://schemas.microsoft.com/office/drawing/2014/main" id="{8BCC4F1F-3FDB-1A7A-808B-57268D98F514}"/>
+                  </a:ext>
+                </a:extLst>
+              </p14:cNvPr>
+              <p14:cNvContentPartPr/>
+              <p14:nvPr/>
+            </p14:nvContentPartPr>
+            <p14:xfrm>
+              <a:off x="10780655" y="2622682"/>
+              <a:ext cx="849960" cy="661320"/>
+            </p14:xfrm>
+          </p:contentPart>
+        </mc:Choice>
+        <mc:Fallback xmlns="">
+          <p:pic>
+            <p:nvPicPr>
+              <p:cNvPr id="7" name="Ink 6">
+                <a:extLst>
+                  <a:ext uri="{FF2B5EF4-FFF2-40B4-BE49-F238E27FC236}">
+                    <a16:creationId xmlns:a16="http://schemas.microsoft.com/office/drawing/2014/main" id="{8BCC4F1F-3FDB-1A7A-808B-57268D98F514}"/>
+                  </a:ext>
+                </a:extLst>
+              </p:cNvPr>
+              <p:cNvPicPr/>
+              <p:nvPr/>
+            </p:nvPicPr>
+            <p:blipFill>
+              <a:blip r:embed="rId6"/>
+              <a:stretch>
+                <a:fillRect/>
+              </a:stretch>
+            </p:blipFill>
+            <p:spPr>
+              <a:xfrm>
+                <a:off x="10771655" y="2614042"/>
+                <a:ext cx="867600" cy="678960"/>
+              </a:xfrm>
+              <a:prstGeom prst="rect">
+                <a:avLst/>
+              </a:prstGeom>
+            </p:spPr>
+          </p:pic>
+        </mc:Fallback>
+      </mc:AlternateContent>
     </p:spTree>
     <p:extLst>
       <p:ext uri="{BB962C8B-B14F-4D97-AF65-F5344CB8AC3E}">
@@ -7644,7 +10954,7 @@
 </p:sld>
 </file>
 
-<file path=ppt/slides/slide6.xml><?xml version="1.0" encoding="utf-8"?>
+<file path=ppt/slides/slide5.xml><?xml version="1.0" encoding="utf-8"?>
 <p:sld xmlns:a="http://schemas.openxmlformats.org/drawingml/2006/main" xmlns:r="http://schemas.openxmlformats.org/officeDocument/2006/relationships" xmlns:p="http://schemas.openxmlformats.org/presentationml/2006/main">
   <p:cSld>
     <p:spTree>
@@ -7714,12 +11024,482 @@
           <a:p>
             <a:fld id="{68D2B808-0B9E-44A4-81FF-26361A8D6FA2}" type="slidenum">
               <a:rPr lang="en-US" smtClean="0"/>
-              <a:t>6</a:t>
+              <a:t>5</a:t>
             </a:fld>
             <a:endParaRPr lang="en-US"/>
           </a:p>
         </p:txBody>
       </p:sp>
+      <p:pic>
+        <p:nvPicPr>
+          <p:cNvPr id="5" name="Picture 4">
+            <a:extLst>
+              <a:ext uri="{FF2B5EF4-FFF2-40B4-BE49-F238E27FC236}">
+                <a16:creationId xmlns:a16="http://schemas.microsoft.com/office/drawing/2014/main" id="{E309EEE5-2E7E-E0E4-263E-FEFA91AD9261}"/>
+              </a:ext>
+            </a:extLst>
+          </p:cNvPr>
+          <p:cNvPicPr>
+            <a:picLocks noChangeAspect="1"/>
+          </p:cNvPicPr>
+          <p:nvPr/>
+        </p:nvPicPr>
+        <p:blipFill>
+          <a:blip r:embed="rId2"/>
+          <a:stretch>
+            <a:fillRect/>
+          </a:stretch>
+        </p:blipFill>
+        <p:spPr>
+          <a:xfrm>
+            <a:off x="76200" y="2149475"/>
+            <a:ext cx="6019800" cy="4572000"/>
+          </a:xfrm>
+          <a:prstGeom prst="rect">
+            <a:avLst/>
+          </a:prstGeom>
+        </p:spPr>
+      </p:pic>
+      <p:pic>
+        <p:nvPicPr>
+          <p:cNvPr id="7" name="Picture 6">
+            <a:extLst>
+              <a:ext uri="{FF2B5EF4-FFF2-40B4-BE49-F238E27FC236}">
+                <a16:creationId xmlns:a16="http://schemas.microsoft.com/office/drawing/2014/main" id="{C9060C6F-B5B9-8061-E5B1-52F8C1D12224}"/>
+              </a:ext>
+            </a:extLst>
+          </p:cNvPr>
+          <p:cNvPicPr>
+            <a:picLocks noChangeAspect="1"/>
+          </p:cNvPicPr>
+          <p:nvPr/>
+        </p:nvPicPr>
+        <p:blipFill>
+          <a:blip r:embed="rId3"/>
+          <a:stretch>
+            <a:fillRect/>
+          </a:stretch>
+        </p:blipFill>
+        <p:spPr>
+          <a:xfrm>
+            <a:off x="6172200" y="2149475"/>
+            <a:ext cx="6019800" cy="4572000"/>
+          </a:xfrm>
+          <a:prstGeom prst="rect">
+            <a:avLst/>
+          </a:prstGeom>
+        </p:spPr>
+      </p:pic>
+      <p:sp>
+        <p:nvSpPr>
+          <p:cNvPr id="9" name="TextBox 8">
+            <a:extLst>
+              <a:ext uri="{FF2B5EF4-FFF2-40B4-BE49-F238E27FC236}">
+                <a16:creationId xmlns:a16="http://schemas.microsoft.com/office/drawing/2014/main" id="{5F474C17-C3B8-8CEB-0CDA-4E2353215C02}"/>
+              </a:ext>
+            </a:extLst>
+          </p:cNvPr>
+          <p:cNvSpPr txBox="1"/>
+          <p:nvPr/>
+        </p:nvSpPr>
+        <p:spPr>
+          <a:xfrm>
+            <a:off x="4596063" y="3332566"/>
+            <a:ext cx="882316" cy="369332"/>
+          </a:xfrm>
+          <a:prstGeom prst="rect">
+            <a:avLst/>
+          </a:prstGeom>
+          <a:noFill/>
+        </p:spPr>
+        <p:txBody>
+          <a:bodyPr wrap="square">
+            <a:spAutoFit/>
+          </a:bodyPr>
+          <a:lstStyle/>
+          <a:p>
+            <a:r>
+              <a:rPr lang="en-US" dirty="0"/>
+              <a:t>Upland</a:t>
+            </a:r>
+          </a:p>
+        </p:txBody>
+      </p:sp>
+      <p:sp>
+        <p:nvSpPr>
+          <p:cNvPr id="10" name="TextBox 9">
+            <a:extLst>
+              <a:ext uri="{FF2B5EF4-FFF2-40B4-BE49-F238E27FC236}">
+                <a16:creationId xmlns:a16="http://schemas.microsoft.com/office/drawing/2014/main" id="{470BE9C1-737A-6601-3B9B-2B0BD336672A}"/>
+              </a:ext>
+            </a:extLst>
+          </p:cNvPr>
+          <p:cNvSpPr txBox="1"/>
+          <p:nvPr/>
+        </p:nvSpPr>
+        <p:spPr>
+          <a:xfrm>
+            <a:off x="6809873" y="3332566"/>
+            <a:ext cx="882316" cy="369332"/>
+          </a:xfrm>
+          <a:prstGeom prst="rect">
+            <a:avLst/>
+          </a:prstGeom>
+          <a:noFill/>
+        </p:spPr>
+        <p:txBody>
+          <a:bodyPr wrap="square">
+            <a:spAutoFit/>
+          </a:bodyPr>
+          <a:lstStyle/>
+          <a:p>
+            <a:r>
+              <a:rPr lang="en-US" dirty="0"/>
+              <a:t>Upland</a:t>
+            </a:r>
+          </a:p>
+        </p:txBody>
+      </p:sp>
+      <p:sp>
+        <p:nvSpPr>
+          <p:cNvPr id="11" name="TextBox 10">
+            <a:extLst>
+              <a:ext uri="{FF2B5EF4-FFF2-40B4-BE49-F238E27FC236}">
+                <a16:creationId xmlns:a16="http://schemas.microsoft.com/office/drawing/2014/main" id="{24A399CA-DA3E-16CC-5057-7CF903A66014}"/>
+              </a:ext>
+            </a:extLst>
+          </p:cNvPr>
+          <p:cNvSpPr txBox="1"/>
+          <p:nvPr/>
+        </p:nvSpPr>
+        <p:spPr>
+          <a:xfrm>
+            <a:off x="4882816" y="4601541"/>
+            <a:ext cx="882316" cy="369332"/>
+          </a:xfrm>
+          <a:prstGeom prst="rect">
+            <a:avLst/>
+          </a:prstGeom>
+          <a:noFill/>
+        </p:spPr>
+        <p:txBody>
+          <a:bodyPr wrap="square">
+            <a:spAutoFit/>
+          </a:bodyPr>
+          <a:lstStyle/>
+          <a:p>
+            <a:r>
+              <a:rPr lang="en-US" dirty="0"/>
+              <a:t>Lagg</a:t>
+            </a:r>
+          </a:p>
+        </p:txBody>
+      </p:sp>
+      <p:sp>
+        <p:nvSpPr>
+          <p:cNvPr id="12" name="TextBox 11">
+            <a:extLst>
+              <a:ext uri="{FF2B5EF4-FFF2-40B4-BE49-F238E27FC236}">
+                <a16:creationId xmlns:a16="http://schemas.microsoft.com/office/drawing/2014/main" id="{59D5D070-04C9-812F-00DD-DA8E207EE3AE}"/>
+              </a:ext>
+            </a:extLst>
+          </p:cNvPr>
+          <p:cNvSpPr txBox="1"/>
+          <p:nvPr/>
+        </p:nvSpPr>
+        <p:spPr>
+          <a:xfrm>
+            <a:off x="6809873" y="4601541"/>
+            <a:ext cx="882316" cy="369332"/>
+          </a:xfrm>
+          <a:prstGeom prst="rect">
+            <a:avLst/>
+          </a:prstGeom>
+          <a:noFill/>
+        </p:spPr>
+        <p:txBody>
+          <a:bodyPr wrap="square">
+            <a:spAutoFit/>
+          </a:bodyPr>
+          <a:lstStyle/>
+          <a:p>
+            <a:r>
+              <a:rPr lang="en-US" dirty="0"/>
+              <a:t>Lagg</a:t>
+            </a:r>
+          </a:p>
+        </p:txBody>
+      </p:sp>
+      <p:sp>
+        <p:nvSpPr>
+          <p:cNvPr id="13" name="TextBox 12">
+            <a:extLst>
+              <a:ext uri="{FF2B5EF4-FFF2-40B4-BE49-F238E27FC236}">
+                <a16:creationId xmlns:a16="http://schemas.microsoft.com/office/drawing/2014/main" id="{31DD192A-41D7-81C5-7A9E-2FB74E1609E2}"/>
+              </a:ext>
+            </a:extLst>
+          </p:cNvPr>
+          <p:cNvSpPr txBox="1"/>
+          <p:nvPr/>
+        </p:nvSpPr>
+        <p:spPr>
+          <a:xfrm>
+            <a:off x="4971048" y="5870516"/>
+            <a:ext cx="882316" cy="369332"/>
+          </a:xfrm>
+          <a:prstGeom prst="rect">
+            <a:avLst/>
+          </a:prstGeom>
+          <a:noFill/>
+        </p:spPr>
+        <p:txBody>
+          <a:bodyPr wrap="square">
+            <a:spAutoFit/>
+          </a:bodyPr>
+          <a:lstStyle/>
+          <a:p>
+            <a:r>
+              <a:rPr lang="en-US" dirty="0"/>
+              <a:t>Bog</a:t>
+            </a:r>
+          </a:p>
+        </p:txBody>
+      </p:sp>
+      <p:sp>
+        <p:nvSpPr>
+          <p:cNvPr id="14" name="TextBox 13">
+            <a:extLst>
+              <a:ext uri="{FF2B5EF4-FFF2-40B4-BE49-F238E27FC236}">
+                <a16:creationId xmlns:a16="http://schemas.microsoft.com/office/drawing/2014/main" id="{FA1E3F16-4464-60B1-6CB5-E74E91C508EC}"/>
+              </a:ext>
+            </a:extLst>
+          </p:cNvPr>
+          <p:cNvSpPr txBox="1"/>
+          <p:nvPr/>
+        </p:nvSpPr>
+        <p:spPr>
+          <a:xfrm>
+            <a:off x="6809873" y="5870516"/>
+            <a:ext cx="882316" cy="369332"/>
+          </a:xfrm>
+          <a:prstGeom prst="rect">
+            <a:avLst/>
+          </a:prstGeom>
+          <a:noFill/>
+        </p:spPr>
+        <p:txBody>
+          <a:bodyPr wrap="square">
+            <a:spAutoFit/>
+          </a:bodyPr>
+          <a:lstStyle/>
+          <a:p>
+            <a:r>
+              <a:rPr lang="en-US" dirty="0"/>
+              <a:t>Bog</a:t>
+            </a:r>
+          </a:p>
+        </p:txBody>
+      </p:sp>
+      <p:sp>
+        <p:nvSpPr>
+          <p:cNvPr id="15" name="TextBox 14">
+            <a:extLst>
+              <a:ext uri="{FF2B5EF4-FFF2-40B4-BE49-F238E27FC236}">
+                <a16:creationId xmlns:a16="http://schemas.microsoft.com/office/drawing/2014/main" id="{657B1B9C-1BF1-5451-B2B3-28D38E186AD5}"/>
+              </a:ext>
+            </a:extLst>
+          </p:cNvPr>
+          <p:cNvSpPr txBox="1"/>
+          <p:nvPr/>
+        </p:nvSpPr>
+        <p:spPr>
+          <a:xfrm>
+            <a:off x="3801978" y="1113003"/>
+            <a:ext cx="3529263" cy="1477328"/>
+          </a:xfrm>
+          <a:prstGeom prst="rect">
+            <a:avLst/>
+          </a:prstGeom>
+          <a:noFill/>
+        </p:spPr>
+        <p:txBody>
+          <a:bodyPr wrap="square">
+            <a:spAutoFit/>
+          </a:bodyPr>
+          <a:lstStyle/>
+          <a:p>
+            <a:r>
+              <a:rPr lang="en-US" dirty="0">
+                <a:solidFill>
+                  <a:srgbClr val="FF0000"/>
+                </a:solidFill>
+              </a:rPr>
+              <a:t>With the understanding that more snow </a:t>
+            </a:r>
+            <a:r>
+              <a:rPr lang="en-US" dirty="0">
+                <a:solidFill>
+                  <a:srgbClr val="FF0000"/>
+                </a:solidFill>
+                <a:sym typeface="Wingdings" panose="05000000000000000000" pitchFamily="2" charset="2"/>
+              </a:rPr>
+              <a:t> less frost, based on the similar snow profiles in all three zones in S2 we would expect to see similar frost profiles too. </a:t>
+            </a:r>
+            <a:endParaRPr lang="en-US" dirty="0">
+              <a:solidFill>
+                <a:srgbClr val="FF0000"/>
+              </a:solidFill>
+            </a:endParaRPr>
+          </a:p>
+        </p:txBody>
+      </p:sp>
+      <p:sp>
+        <p:nvSpPr>
+          <p:cNvPr id="16" name="TextBox 15">
+            <a:extLst>
+              <a:ext uri="{FF2B5EF4-FFF2-40B4-BE49-F238E27FC236}">
+                <a16:creationId xmlns:a16="http://schemas.microsoft.com/office/drawing/2014/main" id="{0FA1FDEA-208E-ED57-B287-8895AF903260}"/>
+              </a:ext>
+            </a:extLst>
+          </p:cNvPr>
+          <p:cNvSpPr txBox="1"/>
+          <p:nvPr/>
+        </p:nvSpPr>
+        <p:spPr>
+          <a:xfrm>
+            <a:off x="9432757" y="1470176"/>
+            <a:ext cx="2578768" cy="1200329"/>
+          </a:xfrm>
+          <a:prstGeom prst="rect">
+            <a:avLst/>
+          </a:prstGeom>
+          <a:noFill/>
+        </p:spPr>
+        <p:txBody>
+          <a:bodyPr wrap="square">
+            <a:spAutoFit/>
+          </a:bodyPr>
+          <a:lstStyle/>
+          <a:p>
+            <a:r>
+              <a:rPr lang="en-US" dirty="0">
+                <a:solidFill>
+                  <a:srgbClr val="FF0000"/>
+                </a:solidFill>
+                <a:sym typeface="Wingdings" panose="05000000000000000000" pitchFamily="2" charset="2"/>
+              </a:rPr>
+              <a:t>S6 seems to be showing textbook relationships between snow/frost, but S2 is not.  </a:t>
+            </a:r>
+            <a:endParaRPr lang="en-US" dirty="0">
+              <a:solidFill>
+                <a:srgbClr val="FF0000"/>
+              </a:solidFill>
+            </a:endParaRPr>
+          </a:p>
+        </p:txBody>
+      </p:sp>
+      <mc:AlternateContent xmlns:mc="http://schemas.openxmlformats.org/markup-compatibility/2006" xmlns:p14="http://schemas.microsoft.com/office/powerpoint/2010/main">
+        <mc:Choice Requires="p14">
+          <p:contentPart p14:bwMode="auto" r:id="rId4">
+            <p14:nvContentPartPr>
+              <p14:cNvPr id="18" name="Ink 17">
+                <a:extLst>
+                  <a:ext uri="{FF2B5EF4-FFF2-40B4-BE49-F238E27FC236}">
+                    <a16:creationId xmlns:a16="http://schemas.microsoft.com/office/drawing/2014/main" id="{90D182CF-D496-E7E0-BA5E-19D93D39E2D8}"/>
+                  </a:ext>
+                </a:extLst>
+              </p14:cNvPr>
+              <p14:cNvContentPartPr/>
+              <p14:nvPr/>
+            </p14:nvContentPartPr>
+            <p14:xfrm>
+              <a:off x="128615" y="3689002"/>
+              <a:ext cx="5599800" cy="1429560"/>
+            </p14:xfrm>
+          </p:contentPart>
+        </mc:Choice>
+        <mc:Fallback xmlns="">
+          <p:pic>
+            <p:nvPicPr>
+              <p:cNvPr id="18" name="Ink 17">
+                <a:extLst>
+                  <a:ext uri="{FF2B5EF4-FFF2-40B4-BE49-F238E27FC236}">
+                    <a16:creationId xmlns:a16="http://schemas.microsoft.com/office/drawing/2014/main" id="{90D182CF-D496-E7E0-BA5E-19D93D39E2D8}"/>
+                  </a:ext>
+                </a:extLst>
+              </p:cNvPr>
+              <p:cNvPicPr/>
+              <p:nvPr/>
+            </p:nvPicPr>
+            <p:blipFill>
+              <a:blip r:embed="rId5"/>
+              <a:stretch>
+                <a:fillRect/>
+              </a:stretch>
+            </p:blipFill>
+            <p:spPr>
+              <a:xfrm>
+                <a:off x="119615" y="3680002"/>
+                <a:ext cx="5617440" cy="1447200"/>
+              </a:xfrm>
+              <a:prstGeom prst="rect">
+                <a:avLst/>
+              </a:prstGeom>
+            </p:spPr>
+          </p:pic>
+        </mc:Fallback>
+      </mc:AlternateContent>
+      <mc:AlternateContent xmlns:mc="http://schemas.openxmlformats.org/markup-compatibility/2006" xmlns:p14="http://schemas.microsoft.com/office/powerpoint/2010/main">
+        <mc:Choice Requires="p14">
+          <p:contentPart p14:bwMode="auto" r:id="rId6">
+            <p14:nvContentPartPr>
+              <p14:cNvPr id="21" name="Ink 20">
+                <a:extLst>
+                  <a:ext uri="{FF2B5EF4-FFF2-40B4-BE49-F238E27FC236}">
+                    <a16:creationId xmlns:a16="http://schemas.microsoft.com/office/drawing/2014/main" id="{C0A644E7-9C6C-FB86-BF76-6B92015983D1}"/>
+                  </a:ext>
+                </a:extLst>
+              </p14:cNvPr>
+              <p14:cNvContentPartPr/>
+              <p14:nvPr/>
+            </p14:nvContentPartPr>
+            <p14:xfrm>
+              <a:off x="5750735" y="2390122"/>
+              <a:ext cx="546120" cy="1494720"/>
+            </p14:xfrm>
+          </p:contentPart>
+        </mc:Choice>
+        <mc:Fallback xmlns="">
+          <p:pic>
+            <p:nvPicPr>
+              <p:cNvPr id="21" name="Ink 20">
+                <a:extLst>
+                  <a:ext uri="{FF2B5EF4-FFF2-40B4-BE49-F238E27FC236}">
+                    <a16:creationId xmlns:a16="http://schemas.microsoft.com/office/drawing/2014/main" id="{C0A644E7-9C6C-FB86-BF76-6B92015983D1}"/>
+                  </a:ext>
+                </a:extLst>
+              </p:cNvPr>
+              <p:cNvPicPr/>
+              <p:nvPr/>
+            </p:nvPicPr>
+            <p:blipFill>
+              <a:blip r:embed="rId7"/>
+              <a:stretch>
+                <a:fillRect/>
+              </a:stretch>
+            </p:blipFill>
+            <p:spPr>
+              <a:xfrm>
+                <a:off x="5741735" y="2381122"/>
+                <a:ext cx="563760" cy="1512360"/>
+              </a:xfrm>
+              <a:prstGeom prst="rect">
+                <a:avLst/>
+              </a:prstGeom>
+            </p:spPr>
+          </p:pic>
+        </mc:Fallback>
+      </mc:AlternateContent>
     </p:spTree>
     <p:extLst>
       <p:ext uri="{BB962C8B-B14F-4D97-AF65-F5344CB8AC3E}">
@@ -7733,7 +11513,7 @@
 </p:sld>
 </file>
 
-<file path=ppt/slides/slide7.xml><?xml version="1.0" encoding="utf-8"?>
+<file path=ppt/slides/slide6.xml><?xml version="1.0" encoding="utf-8"?>
 <p:sld xmlns:a="http://schemas.openxmlformats.org/drawingml/2006/main" xmlns:r="http://schemas.openxmlformats.org/officeDocument/2006/relationships" xmlns:p="http://schemas.openxmlformats.org/presentationml/2006/main">
   <p:cSld>
     <p:spTree>
@@ -7808,7 +11588,7 @@
           <a:p>
             <a:fld id="{68D2B808-0B9E-44A4-81FF-26361A8D6FA2}" type="slidenum">
               <a:rPr lang="en-US" smtClean="0"/>
-              <a:t>7</a:t>
+              <a:t>6</a:t>
             </a:fld>
             <a:endParaRPr lang="en-US"/>
           </a:p>
@@ -7829,21 +11609,211 @@
           <p:nvPr/>
         </p:nvPicPr>
         <p:blipFill>
-          <a:blip r:embed="rId2"/>
-          <a:stretch>
-            <a:fillRect/>
-          </a:stretch>
+          <a:blip r:embed="rId2">
+            <a:extLst>
+              <a:ext uri="{28A0092B-C50C-407E-A947-70E740481C1C}">
+                <a14:useLocalDpi xmlns:a14="http://schemas.microsoft.com/office/drawing/2010/main" val="0"/>
+              </a:ext>
+            </a:extLst>
+          </a:blip>
+          <a:srcRect/>
+          <a:stretch/>
         </p:blipFill>
         <p:spPr>
           <a:xfrm>
-            <a:off x="5029200" y="519112"/>
-            <a:ext cx="6436518" cy="5819775"/>
+            <a:off x="5222082" y="1004393"/>
+            <a:ext cx="6436518" cy="4849213"/>
           </a:xfrm>
           <a:prstGeom prst="rect">
             <a:avLst/>
           </a:prstGeom>
         </p:spPr>
       </p:pic>
+      <p:sp>
+        <p:nvSpPr>
+          <p:cNvPr id="3" name="TextBox 2">
+            <a:extLst>
+              <a:ext uri="{FF2B5EF4-FFF2-40B4-BE49-F238E27FC236}">
+                <a16:creationId xmlns:a16="http://schemas.microsoft.com/office/drawing/2014/main" id="{C54C0973-96DB-B89D-654F-F5C3686D5FD0}"/>
+              </a:ext>
+            </a:extLst>
+          </p:cNvPr>
+          <p:cNvSpPr txBox="1"/>
+          <p:nvPr/>
+        </p:nvSpPr>
+        <p:spPr>
+          <a:xfrm>
+            <a:off x="2176807" y="2847499"/>
+            <a:ext cx="3129212" cy="1754326"/>
+          </a:xfrm>
+          <a:prstGeom prst="rect">
+            <a:avLst/>
+          </a:prstGeom>
+          <a:noFill/>
+        </p:spPr>
+        <p:txBody>
+          <a:bodyPr wrap="square" rtlCol="0">
+            <a:spAutoFit/>
+          </a:bodyPr>
+          <a:lstStyle/>
+          <a:p>
+            <a:r>
+              <a:rPr lang="en-US" dirty="0">
+                <a:solidFill>
+                  <a:schemeClr val="accent1">
+                    <a:lumMod val="60000"/>
+                    <a:lumOff val="40000"/>
+                  </a:schemeClr>
+                </a:solidFill>
+              </a:rPr>
+              <a:t>Zone-averaged soil moisture is slightly higher in S2 than in S6 and in both watersheds the north slope seems to maintain slightly higher moisture conditions. </a:t>
+            </a:r>
+          </a:p>
+        </p:txBody>
+      </p:sp>
+      <p:sp>
+        <p:nvSpPr>
+          <p:cNvPr id="6" name="TextBox 5">
+            <a:extLst>
+              <a:ext uri="{FF2B5EF4-FFF2-40B4-BE49-F238E27FC236}">
+                <a16:creationId xmlns:a16="http://schemas.microsoft.com/office/drawing/2014/main" id="{2E13A35B-3612-1283-E5E0-7207F7192596}"/>
+              </a:ext>
+            </a:extLst>
+          </p:cNvPr>
+          <p:cNvSpPr txBox="1"/>
+          <p:nvPr/>
+        </p:nvSpPr>
+        <p:spPr>
+          <a:xfrm>
+            <a:off x="781960" y="4601825"/>
+            <a:ext cx="4247240" cy="1754326"/>
+          </a:xfrm>
+          <a:prstGeom prst="rect">
+            <a:avLst/>
+          </a:prstGeom>
+          <a:noFill/>
+        </p:spPr>
+        <p:txBody>
+          <a:bodyPr wrap="square" rtlCol="0">
+            <a:spAutoFit/>
+          </a:bodyPr>
+          <a:lstStyle/>
+          <a:p>
+            <a:r>
+              <a:rPr lang="en-US" dirty="0">
+                <a:solidFill>
+                  <a:schemeClr val="accent1">
+                    <a:lumMod val="60000"/>
+                    <a:lumOff val="40000"/>
+                  </a:schemeClr>
+                </a:solidFill>
+              </a:rPr>
+              <a:t>Zone averaged soil temperature is consistent across zones, S2 might be warmer than S6.</a:t>
+            </a:r>
+          </a:p>
+          <a:p>
+            <a:r>
+              <a:rPr lang="en-US" dirty="0">
+                <a:solidFill>
+                  <a:srgbClr val="FF0000"/>
+                </a:solidFill>
+              </a:rPr>
+              <a:t>If frost were solely temperature dependent this would imply we should see consistent frost depth everywhere?</a:t>
+            </a:r>
+          </a:p>
+        </p:txBody>
+      </p:sp>
+      <mc:AlternateContent xmlns:mc="http://schemas.openxmlformats.org/markup-compatibility/2006" xmlns:p14="http://schemas.microsoft.com/office/powerpoint/2010/main">
+        <mc:Choice Requires="p14">
+          <p:contentPart p14:bwMode="auto" r:id="rId3">
+            <p14:nvContentPartPr>
+              <p14:cNvPr id="7" name="Ink 6">
+                <a:extLst>
+                  <a:ext uri="{FF2B5EF4-FFF2-40B4-BE49-F238E27FC236}">
+                    <a16:creationId xmlns:a16="http://schemas.microsoft.com/office/drawing/2014/main" id="{29CBB898-59EB-BDCE-63C2-C7E1EE808046}"/>
+                  </a:ext>
+                </a:extLst>
+              </p14:cNvPr>
+              <p14:cNvContentPartPr/>
+              <p14:nvPr/>
+            </p14:nvContentPartPr>
+            <p14:xfrm>
+              <a:off x="4660295" y="1707562"/>
+              <a:ext cx="3265560" cy="1211760"/>
+            </p14:xfrm>
+          </p:contentPart>
+        </mc:Choice>
+        <mc:Fallback xmlns="">
+          <p:pic>
+            <p:nvPicPr>
+              <p:cNvPr id="7" name="Ink 6">
+                <a:extLst>
+                  <a:ext uri="{FF2B5EF4-FFF2-40B4-BE49-F238E27FC236}">
+                    <a16:creationId xmlns:a16="http://schemas.microsoft.com/office/drawing/2014/main" id="{29CBB898-59EB-BDCE-63C2-C7E1EE808046}"/>
+                  </a:ext>
+                </a:extLst>
+              </p:cNvPr>
+              <p:cNvPicPr/>
+              <p:nvPr/>
+            </p:nvPicPr>
+            <p:blipFill>
+              <a:blip r:embed="rId4"/>
+              <a:stretch>
+                <a:fillRect/>
+              </a:stretch>
+            </p:blipFill>
+            <p:spPr>
+              <a:xfrm>
+                <a:off x="4651295" y="1698922"/>
+                <a:ext cx="3283200" cy="1229400"/>
+              </a:xfrm>
+              <a:prstGeom prst="rect">
+                <a:avLst/>
+              </a:prstGeom>
+            </p:spPr>
+          </p:pic>
+        </mc:Fallback>
+      </mc:AlternateContent>
+      <p:sp>
+        <p:nvSpPr>
+          <p:cNvPr id="10" name="TextBox 9">
+            <a:extLst>
+              <a:ext uri="{FF2B5EF4-FFF2-40B4-BE49-F238E27FC236}">
+                <a16:creationId xmlns:a16="http://schemas.microsoft.com/office/drawing/2014/main" id="{0A632D2E-4C99-6F95-105D-7683A80D85EF}"/>
+              </a:ext>
+            </a:extLst>
+          </p:cNvPr>
+          <p:cNvSpPr txBox="1"/>
+          <p:nvPr/>
+        </p:nvSpPr>
+        <p:spPr>
+          <a:xfrm>
+            <a:off x="5562600" y="6330479"/>
+            <a:ext cx="6096000" cy="369332"/>
+          </a:xfrm>
+          <a:prstGeom prst="rect">
+            <a:avLst/>
+          </a:prstGeom>
+          <a:noFill/>
+        </p:spPr>
+        <p:txBody>
+          <a:bodyPr wrap="square">
+            <a:spAutoFit/>
+          </a:bodyPr>
+          <a:lstStyle/>
+          <a:p>
+            <a:r>
+              <a:rPr lang="en-US" dirty="0">
+                <a:solidFill>
+                  <a:srgbClr val="FF0000"/>
+                </a:solidFill>
+              </a:rPr>
+              <a:t>So why are the S2 frost depths so out of the ordinary?</a:t>
+            </a:r>
+            <a:endParaRPr lang="en-US" dirty="0"/>
+          </a:p>
+        </p:txBody>
+      </p:sp>
     </p:spTree>
     <p:extLst>
       <p:ext uri="{BB962C8B-B14F-4D97-AF65-F5344CB8AC3E}">
@@ -7857,7 +11827,7 @@
 </p:sld>
 </file>
 
-<file path=ppt/slides/slide8.xml><?xml version="1.0" encoding="utf-8"?>
+<file path=ppt/slides/slide7.xml><?xml version="1.0" encoding="utf-8"?>
 <p:sld xmlns:a="http://schemas.openxmlformats.org/drawingml/2006/main" xmlns:r="http://schemas.openxmlformats.org/officeDocument/2006/relationships" xmlns:p="http://schemas.openxmlformats.org/presentationml/2006/main">
   <p:cSld>
     <p:bg>
@@ -8198,7 +12168,7 @@
                   <a:spcPts val="600"/>
                 </a:spcAft>
               </a:pPr>
-              <a:t>8</a:t>
+              <a:t>7</a:t>
             </a:fld>
             <a:endParaRPr lang="en-US"/>
           </a:p>
@@ -8406,7 +12376,7 @@
                   <a:srgbClr val="FF0000"/>
                 </a:solidFill>
               </a:rPr>
-              <a:t>There seem to be no consistencies between the zones, but there may be more frost forming on the south slope</a:t>
+              <a:t>There seem to be more frost forming on the slopes/lagg than the upland and there may be more frost forming on the North slope</a:t>
             </a:r>
           </a:p>
         </p:txBody>
@@ -8555,7 +12525,7 @@
                   <a:srgbClr val="FF0000"/>
                 </a:solidFill>
               </a:rPr>
-              <a:t>Huge inconsistencies between soil temperature and detected frost depth in S2</a:t>
+              <a:t>Huge inconsistencies between soil temperature and manual frost depth measurements in S2</a:t>
             </a:r>
           </a:p>
         </p:txBody>
@@ -8662,180 +12632,92 @@
           </p:pic>
         </mc:Fallback>
       </mc:AlternateContent>
-      <p:grpSp>
-        <p:nvGrpSpPr>
-          <p:cNvPr id="32" name="Group 31">
+      <p:sp>
+        <p:nvSpPr>
+          <p:cNvPr id="7" name="TextBox 6">
             <a:extLst>
               <a:ext uri="{FF2B5EF4-FFF2-40B4-BE49-F238E27FC236}">
-                <a16:creationId xmlns:a16="http://schemas.microsoft.com/office/drawing/2014/main" id="{B7C24A0A-F6D2-9B40-D503-9E133D489746}"/>
+                <a16:creationId xmlns:a16="http://schemas.microsoft.com/office/drawing/2014/main" id="{C3976F7E-03EA-0754-F625-7CB1C680A40C}"/>
               </a:ext>
             </a:extLst>
           </p:cNvPr>
-          <p:cNvGrpSpPr/>
+          <p:cNvSpPr txBox="1"/>
           <p:nvPr/>
-        </p:nvGrpSpPr>
-        <p:grpSpPr>
+        </p:nvSpPr>
+        <p:spPr>
           <a:xfrm>
-            <a:off x="11626454" y="4876412"/>
-            <a:ext cx="237240" cy="308880"/>
-            <a:chOff x="11626454" y="4876412"/>
-            <a:chExt cx="237240" cy="308880"/>
+            <a:off x="43317" y="4914782"/>
+            <a:ext cx="856800" cy="369332"/>
           </a:xfrm>
-        </p:grpSpPr>
-        <mc:AlternateContent xmlns:mc="http://schemas.openxmlformats.org/markup-compatibility/2006" xmlns:p14="http://schemas.microsoft.com/office/powerpoint/2010/main">
-          <mc:Choice Requires="p14">
-            <p:contentPart p14:bwMode="auto" r:id="rId10">
-              <p14:nvContentPartPr>
-                <p14:cNvPr id="30" name="Ink 29">
-                  <a:extLst>
-                    <a:ext uri="{FF2B5EF4-FFF2-40B4-BE49-F238E27FC236}">
-                      <a16:creationId xmlns:a16="http://schemas.microsoft.com/office/drawing/2014/main" id="{FD2E1B61-EEC0-5DA9-4612-1770CB8F629C}"/>
-                    </a:ext>
-                  </a:extLst>
-                </p14:cNvPr>
-                <p14:cNvContentPartPr/>
-                <p14:nvPr/>
-              </p14:nvContentPartPr>
-              <p14:xfrm>
-                <a:off x="11626454" y="4907732"/>
-                <a:ext cx="360" cy="277560"/>
-              </p14:xfrm>
-            </p:contentPart>
-          </mc:Choice>
-          <mc:Fallback xmlns="">
-            <p:pic>
-              <p:nvPicPr>
-                <p:cNvPr id="30" name="Ink 29">
-                  <a:extLst>
-                    <a:ext uri="{FF2B5EF4-FFF2-40B4-BE49-F238E27FC236}">
-                      <a16:creationId xmlns:a16="http://schemas.microsoft.com/office/drawing/2014/main" id="{FD2E1B61-EEC0-5DA9-4612-1770CB8F629C}"/>
-                    </a:ext>
-                  </a:extLst>
-                </p:cNvPr>
-                <p:cNvPicPr/>
-                <p:nvPr/>
-              </p:nvPicPr>
-              <p:blipFill>
-                <a:blip r:embed="rId11"/>
-                <a:stretch>
-                  <a:fillRect/>
-                </a:stretch>
-              </p:blipFill>
-              <p:spPr>
-                <a:xfrm>
-                  <a:off x="11617814" y="4898732"/>
-                  <a:ext cx="18000" cy="295200"/>
-                </a:xfrm>
-                <a:prstGeom prst="rect">
-                  <a:avLst/>
-                </a:prstGeom>
-              </p:spPr>
-            </p:pic>
-          </mc:Fallback>
-        </mc:AlternateContent>
-        <mc:AlternateContent xmlns:mc="http://schemas.openxmlformats.org/markup-compatibility/2006" xmlns:p14="http://schemas.microsoft.com/office/powerpoint/2010/main">
-          <mc:Choice Requires="p14">
-            <p:contentPart p14:bwMode="auto" r:id="rId12">
-              <p14:nvContentPartPr>
-                <p14:cNvPr id="31" name="Ink 30">
-                  <a:extLst>
-                    <a:ext uri="{FF2B5EF4-FFF2-40B4-BE49-F238E27FC236}">
-                      <a16:creationId xmlns:a16="http://schemas.microsoft.com/office/drawing/2014/main" id="{C3C368D7-28EC-D0AF-20C3-1AC2351F40D1}"/>
-                    </a:ext>
-                  </a:extLst>
-                </p14:cNvPr>
-                <p14:cNvContentPartPr/>
-                <p14:nvPr/>
-              </p14:nvContentPartPr>
-              <p14:xfrm>
-                <a:off x="11626454" y="4876412"/>
-                <a:ext cx="237240" cy="260640"/>
-              </p14:xfrm>
-            </p:contentPart>
-          </mc:Choice>
-          <mc:Fallback xmlns="">
-            <p:pic>
-              <p:nvPicPr>
-                <p:cNvPr id="31" name="Ink 30">
-                  <a:extLst>
-                    <a:ext uri="{FF2B5EF4-FFF2-40B4-BE49-F238E27FC236}">
-                      <a16:creationId xmlns:a16="http://schemas.microsoft.com/office/drawing/2014/main" id="{C3C368D7-28EC-D0AF-20C3-1AC2351F40D1}"/>
-                    </a:ext>
-                  </a:extLst>
-                </p:cNvPr>
-                <p:cNvPicPr/>
-                <p:nvPr/>
-              </p:nvPicPr>
-              <p:blipFill>
-                <a:blip r:embed="rId13"/>
-                <a:stretch>
-                  <a:fillRect/>
-                </a:stretch>
-              </p:blipFill>
-              <p:spPr>
-                <a:xfrm>
-                  <a:off x="11617814" y="4867772"/>
-                  <a:ext cx="254880" cy="278280"/>
-                </a:xfrm>
-                <a:prstGeom prst="rect">
-                  <a:avLst/>
-                </a:prstGeom>
-              </p:spPr>
-            </p:pic>
-          </mc:Fallback>
-        </mc:AlternateContent>
-      </p:grpSp>
-      <mc:AlternateContent xmlns:mc="http://schemas.openxmlformats.org/markup-compatibility/2006" xmlns:p14="http://schemas.microsoft.com/office/powerpoint/2010/main">
-        <mc:Choice Requires="p14">
-          <p:contentPart p14:bwMode="auto" r:id="rId14">
-            <p14:nvContentPartPr>
-              <p14:cNvPr id="34" name="Ink 33">
-                <a:extLst>
-                  <a:ext uri="{FF2B5EF4-FFF2-40B4-BE49-F238E27FC236}">
-                    <a16:creationId xmlns:a16="http://schemas.microsoft.com/office/drawing/2014/main" id="{2A59AE65-1416-9ADC-FDFA-615B09C16901}"/>
-                  </a:ext>
-                </a:extLst>
-              </p14:cNvPr>
-              <p14:cNvContentPartPr/>
-              <p14:nvPr/>
-            </p14:nvContentPartPr>
-            <p14:xfrm>
-              <a:off x="213374" y="4927892"/>
-              <a:ext cx="282240" cy="315000"/>
-            </p14:xfrm>
-          </p:contentPart>
-        </mc:Choice>
-        <mc:Fallback xmlns="">
-          <p:pic>
-            <p:nvPicPr>
-              <p:cNvPr id="34" name="Ink 33">
-                <a:extLst>
-                  <a:ext uri="{FF2B5EF4-FFF2-40B4-BE49-F238E27FC236}">
-                    <a16:creationId xmlns:a16="http://schemas.microsoft.com/office/drawing/2014/main" id="{2A59AE65-1416-9ADC-FDFA-615B09C16901}"/>
-                  </a:ext>
-                </a:extLst>
-              </p:cNvPr>
-              <p:cNvPicPr/>
-              <p:nvPr/>
-            </p:nvPicPr>
-            <p:blipFill>
-              <a:blip r:embed="rId15"/>
-              <a:stretch>
-                <a:fillRect/>
-              </a:stretch>
-            </p:blipFill>
-            <p:spPr>
-              <a:xfrm>
-                <a:off x="204734" y="4919252"/>
-                <a:ext cx="299880" cy="332640"/>
-              </a:xfrm>
-              <a:prstGeom prst="rect">
-                <a:avLst/>
-              </a:prstGeom>
-            </p:spPr>
-          </p:pic>
-        </mc:Fallback>
-      </mc:AlternateContent>
+          <a:prstGeom prst="rect">
+            <a:avLst/>
+          </a:prstGeom>
+          <a:noFill/>
+        </p:spPr>
+        <p:txBody>
+          <a:bodyPr wrap="square">
+            <a:spAutoFit/>
+          </a:bodyPr>
+          <a:lstStyle/>
+          <a:p>
+            <a:r>
+              <a:rPr lang="en-US" dirty="0">
+                <a:solidFill>
+                  <a:schemeClr val="accent1">
+                    <a:lumMod val="60000"/>
+                    <a:lumOff val="40000"/>
+                  </a:schemeClr>
+                </a:solidFill>
+              </a:rPr>
+              <a:t>North</a:t>
+            </a:r>
+            <a:endParaRPr lang="en-US" dirty="0"/>
+          </a:p>
+        </p:txBody>
+      </p:sp>
+      <p:sp>
+        <p:nvSpPr>
+          <p:cNvPr id="9" name="TextBox 8">
+            <a:extLst>
+              <a:ext uri="{FF2B5EF4-FFF2-40B4-BE49-F238E27FC236}">
+                <a16:creationId xmlns:a16="http://schemas.microsoft.com/office/drawing/2014/main" id="{8278883E-EC87-2729-2FDD-9EBB61407C4F}"/>
+              </a:ext>
+            </a:extLst>
+          </p:cNvPr>
+          <p:cNvSpPr txBox="1"/>
+          <p:nvPr/>
+        </p:nvSpPr>
+        <p:spPr>
+          <a:xfrm>
+            <a:off x="11361022" y="4914782"/>
+            <a:ext cx="856800" cy="369332"/>
+          </a:xfrm>
+          <a:prstGeom prst="rect">
+            <a:avLst/>
+          </a:prstGeom>
+          <a:noFill/>
+        </p:spPr>
+        <p:txBody>
+          <a:bodyPr wrap="square">
+            <a:spAutoFit/>
+          </a:bodyPr>
+          <a:lstStyle/>
+          <a:p>
+            <a:r>
+              <a:rPr lang="en-US" dirty="0">
+                <a:solidFill>
+                  <a:schemeClr val="accent1">
+                    <a:lumMod val="60000"/>
+                    <a:lumOff val="40000"/>
+                  </a:schemeClr>
+                </a:solidFill>
+              </a:rPr>
+              <a:t>South</a:t>
+            </a:r>
+            <a:endParaRPr lang="en-US" dirty="0"/>
+          </a:p>
+        </p:txBody>
+      </p:sp>
     </p:spTree>
     <p:extLst>
       <p:ext uri="{BB962C8B-B14F-4D97-AF65-F5344CB8AC3E}">
@@ -8849,7 +12731,7 @@
 </p:sld>
 </file>
 
-<file path=ppt/slides/slide9.xml><?xml version="1.0" encoding="utf-8"?>
+<file path=ppt/slides/slide8.xml><?xml version="1.0" encoding="utf-8"?>
 <p:sld xmlns:a="http://schemas.openxmlformats.org/drawingml/2006/main" xmlns:r="http://schemas.openxmlformats.org/officeDocument/2006/relationships" xmlns:p="http://schemas.openxmlformats.org/presentationml/2006/main">
   <p:cSld>
     <p:bg>
@@ -9190,7 +13072,7 @@
                   <a:spcPts val="600"/>
                 </a:spcAft>
               </a:pPr>
-              <a:t>9</a:t>
+              <a:t>8</a:t>
             </a:fld>
             <a:endParaRPr lang="en-US"/>
           </a:p>
@@ -9508,117 +13390,247 @@
                   <a:srgbClr val="FF0000"/>
                 </a:solidFill>
               </a:rPr>
-              <a:t>There seem to be no consistencies between the zones, but there may be more frost forming on the south slope</a:t>
+              <a:t>There seem to be no consistencies between the zones, but there may be more frost forming on the North slope</a:t>
             </a:r>
           </a:p>
         </p:txBody>
       </p:sp>
-      <mc:AlternateContent xmlns:mc="http://schemas.openxmlformats.org/markup-compatibility/2006" xmlns:p14="http://schemas.microsoft.com/office/powerpoint/2010/main">
-        <mc:Choice Requires="p14">
-          <p:contentPart p14:bwMode="auto" r:id="rId6">
-            <p14:nvContentPartPr>
-              <p14:cNvPr id="22" name="Ink 21">
-                <a:extLst>
-                  <a:ext uri="{FF2B5EF4-FFF2-40B4-BE49-F238E27FC236}">
-                    <a16:creationId xmlns:a16="http://schemas.microsoft.com/office/drawing/2014/main" id="{957A6EFF-FBF7-1922-F38F-796E75D67764}"/>
-                  </a:ext>
-                </a:extLst>
-              </p14:cNvPr>
-              <p14:cNvContentPartPr/>
-              <p14:nvPr/>
-            </p14:nvContentPartPr>
-            <p14:xfrm>
-              <a:off x="11604134" y="5079092"/>
-              <a:ext cx="194400" cy="372240"/>
-            </p14:xfrm>
-          </p:contentPart>
-        </mc:Choice>
-        <mc:Fallback xmlns="">
-          <p:pic>
-            <p:nvPicPr>
-              <p:cNvPr id="22" name="Ink 21">
-                <a:extLst>
-                  <a:ext uri="{FF2B5EF4-FFF2-40B4-BE49-F238E27FC236}">
-                    <a16:creationId xmlns:a16="http://schemas.microsoft.com/office/drawing/2014/main" id="{957A6EFF-FBF7-1922-F38F-796E75D67764}"/>
-                  </a:ext>
-                </a:extLst>
-              </p:cNvPr>
-              <p:cNvPicPr/>
-              <p:nvPr/>
-            </p:nvPicPr>
-            <p:blipFill>
-              <a:blip r:embed="rId7"/>
-              <a:stretch>
-                <a:fillRect/>
-              </a:stretch>
-            </p:blipFill>
-            <p:spPr>
-              <a:xfrm>
-                <a:off x="11595494" y="5070092"/>
-                <a:ext cx="212040" cy="389880"/>
-              </a:xfrm>
-              <a:prstGeom prst="rect">
-                <a:avLst/>
-              </a:prstGeom>
-            </p:spPr>
-          </p:pic>
-        </mc:Fallback>
-      </mc:AlternateContent>
-      <mc:AlternateContent xmlns:mc="http://schemas.openxmlformats.org/markup-compatibility/2006" xmlns:p14="http://schemas.microsoft.com/office/powerpoint/2010/main">
-        <mc:Choice Requires="p14">
-          <p:contentPart p14:bwMode="auto" r:id="rId8">
-            <p14:nvContentPartPr>
-              <p14:cNvPr id="23" name="Ink 22">
-                <a:extLst>
-                  <a:ext uri="{FF2B5EF4-FFF2-40B4-BE49-F238E27FC236}">
-                    <a16:creationId xmlns:a16="http://schemas.microsoft.com/office/drawing/2014/main" id="{D9F72229-48F9-1149-2E96-21CED6482BAF}"/>
-                  </a:ext>
-                </a:extLst>
-              </p14:cNvPr>
-              <p14:cNvContentPartPr/>
-              <p14:nvPr/>
-            </p14:nvContentPartPr>
-            <p14:xfrm>
-              <a:off x="94934" y="5023652"/>
-              <a:ext cx="376560" cy="348120"/>
-            </p14:xfrm>
-          </p:contentPart>
-        </mc:Choice>
-        <mc:Fallback xmlns="">
-          <p:pic>
-            <p:nvPicPr>
-              <p:cNvPr id="23" name="Ink 22">
-                <a:extLst>
-                  <a:ext uri="{FF2B5EF4-FFF2-40B4-BE49-F238E27FC236}">
-                    <a16:creationId xmlns:a16="http://schemas.microsoft.com/office/drawing/2014/main" id="{D9F72229-48F9-1149-2E96-21CED6482BAF}"/>
-                  </a:ext>
-                </a:extLst>
-              </p:cNvPr>
-              <p:cNvPicPr/>
-              <p:nvPr/>
-            </p:nvPicPr>
-            <p:blipFill>
-              <a:blip r:embed="rId9"/>
-              <a:stretch>
-                <a:fillRect/>
-              </a:stretch>
-            </p:blipFill>
-            <p:spPr>
-              <a:xfrm>
-                <a:off x="86294" y="5014652"/>
-                <a:ext cx="394200" cy="365760"/>
-              </a:xfrm>
-              <a:prstGeom prst="rect">
-                <a:avLst/>
-              </a:prstGeom>
-            </p:spPr>
-          </p:pic>
-        </mc:Fallback>
-      </mc:AlternateContent>
+      <p:sp>
+        <p:nvSpPr>
+          <p:cNvPr id="3" name="TextBox 2">
+            <a:extLst>
+              <a:ext uri="{FF2B5EF4-FFF2-40B4-BE49-F238E27FC236}">
+                <a16:creationId xmlns:a16="http://schemas.microsoft.com/office/drawing/2014/main" id="{0269ED89-A0E0-A3C1-1F21-880496B20578}"/>
+              </a:ext>
+            </a:extLst>
+          </p:cNvPr>
+          <p:cNvSpPr txBox="1"/>
+          <p:nvPr/>
+        </p:nvSpPr>
+        <p:spPr>
+          <a:xfrm>
+            <a:off x="43317" y="4914782"/>
+            <a:ext cx="856800" cy="369332"/>
+          </a:xfrm>
+          <a:prstGeom prst="rect">
+            <a:avLst/>
+          </a:prstGeom>
+          <a:noFill/>
+        </p:spPr>
+        <p:txBody>
+          <a:bodyPr wrap="square">
+            <a:spAutoFit/>
+          </a:bodyPr>
+          <a:lstStyle/>
+          <a:p>
+            <a:r>
+              <a:rPr lang="en-US" dirty="0">
+                <a:solidFill>
+                  <a:schemeClr val="accent1">
+                    <a:lumMod val="60000"/>
+                    <a:lumOff val="40000"/>
+                  </a:schemeClr>
+                </a:solidFill>
+              </a:rPr>
+              <a:t>North</a:t>
+            </a:r>
+            <a:endParaRPr lang="en-US" dirty="0"/>
+          </a:p>
+        </p:txBody>
+      </p:sp>
+      <p:sp>
+        <p:nvSpPr>
+          <p:cNvPr id="5" name="TextBox 4">
+            <a:extLst>
+              <a:ext uri="{FF2B5EF4-FFF2-40B4-BE49-F238E27FC236}">
+                <a16:creationId xmlns:a16="http://schemas.microsoft.com/office/drawing/2014/main" id="{57ED7A79-7C45-492F-E1E7-F26AB7AE5584}"/>
+              </a:ext>
+            </a:extLst>
+          </p:cNvPr>
+          <p:cNvSpPr txBox="1"/>
+          <p:nvPr/>
+        </p:nvSpPr>
+        <p:spPr>
+          <a:xfrm>
+            <a:off x="11361022" y="4914782"/>
+            <a:ext cx="856800" cy="369332"/>
+          </a:xfrm>
+          <a:prstGeom prst="rect">
+            <a:avLst/>
+          </a:prstGeom>
+          <a:noFill/>
+        </p:spPr>
+        <p:txBody>
+          <a:bodyPr wrap="square">
+            <a:spAutoFit/>
+          </a:bodyPr>
+          <a:lstStyle/>
+          <a:p>
+            <a:r>
+              <a:rPr lang="en-US" dirty="0">
+                <a:solidFill>
+                  <a:schemeClr val="accent1">
+                    <a:lumMod val="60000"/>
+                    <a:lumOff val="40000"/>
+                  </a:schemeClr>
+                </a:solidFill>
+              </a:rPr>
+              <a:t>South</a:t>
+            </a:r>
+            <a:endParaRPr lang="en-US" dirty="0"/>
+          </a:p>
+        </p:txBody>
+      </p:sp>
     </p:spTree>
     <p:extLst>
       <p:ext uri="{BB962C8B-B14F-4D97-AF65-F5344CB8AC3E}">
         <p14:creationId xmlns:p14="http://schemas.microsoft.com/office/powerpoint/2010/main" val="594263765"/>
+      </p:ext>
+    </p:extLst>
+  </p:cSld>
+  <p:clrMapOvr>
+    <a:masterClrMapping/>
+  </p:clrMapOvr>
+</p:sld>
+</file>
+
+<file path=ppt/slides/slide9.xml><?xml version="1.0" encoding="utf-8"?>
+<p:sld xmlns:a="http://schemas.openxmlformats.org/drawingml/2006/main" xmlns:r="http://schemas.openxmlformats.org/officeDocument/2006/relationships" xmlns:p="http://schemas.openxmlformats.org/presentationml/2006/main">
+  <p:cSld>
+    <p:spTree>
+      <p:nvGrpSpPr>
+        <p:cNvPr id="1" name=""/>
+        <p:cNvGrpSpPr/>
+        <p:nvPr/>
+      </p:nvGrpSpPr>
+      <p:grpSpPr>
+        <a:xfrm>
+          <a:off x="0" y="0"/>
+          <a:ext cx="0" cy="0"/>
+          <a:chOff x="0" y="0"/>
+          <a:chExt cx="0" cy="0"/>
+        </a:xfrm>
+      </p:grpSpPr>
+      <p:sp>
+        <p:nvSpPr>
+          <p:cNvPr id="2" name="Slide Number Placeholder 1">
+            <a:extLst>
+              <a:ext uri="{FF2B5EF4-FFF2-40B4-BE49-F238E27FC236}">
+                <a16:creationId xmlns:a16="http://schemas.microsoft.com/office/drawing/2014/main" id="{FEE2DB1E-8D68-9CD6-448D-E5842A9C955B}"/>
+              </a:ext>
+            </a:extLst>
+          </p:cNvPr>
+          <p:cNvSpPr>
+            <a:spLocks noGrp="1"/>
+          </p:cNvSpPr>
+          <p:nvPr>
+            <p:ph type="sldNum" sz="quarter" idx="12"/>
+          </p:nvPr>
+        </p:nvSpPr>
+        <p:spPr/>
+        <p:txBody>
+          <a:bodyPr/>
+          <a:lstStyle/>
+          <a:p>
+            <a:fld id="{68D2B808-0B9E-44A4-81FF-26361A8D6FA2}" type="slidenum">
+              <a:rPr lang="en-US" smtClean="0"/>
+              <a:t>9</a:t>
+            </a:fld>
+            <a:endParaRPr lang="en-US"/>
+          </a:p>
+        </p:txBody>
+      </p:sp>
+      <p:sp>
+        <p:nvSpPr>
+          <p:cNvPr id="5" name="Rectangle 4">
+            <a:extLst>
+              <a:ext uri="{FF2B5EF4-FFF2-40B4-BE49-F238E27FC236}">
+                <a16:creationId xmlns:a16="http://schemas.microsoft.com/office/drawing/2014/main" id="{4F9D457A-CC41-D624-A107-36D9E15900B0}"/>
+              </a:ext>
+            </a:extLst>
+          </p:cNvPr>
+          <p:cNvSpPr/>
+          <p:nvPr/>
+        </p:nvSpPr>
+        <p:spPr>
+          <a:xfrm>
+            <a:off x="625643" y="1159105"/>
+            <a:ext cx="10515600" cy="4730285"/>
+          </a:xfrm>
+          <a:prstGeom prst="rect">
+            <a:avLst/>
+          </a:prstGeom>
+        </p:spPr>
+        <p:style>
+          <a:lnRef idx="0">
+            <a:schemeClr val="dk1">
+              <a:alpha val="0"/>
+              <a:hueOff val="0"/>
+              <a:satOff val="0"/>
+              <a:lumOff val="0"/>
+              <a:alphaOff val="0"/>
+            </a:schemeClr>
+          </a:lnRef>
+          <a:fillRef idx="0">
+            <a:schemeClr val="lt2">
+              <a:alpha val="0"/>
+              <a:hueOff val="0"/>
+              <a:satOff val="0"/>
+              <a:lumOff val="0"/>
+              <a:alphaOff val="0"/>
+            </a:schemeClr>
+          </a:fillRef>
+          <a:effectRef idx="0">
+            <a:schemeClr val="lt2">
+              <a:alpha val="0"/>
+              <a:hueOff val="0"/>
+              <a:satOff val="0"/>
+              <a:lumOff val="0"/>
+              <a:alphaOff val="0"/>
+            </a:schemeClr>
+          </a:effectRef>
+          <a:fontRef idx="minor">
+            <a:schemeClr val="tx1">
+              <a:hueOff val="0"/>
+              <a:satOff val="0"/>
+              <a:lumOff val="0"/>
+              <a:alphaOff val="0"/>
+            </a:schemeClr>
+          </a:fontRef>
+        </p:style>
+      </p:sp>
+      <p:graphicFrame>
+        <p:nvGraphicFramePr>
+          <p:cNvPr id="11" name="TextBox 8">
+            <a:extLst>
+              <a:ext uri="{FF2B5EF4-FFF2-40B4-BE49-F238E27FC236}">
+                <a16:creationId xmlns:a16="http://schemas.microsoft.com/office/drawing/2014/main" id="{F1675D9D-E585-A341-8CF0-49C6BF1D3961}"/>
+              </a:ext>
+            </a:extLst>
+          </p:cNvPr>
+          <p:cNvGraphicFramePr/>
+          <p:nvPr>
+            <p:extLst>
+              <p:ext uri="{D42A27DB-BD31-4B8C-83A1-F6EECF244321}">
+                <p14:modId xmlns:p14="http://schemas.microsoft.com/office/powerpoint/2010/main" val="666549606"/>
+              </p:ext>
+            </p:extLst>
+          </p:nvPr>
+        </p:nvGraphicFramePr>
+        <p:xfrm>
+          <a:off x="978569" y="848293"/>
+          <a:ext cx="10375231" cy="5161413"/>
+        </p:xfrm>
+        <a:graphic>
+          <a:graphicData uri="http://schemas.openxmlformats.org/drawingml/2006/diagram">
+            <dgm:relIds xmlns:dgm="http://schemas.openxmlformats.org/drawingml/2006/diagram" xmlns:r="http://schemas.openxmlformats.org/officeDocument/2006/relationships" r:dm="rId2" r:lo="rId3" r:qs="rId4" r:cs="rId5"/>
+          </a:graphicData>
+        </a:graphic>
+      </p:graphicFrame>
+    </p:spTree>
+    <p:extLst>
+      <p:ext uri="{BB962C8B-B14F-4D97-AF65-F5344CB8AC3E}">
+        <p14:creationId xmlns:p14="http://schemas.microsoft.com/office/powerpoint/2010/main" val="2191471937"/>
       </p:ext>
     </p:extLst>
   </p:cSld>
